--- a/templates/ppt_template/split_presentations_35.pptx
+++ b/templates/ppt_template/split_presentations_35.pptx
@@ -1,26 +1,20 @@
 
 <file path=ppt/presentation.xml><?xml version="1.0" encoding="utf-8"?>
-<p:presentation xmlns:p15="http://schemas.microsoft.com/office/powerpoint/2012/main" xmlns:a="http://schemas.openxmlformats.org/drawingml/2006/main" xmlns:r="http://schemas.openxmlformats.org/officeDocument/2006/relationships" xmlns:p="http://schemas.openxmlformats.org/presentationml/2006/main" showSpecialPlsOnTitleSld="0" removePersonalInfoOnSave="1" saveSubsetFonts="1" autoCompressPictures="0">
+<p:presentation xmlns:a="http://schemas.openxmlformats.org/drawingml/2006/main" xmlns:r="http://schemas.openxmlformats.org/officeDocument/2006/relationships" xmlns:p="http://schemas.openxmlformats.org/presentationml/2006/main" saveSubsetFonts="1">
   <p:sldMasterIdLst>
-    <p:sldMasterId id="2147483692" r:id="rId3"/>
+    <p:sldMasterId id="2147483660" r:id="rId1"/>
   </p:sldMasterIdLst>
   <p:notesMasterIdLst>
-    <p:notesMasterId r:id="rId254"/>
+    <p:notesMasterId r:id="rId3"/>
   </p:notesMasterIdLst>
-  <p:handoutMasterIdLst>
-    <p:handoutMasterId r:id="rId255"/>
-  </p:handoutMasterIdLst>
   <p:sldIdLst>
-    <p:sldId id="470" r:id="rId38"/>
+    <p:sldId id="470" r:id="rId2"/>
   </p:sldIdLst>
   <p:sldSz cx="12192000" cy="6858000"/>
   <p:notesSz cx="6858000" cy="9144000"/>
-  <p:custDataLst>
-    <p:tags r:id="rId256"/>
-  </p:custDataLst>
   <p:defaultTextStyle>
     <a:defPPr>
-      <a:defRPr lang="en-US"/>
+      <a:defRPr lang="zh-CN"/>
     </a:defPPr>
     <a:lvl1pPr marL="0" algn="l" defTabSz="914400" rtl="0" eaLnBrk="1" latinLnBrk="0" hangingPunct="1">
       <a:defRPr sz="1800" kern="1200">
@@ -113,234 +107,7 @@
       </a:defRPr>
     </a:lvl9pPr>
   </p:defaultTextStyle>
-  <p:extLst>
-    <p:ext uri="{EFAFB233-063F-42B5-8137-9DF3F51BA10A}">
-      <p15:sldGuideLst xmlns:p15="http://schemas.microsoft.com/office/powerpoint/2012/main"/>
-    </p:ext>
-    <p:ext uri="{2D200454-40CA-4A62-9FC3-DE9A4176ACB9}">
-      <p15:notesGuideLst xmlns:p15="http://schemas.microsoft.com/office/powerpoint/2012/main"/>
-    </p:ext>
-  </p:extLst>
 </p:presentation>
-</file>
-
-<file path=ppt/authors.xml><?xml version="1.0" encoding="utf-8"?>
-<p188:authorLst xmlns:a="http://schemas.openxmlformats.org/drawingml/2006/main" xmlns:r="http://schemas.openxmlformats.org/officeDocument/2006/relationships" xmlns:p188="http://schemas.microsoft.com/office/powerpoint/2018/8/main">
-  <p188:author id="{00000000-0000-0000-0000-000000000000}" name="Author" initials="A" userId="Author" providerId="AD"/>
-</p188:authorLst>
-</file>
-
-<file path=ppt/revisionInfo.xml><?xml version="1.0" encoding="utf-8"?>
-<p1510:revInfo xmlns:a="http://schemas.openxmlformats.org/drawingml/2006/main" xmlns:r="http://schemas.openxmlformats.org/officeDocument/2006/relationships" xmlns:p1510="http://schemas.microsoft.com/office/powerpoint/2015/10/main">
-  <p1510:revLst>
-    <p1510:client id="{BAA9D4EB-3D9D-4565-8C35-32D62D845C2C}" v="40032" dt="2024-10-23T10:06:55.321"/>
-  </p1510:revLst>
-</p1510:revInfo>
-</file>
-
-<file path=ppt/handoutMasters/handoutMaster1.xml><?xml version="1.0" encoding="utf-8"?>
-<p:handoutMaster xmlns:a="http://schemas.openxmlformats.org/drawingml/2006/main" xmlns:r="http://schemas.openxmlformats.org/officeDocument/2006/relationships" xmlns:p="http://schemas.openxmlformats.org/presentationml/2006/main">
-  <p:cSld>
-    <p:bg>
-      <p:bgRef idx="1001">
-        <a:schemeClr val="bg1"/>
-      </p:bgRef>
-    </p:bg>
-    <p:spTree>
-      <p:nvGrpSpPr>
-        <p:cNvPr id="1" name=""/>
-        <p:cNvGrpSpPr/>
-        <p:nvPr/>
-      </p:nvGrpSpPr>
-      <p:grpSpPr>
-        <a:xfrm>
-          <a:off x="0" y="0"/>
-          <a:ext cx="0" cy="0"/>
-          <a:chOff x="0" y="0"/>
-          <a:chExt cx="0" cy="0"/>
-        </a:xfrm>
-      </p:grpSpPr>
-      <p:sp>
-        <p:nvSpPr>
-          <p:cNvPr id="2" name="Header Placeholder 1">
-            <a:extLst>
-              <a:ext uri="{FF2B5EF4-FFF2-40B4-BE49-F238E27FC236}">
-                <a16:creationId xmlns:a16="http://schemas.microsoft.com/office/drawing/2014/main" id="{7EC76A4D-CEC1-3E79-D6AB-EA09635240AF}"/>
-              </a:ext>
-            </a:extLst>
-          </p:cNvPr>
-          <p:cNvSpPr>
-            <a:spLocks noGrp="1"/>
-          </p:cNvSpPr>
-          <p:nvPr>
-            <p:ph type="hdr" sz="quarter"/>
-          </p:nvPr>
-        </p:nvSpPr>
-        <p:spPr>
-          <a:xfrm>
-            <a:off x="0" y="0"/>
-            <a:ext cx="2971800" cy="458788"/>
-          </a:xfrm>
-          <a:prstGeom prst="rect">
-            <a:avLst/>
-          </a:prstGeom>
-        </p:spPr>
-        <p:txBody>
-          <a:bodyPr vert="horz" lIns="91440" tIns="45720" rIns="91440" bIns="45720" rtlCol="0"/>
-          <a:lstStyle>
-            <a:lvl1pPr algn="l">
-              <a:defRPr sz="1200"/>
-            </a:lvl1pPr>
-          </a:lstStyle>
-          <a:p>
-            <a:endParaRPr lang="en-US"/>
-          </a:p>
-        </p:txBody>
-      </p:sp>
-      <p:sp>
-        <p:nvSpPr>
-          <p:cNvPr id="3" name="Date Placeholder 2">
-            <a:extLst>
-              <a:ext uri="{FF2B5EF4-FFF2-40B4-BE49-F238E27FC236}">
-                <a16:creationId xmlns:a16="http://schemas.microsoft.com/office/drawing/2014/main" id="{8DAC04B5-6969-DBBE-877C-D0F27D3BCBE4}"/>
-              </a:ext>
-            </a:extLst>
-          </p:cNvPr>
-          <p:cNvSpPr>
-            <a:spLocks noGrp="1"/>
-          </p:cNvSpPr>
-          <p:nvPr>
-            <p:ph type="dt" sz="quarter" idx="1"/>
-          </p:nvPr>
-        </p:nvSpPr>
-        <p:spPr>
-          <a:xfrm>
-            <a:off x="3884613" y="0"/>
-            <a:ext cx="2971800" cy="458788"/>
-          </a:xfrm>
-          <a:prstGeom prst="rect">
-            <a:avLst/>
-          </a:prstGeom>
-        </p:spPr>
-        <p:txBody>
-          <a:bodyPr vert="horz" lIns="91440" tIns="45720" rIns="91440" bIns="45720" rtlCol="0"/>
-          <a:lstStyle>
-            <a:lvl1pPr algn="r">
-              <a:defRPr sz="1200"/>
-            </a:lvl1pPr>
-          </a:lstStyle>
-          <a:p>
-            <a:fld id="{887C93E6-3CAE-4165-B3AF-CD7E12F79975}" type="datetimeFigureOut">
-              <a:rPr lang="en-US" smtClean="0"/>
-              <a:t>2017</a:t>
-            </a:fld>
-            <a:endParaRPr lang="en-US"/>
-          </a:p>
-        </p:txBody>
-      </p:sp>
-      <p:sp>
-        <p:nvSpPr>
-          <p:cNvPr id="4" name="Footer Placeholder 3">
-            <a:extLst>
-              <a:ext uri="{FF2B5EF4-FFF2-40B4-BE49-F238E27FC236}">
-                <a16:creationId xmlns:a16="http://schemas.microsoft.com/office/drawing/2014/main" id="{F3255B24-6CD4-0AB7-92B1-423885C02113}"/>
-              </a:ext>
-            </a:extLst>
-          </p:cNvPr>
-          <p:cNvSpPr>
-            <a:spLocks noGrp="1"/>
-          </p:cNvSpPr>
-          <p:nvPr>
-            <p:ph type="ftr" sz="quarter" idx="2"/>
-          </p:nvPr>
-        </p:nvSpPr>
-        <p:spPr>
-          <a:xfrm>
-            <a:off x="0" y="8685213"/>
-            <a:ext cx="2971800" cy="458787"/>
-          </a:xfrm>
-          <a:prstGeom prst="rect">
-            <a:avLst/>
-          </a:prstGeom>
-        </p:spPr>
-        <p:txBody>
-          <a:bodyPr vert="horz" lIns="91440" tIns="45720" rIns="91440" bIns="45720" rtlCol="0" anchor="b"/>
-          <a:lstStyle>
-            <a:lvl1pPr algn="l">
-              <a:defRPr sz="1200"/>
-            </a:lvl1pPr>
-          </a:lstStyle>
-          <a:p>
-            <a:endParaRPr lang="en-US"/>
-          </a:p>
-        </p:txBody>
-      </p:sp>
-      <p:sp>
-        <p:nvSpPr>
-          <p:cNvPr id="5" name="Slide Number Placeholder 4">
-            <a:extLst>
-              <a:ext uri="{FF2B5EF4-FFF2-40B4-BE49-F238E27FC236}">
-                <a16:creationId xmlns:a16="http://schemas.microsoft.com/office/drawing/2014/main" id="{57A1A191-D35D-D76C-55D2-BDD5135AFA8E}"/>
-              </a:ext>
-            </a:extLst>
-          </p:cNvPr>
-          <p:cNvSpPr>
-            <a:spLocks noGrp="1"/>
-          </p:cNvSpPr>
-          <p:nvPr>
-            <p:ph type="sldNum" sz="quarter" idx="3"/>
-          </p:nvPr>
-        </p:nvSpPr>
-        <p:spPr>
-          <a:xfrm>
-            <a:off x="3884613" y="8685213"/>
-            <a:ext cx="2971800" cy="458787"/>
-          </a:xfrm>
-          <a:prstGeom prst="rect">
-            <a:avLst/>
-          </a:prstGeom>
-        </p:spPr>
-        <p:txBody>
-          <a:bodyPr vert="horz" lIns="91440" tIns="45720" rIns="91440" bIns="45720" rtlCol="0" anchor="b"/>
-          <a:lstStyle>
-            <a:lvl1pPr algn="r">
-              <a:defRPr sz="1200"/>
-            </a:lvl1pPr>
-          </a:lstStyle>
-          <a:p>
-            <a:fld id="{2BCFE8F1-C371-4820-8ED7-70D159B5B6F1}" type="slidenum">
-              <a:rPr lang="en-US" smtClean="0"/>
-              <a:t>‹#›</a:t>
-            </a:fld>
-            <a:endParaRPr lang="en-US"/>
-          </a:p>
-        </p:txBody>
-      </p:sp>
-    </p:spTree>
-    <p:extLst>
-      <p:ext uri="{BB962C8B-B14F-4D97-AF65-F5344CB8AC3E}">
-        <p14:creationId xmlns:p14="http://schemas.microsoft.com/office/powerpoint/2010/main" val="3706598692"/>
-      </p:ext>
-    </p:extLst>
-  </p:cSld>
-  <p:clrMap bg1="lt1" tx1="dk1" bg2="lt2" tx2="dk2" accent1="accent1" accent2="accent2" accent3="accent3" accent4="accent4" accent5="accent5" accent6="accent6" hlink="hlink" folHlink="folHlink"/>
-  <p:extLst>
-    <p:ext uri="{56416CCD-93CA-4268-BC5B-53C4BB910035}">
-      <p15:sldGuideLst xmlns:p15="http://schemas.microsoft.com/office/powerpoint/2012/main">
-        <p15:guide id="1" orient="horz" pos="2880" userDrawn="1">
-          <p15:clr>
-            <a:srgbClr val="F26B43"/>
-          </p15:clr>
-        </p15:guide>
-        <p15:guide id="2" pos="2160" userDrawn="1">
-          <p15:clr>
-            <a:srgbClr val="F26B43"/>
-          </p15:clr>
-        </p15:guide>
-      </p15:sldGuideLst>
-    </p:ext>
-  </p:extLst>
-</p:handoutMaster>
 </file>
 
 <file path=ppt/notesMasters/notesMaster1.xml><?xml version="1.0" encoding="utf-8"?>
@@ -367,7 +134,7 @@
       </p:grpSpPr>
       <p:sp>
         <p:nvSpPr>
-          <p:cNvPr id="2" name="Header Placeholder 1"/>
+          <p:cNvPr id="2" name="页眉占位符 1"/>
           <p:cNvSpPr>
             <a:spLocks noGrp="1"/>
           </p:cNvSpPr>
@@ -387,20 +154,18 @@
         <p:txBody>
           <a:bodyPr vert="horz" lIns="91440" tIns="45720" rIns="91440" bIns="45720" rtlCol="0"/>
           <a:lstStyle>
-            <a:lvl1pPr algn="l" rtl="0">
-              <a:defRPr sz="1200">
-                <a:cs typeface="+mn-cs"/>
-              </a:defRPr>
+            <a:lvl1pPr algn="l">
+              <a:defRPr sz="1200"/>
             </a:lvl1pPr>
           </a:lstStyle>
           <a:p>
-            <a:endParaRPr lang="en-US"/>
+            <a:endParaRPr lang="zh-CN" altLang="en-US"/>
           </a:p>
         </p:txBody>
       </p:sp>
       <p:sp>
         <p:nvSpPr>
-          <p:cNvPr id="3" name="Date Placeholder 2"/>
+          <p:cNvPr id="3" name="日期占位符 2"/>
           <p:cNvSpPr>
             <a:spLocks noGrp="1"/>
           </p:cNvSpPr>
@@ -420,20 +185,22 @@
         <p:txBody>
           <a:bodyPr vert="horz" lIns="91440" tIns="45720" rIns="91440" bIns="45720" rtlCol="0"/>
           <a:lstStyle>
-            <a:lvl1pPr algn="r" rtl="0">
-              <a:defRPr sz="1200">
-                <a:cs typeface="+mn-cs"/>
-              </a:defRPr>
+            <a:lvl1pPr algn="r">
+              <a:defRPr sz="1200"/>
             </a:lvl1pPr>
           </a:lstStyle>
           <a:p>
-            <a:endParaRPr lang="en-US"/>
+            <a:fld id="{932DD2F6-FB1E-4730-8569-22624CDFDDF3}" type="datetimeFigureOut">
+              <a:rPr lang="zh-CN" altLang="en-US" smtClean="0"/>
+              <a:t>2025/8/28</a:t>
+            </a:fld>
+            <a:endParaRPr lang="zh-CN" altLang="en-US"/>
           </a:p>
         </p:txBody>
       </p:sp>
       <p:sp>
         <p:nvSpPr>
-          <p:cNvPr id="4" name="Slide Image Placeholder 3"/>
+          <p:cNvPr id="4" name="幻灯片图像占位符 3"/>
           <p:cNvSpPr>
             <a:spLocks noGrp="1" noRot="1" noChangeAspect="1"/>
           </p:cNvSpPr>
@@ -460,13 +227,13 @@
           <a:bodyPr vert="horz" lIns="91440" tIns="45720" rIns="91440" bIns="45720" rtlCol="0" anchor="ctr"/>
           <a:lstStyle/>
           <a:p>
-            <a:endParaRPr lang="en-US"/>
+            <a:endParaRPr lang="zh-CN" altLang="en-US"/>
           </a:p>
         </p:txBody>
       </p:sp>
       <p:sp>
         <p:nvSpPr>
-          <p:cNvPr id="5" name="Notes Placeholder 4"/>
+          <p:cNvPr id="5" name="备注占位符 4"/>
           <p:cNvSpPr>
             <a:spLocks noGrp="1"/>
           </p:cNvSpPr>
@@ -488,13 +255,44 @@
           <a:lstStyle/>
           <a:p>
             <a:pPr lvl="0"/>
-            <a:endParaRPr lang="en-US"/>
+            <a:r>
+              <a:rPr lang="zh-CN" altLang="en-US"/>
+              <a:t>编辑母版文本样式</a:t>
+            </a:r>
+          </a:p>
+          <a:p>
+            <a:pPr lvl="1"/>
+            <a:r>
+              <a:rPr lang="zh-CN" altLang="en-US"/>
+              <a:t>第二级</a:t>
+            </a:r>
+          </a:p>
+          <a:p>
+            <a:pPr lvl="2"/>
+            <a:r>
+              <a:rPr lang="zh-CN" altLang="en-US"/>
+              <a:t>第三级</a:t>
+            </a:r>
+          </a:p>
+          <a:p>
+            <a:pPr lvl="3"/>
+            <a:r>
+              <a:rPr lang="zh-CN" altLang="en-US"/>
+              <a:t>第四级</a:t>
+            </a:r>
+          </a:p>
+          <a:p>
+            <a:pPr lvl="4"/>
+            <a:r>
+              <a:rPr lang="zh-CN" altLang="en-US"/>
+              <a:t>第五级</a:t>
+            </a:r>
           </a:p>
         </p:txBody>
       </p:sp>
       <p:sp>
         <p:nvSpPr>
-          <p:cNvPr id="6" name="Footer Placeholder 5"/>
+          <p:cNvPr id="6" name="页脚占位符 5"/>
           <p:cNvSpPr>
             <a:spLocks noGrp="1"/>
           </p:cNvSpPr>
@@ -514,20 +312,18 @@
         <p:txBody>
           <a:bodyPr vert="horz" lIns="91440" tIns="45720" rIns="91440" bIns="45720" rtlCol="0" anchor="b"/>
           <a:lstStyle>
-            <a:lvl1pPr algn="l" rtl="0">
-              <a:defRPr sz="1200">
-                <a:cs typeface="+mn-cs"/>
-              </a:defRPr>
+            <a:lvl1pPr algn="l">
+              <a:defRPr sz="1200"/>
             </a:lvl1pPr>
           </a:lstStyle>
           <a:p>
-            <a:endParaRPr lang="en-US"/>
+            <a:endParaRPr lang="zh-CN" altLang="en-US"/>
           </a:p>
         </p:txBody>
       </p:sp>
       <p:sp>
         <p:nvSpPr>
-          <p:cNvPr id="7" name="Slide Number Placeholder 6"/>
+          <p:cNvPr id="7" name="灯片编号占位符 6"/>
           <p:cNvSpPr>
             <a:spLocks noGrp="1"/>
           </p:cNvSpPr>
@@ -547,21 +343,23 @@
         <p:txBody>
           <a:bodyPr vert="horz" lIns="91440" tIns="45720" rIns="91440" bIns="45720" rtlCol="0" anchor="b"/>
           <a:lstStyle>
-            <a:lvl1pPr algn="r" rtl="0">
-              <a:defRPr sz="1200">
-                <a:cs typeface="+mn-cs"/>
-              </a:defRPr>
+            <a:lvl1pPr algn="r">
+              <a:defRPr sz="1200"/>
             </a:lvl1pPr>
           </a:lstStyle>
           <a:p>
-            <a:endParaRPr lang="en-US"/>
+            <a:fld id="{B0C9C07F-6ADB-4F8F-A8B1-96109AC7CD16}" type="slidenum">
+              <a:rPr lang="zh-CN" altLang="en-US" smtClean="0"/>
+              <a:t>‹#›</a:t>
+            </a:fld>
+            <a:endParaRPr lang="zh-CN" altLang="en-US"/>
           </a:p>
         </p:txBody>
       </p:sp>
     </p:spTree>
     <p:extLst>
       <p:ext uri="{BB962C8B-B14F-4D97-AF65-F5344CB8AC3E}">
-        <p14:creationId xmlns:p14="http://schemas.microsoft.com/office/powerpoint/2010/main" val="1221682360"/>
+        <p14:creationId xmlns:p14="http://schemas.microsoft.com/office/powerpoint/2010/main" val="829795638"/>
       </p:ext>
     </p:extLst>
   </p:cSld>
@@ -658,26 +456,10 @@
       </a:defRPr>
     </a:lvl9pPr>
   </p:notesStyle>
-  <p:extLst>
-    <p:ext uri="{620B2872-D7B9-4A21-9093-7833F8D536E1}">
-      <p15:sldGuideLst xmlns:p15="http://schemas.microsoft.com/office/powerpoint/2012/main">
-        <p15:guide id="1" orient="horz" pos="2880" userDrawn="1">
-          <p15:clr>
-            <a:srgbClr val="F26B43"/>
-          </p15:clr>
-        </p15:guide>
-        <p15:guide id="2" pos="2160" userDrawn="1">
-          <p15:clr>
-            <a:srgbClr val="F26B43"/>
-          </p15:clr>
-        </p15:guide>
-      </p15:sldGuideLst>
-    </p:ext>
-  </p:extLst>
 </p:notesMaster>
 </file>
 
-<file path=ppt/notesSlides/notesSlide35.xml><?xml version="1.0" encoding="utf-8"?>
+<file path=ppt/notesSlides/notesSlide1.xml><?xml version="1.0" encoding="utf-8"?>
 <p:notes xmlns:a="http://schemas.openxmlformats.org/drawingml/2006/main" xmlns:r="http://schemas.openxmlformats.org/officeDocument/2006/relationships" xmlns:p="http://schemas.openxmlformats.org/presentationml/2006/main">
   <p:cSld>
     <p:spTree>
@@ -740,7 +522,37 @@
           <a:bodyPr/>
           <a:lstStyle/>
           <a:p>
-            <a:endParaRPr lang="en-US"/>
+            <a:pPr marL="0" marR="0" lvl="0" indent="0" algn="r" defTabSz="914400" rtl="0" eaLnBrk="1" fontAlgn="auto" latinLnBrk="0" hangingPunct="1">
+              <a:lnSpc>
+                <a:spcPct val="100000"/>
+              </a:lnSpc>
+              <a:spcBef>
+                <a:spcPts val="0"/>
+              </a:spcBef>
+              <a:spcAft>
+                <a:spcPts val="0"/>
+              </a:spcAft>
+              <a:buClrTx/>
+              <a:buSzTx/>
+              <a:buFontTx/>
+              <a:buNone/>
+              <a:tabLst/>
+              <a:defRPr/>
+            </a:pPr>
+            <a:endParaRPr kumimoji="0" lang="en-US" sz="1200" b="0" i="0" u="none" strike="noStrike" kern="1200" cap="none" spc="0" normalizeH="0" baseline="0" noProof="0">
+              <a:ln>
+                <a:noFill/>
+              </a:ln>
+              <a:solidFill>
+                <a:prstClr val="black"/>
+              </a:solidFill>
+              <a:effectLst/>
+              <a:uLnTx/>
+              <a:uFillTx/>
+              <a:latin typeface="Calibri" panose="020F0502020204030204"/>
+              <a:ea typeface="+mn-ea"/>
+              <a:cs typeface="+mn-cs"/>
+            </a:endParaRPr>
           </a:p>
         </p:txBody>
       </p:sp>
@@ -755,6 +567,1040 @@
     <a:masterClrMapping/>
   </p:clrMapOvr>
 </p:notes>
+</file>
+
+<file path=ppt/slideLayouts/slideLayout1.xml><?xml version="1.0" encoding="utf-8"?>
+<p:sldLayout xmlns:a="http://schemas.openxmlformats.org/drawingml/2006/main" xmlns:r="http://schemas.openxmlformats.org/officeDocument/2006/relationships" xmlns:p="http://schemas.openxmlformats.org/presentationml/2006/main" type="tx" preserve="1">
+  <p:cSld name="Cover_Title with BG">
+    <p:bg>
+      <p:bgPr>
+        <a:solidFill>
+          <a:srgbClr val="002D28"/>
+        </a:solidFill>
+        <a:effectLst/>
+      </p:bgPr>
+    </p:bg>
+    <p:spTree>
+      <p:nvGrpSpPr>
+        <p:cNvPr id="1" name=""/>
+        <p:cNvGrpSpPr/>
+        <p:nvPr/>
+      </p:nvGrpSpPr>
+      <p:grpSpPr>
+        <a:xfrm>
+          <a:off x="0" y="0"/>
+          <a:ext cx="0" cy="0"/>
+          <a:chOff x="0" y="0"/>
+          <a:chExt cx="0" cy="0"/>
+        </a:xfrm>
+      </p:grpSpPr>
+      <p:sp>
+        <p:nvSpPr>
+          <p:cNvPr id="213" name="品牌深绿色封面 50pt"/>
+          <p:cNvSpPr txBox="1">
+            <a:spLocks noGrp="1"/>
+          </p:cNvSpPr>
+          <p:nvPr>
+            <p:ph type="body" sz="quarter" idx="21" hasCustomPrompt="1"/>
+          </p:nvPr>
+        </p:nvSpPr>
+        <p:spPr>
+          <a:xfrm>
+            <a:off x="488245" y="3209607"/>
+            <a:ext cx="5465937" cy="450851"/>
+          </a:xfrm>
+          <a:prstGeom prst="rect">
+            <a:avLst/>
+          </a:prstGeom>
+        </p:spPr>
+        <p:txBody>
+          <a:bodyPr anchor="ctr">
+            <a:noAutofit/>
+          </a:bodyPr>
+          <a:lstStyle>
+            <a:lvl1pPr marL="0" indent="0">
+              <a:lnSpc>
+                <a:spcPct val="100000"/>
+              </a:lnSpc>
+              <a:spcBef>
+                <a:spcPts val="0"/>
+              </a:spcBef>
+              <a:buClrTx/>
+              <a:buSzTx/>
+              <a:buNone/>
+              <a:defRPr sz="2500" spc="150">
+                <a:solidFill>
+                  <a:srgbClr val="FFFFFF"/>
+                </a:solidFill>
+                <a:latin typeface="理想品牌字体 2022" panose="02000500000000000000" pitchFamily="2" charset="-122"/>
+                <a:ea typeface="理想品牌字体 2022" panose="02000500000000000000" pitchFamily="2" charset="-122"/>
+                <a:cs typeface="理想品牌字体 2022" panose="02000500000000000000" pitchFamily="2" charset="-122"/>
+                <a:sym typeface="LiciumFont 2022 Bold"/>
+              </a:defRPr>
+            </a:lvl1pPr>
+          </a:lstStyle>
+          <a:p>
+            <a:r>
+              <a:rPr lang="zh-CN" altLang="en-US" dirty="0"/>
+              <a:t>主标题文字示意 </a:t>
+            </a:r>
+            <a:r>
+              <a:rPr lang="en-US" altLang="zh-CN" dirty="0"/>
+              <a:t>50</a:t>
+            </a:r>
+            <a:r>
+              <a:rPr lang="en-CN"/>
+              <a:t>pt</a:t>
+            </a:r>
+            <a:endParaRPr lang="en-CN" dirty="0"/>
+          </a:p>
+        </p:txBody>
+      </p:sp>
+      <p:sp>
+        <p:nvSpPr>
+          <p:cNvPr id="214" name="文件名称 30pt"/>
+          <p:cNvSpPr txBox="1">
+            <a:spLocks noGrp="1"/>
+          </p:cNvSpPr>
+          <p:nvPr>
+            <p:ph type="body" sz="quarter" idx="22" hasCustomPrompt="1"/>
+          </p:nvPr>
+        </p:nvSpPr>
+        <p:spPr>
+          <a:xfrm>
+            <a:off x="488245" y="2958159"/>
+            <a:ext cx="3698502" cy="292997"/>
+          </a:xfrm>
+          <a:prstGeom prst="rect">
+            <a:avLst/>
+          </a:prstGeom>
+        </p:spPr>
+        <p:txBody>
+          <a:bodyPr anchor="ctr">
+            <a:noAutofit/>
+          </a:bodyPr>
+          <a:lstStyle>
+            <a:lvl1pPr marL="0" indent="0">
+              <a:lnSpc>
+                <a:spcPct val="100000"/>
+              </a:lnSpc>
+              <a:spcBef>
+                <a:spcPts val="0"/>
+              </a:spcBef>
+              <a:buClrTx/>
+              <a:buSzTx/>
+              <a:buNone/>
+              <a:defRPr>
+                <a:solidFill>
+                  <a:srgbClr val="FFFFFF"/>
+                </a:solidFill>
+                <a:latin typeface="理想品牌字体 2022" panose="02000500000000000000" pitchFamily="2" charset="-122"/>
+                <a:ea typeface="理想品牌字体 2022" panose="02000500000000000000" pitchFamily="2" charset="-122"/>
+                <a:cs typeface="理想品牌字体 2022" panose="02000500000000000000" pitchFamily="2" charset="-122"/>
+                <a:sym typeface="LiciumFont 2022 Bold"/>
+              </a:defRPr>
+            </a:lvl1pPr>
+          </a:lstStyle>
+          <a:p>
+            <a:r>
+              <a:rPr lang="en-CN" dirty="0"/>
+              <a:t>副标题文字示意</a:t>
+            </a:r>
+            <a:r>
+              <a:rPr dirty="0"/>
+              <a:t> 30pt</a:t>
+            </a:r>
+          </a:p>
+        </p:txBody>
+      </p:sp>
+      <p:sp>
+        <p:nvSpPr>
+          <p:cNvPr id="215" name="YYYY MM DD 22.5pt"/>
+          <p:cNvSpPr txBox="1">
+            <a:spLocks noGrp="1"/>
+          </p:cNvSpPr>
+          <p:nvPr>
+            <p:ph type="body" sz="quarter" idx="23"/>
+          </p:nvPr>
+        </p:nvSpPr>
+        <p:spPr>
+          <a:xfrm>
+            <a:off x="488245" y="3713663"/>
+            <a:ext cx="3698502" cy="173124"/>
+          </a:xfrm>
+          <a:prstGeom prst="rect">
+            <a:avLst/>
+          </a:prstGeom>
+        </p:spPr>
+        <p:txBody>
+          <a:bodyPr anchor="ctr">
+            <a:spAutoFit/>
+          </a:bodyPr>
+          <a:lstStyle>
+            <a:lvl1pPr marL="0" indent="0">
+              <a:lnSpc>
+                <a:spcPct val="100000"/>
+              </a:lnSpc>
+              <a:spcBef>
+                <a:spcPts val="0"/>
+              </a:spcBef>
+              <a:buClrTx/>
+              <a:buSzTx/>
+              <a:buNone/>
+              <a:defRPr sz="1125" spc="68">
+                <a:solidFill>
+                  <a:srgbClr val="FFFFFF"/>
+                </a:solidFill>
+                <a:latin typeface="理想品牌字体 2022" panose="02000500000000000000" pitchFamily="2" charset="-122"/>
+                <a:ea typeface="理想品牌字体 2022" panose="02000500000000000000" pitchFamily="2" charset="-122"/>
+                <a:cs typeface="理想品牌字体 2022" panose="02000500000000000000" pitchFamily="2" charset="-122"/>
+              </a:defRPr>
+            </a:lvl1pPr>
+          </a:lstStyle>
+          <a:p>
+            <a:r>
+              <a:t>YYYY MM DD 22.5pt</a:t>
+            </a:r>
+          </a:p>
+        </p:txBody>
+      </p:sp>
+      <p:pic>
+        <p:nvPicPr>
+          <p:cNvPr id="37" name="图片 36">
+            <a:extLst>
+              <a:ext uri="{FF2B5EF4-FFF2-40B4-BE49-F238E27FC236}">
+                <a16:creationId xmlns:a16="http://schemas.microsoft.com/office/drawing/2014/main" id="{6E956642-B465-F430-C228-50C53DF6E2AB}"/>
+              </a:ext>
+            </a:extLst>
+          </p:cNvPr>
+          <p:cNvPicPr>
+            <a:picLocks noChangeAspect="1"/>
+          </p:cNvPicPr>
+          <p:nvPr userDrawn="1"/>
+        </p:nvPicPr>
+        <p:blipFill>
+          <a:blip r:embed="rId2"/>
+          <a:stretch>
+            <a:fillRect/>
+          </a:stretch>
+        </p:blipFill>
+        <p:spPr>
+          <a:xfrm>
+            <a:off x="10238174" y="3286587"/>
+            <a:ext cx="1407564" cy="282035"/>
+          </a:xfrm>
+          <a:prstGeom prst="rect">
+            <a:avLst/>
+          </a:prstGeom>
+        </p:spPr>
+      </p:pic>
+    </p:spTree>
+    <p:extLst>
+      <p:ext uri="{BB962C8B-B14F-4D97-AF65-F5344CB8AC3E}">
+        <p14:creationId xmlns:p14="http://schemas.microsoft.com/office/powerpoint/2010/main" val="3252709574"/>
+      </p:ext>
+    </p:extLst>
+  </p:cSld>
+  <p:clrMapOvr>
+    <a:masterClrMapping/>
+  </p:clrMapOvr>
+  <mc:AlternateContent xmlns:mc="http://schemas.openxmlformats.org/markup-compatibility/2006" xmlns:p14="http://schemas.microsoft.com/office/powerpoint/2010/main">
+    <mc:Choice Requires="p14">
+      <p:transition p14:dur="250">
+        <p:fade/>
+      </p:transition>
+    </mc:Choice>
+    <mc:Fallback xmlns="">
+      <p:transition>
+        <p:fade/>
+      </p:transition>
+    </mc:Fallback>
+  </mc:AlternateContent>
+</p:sldLayout>
+</file>
+
+<file path=ppt/slideLayouts/slideLayout2.xml><?xml version="1.0" encoding="utf-8"?>
+<p:sldLayout xmlns:a="http://schemas.openxmlformats.org/drawingml/2006/main" xmlns:r="http://schemas.openxmlformats.org/officeDocument/2006/relationships" xmlns:p="http://schemas.openxmlformats.org/presentationml/2006/main" preserve="1" userDrawn="1">
+  <p:cSld name="Title Only">
+    <p:bg>
+      <p:bgRef idx="1001">
+        <a:schemeClr val="bg1"/>
+      </p:bgRef>
+    </p:bg>
+    <p:spTree>
+      <p:nvGrpSpPr>
+        <p:cNvPr id="1" name=""/>
+        <p:cNvGrpSpPr/>
+        <p:nvPr/>
+      </p:nvGrpSpPr>
+      <p:grpSpPr>
+        <a:xfrm>
+          <a:off x="0" y="0"/>
+          <a:ext cx="0" cy="0"/>
+          <a:chOff x="0" y="0"/>
+          <a:chExt cx="0" cy="0"/>
+        </a:xfrm>
+      </p:grpSpPr>
+      <p:sp>
+        <p:nvSpPr>
+          <p:cNvPr id="6" name="TextBox 11">
+            <a:extLst>
+              <a:ext uri="{FF2B5EF4-FFF2-40B4-BE49-F238E27FC236}">
+                <a16:creationId xmlns:a16="http://schemas.microsoft.com/office/drawing/2014/main" id="{205FEE54-4656-4C9E-877D-8FA838BC8856}"/>
+              </a:ext>
+            </a:extLst>
+          </p:cNvPr>
+          <p:cNvSpPr txBox="1"/>
+          <p:nvPr userDrawn="1"/>
+        </p:nvSpPr>
+        <p:spPr>
+          <a:xfrm>
+            <a:off x="11167872" y="6542143"/>
+            <a:ext cx="381000" cy="123111"/>
+          </a:xfrm>
+          <a:prstGeom prst="rect">
+            <a:avLst/>
+          </a:prstGeom>
+          <a:noFill/>
+        </p:spPr>
+        <p:txBody>
+          <a:bodyPr wrap="square" lIns="0" tIns="0" rIns="0" bIns="0" rtlCol="0" anchor="b">
+            <a:spAutoFit/>
+          </a:bodyPr>
+          <a:lstStyle/>
+          <a:p>
+            <a:pPr marL="0" marR="0" indent="0" algn="r" defTabSz="914400" rtl="0" eaLnBrk="1" fontAlgn="auto" latinLnBrk="0" hangingPunct="1">
+              <a:lnSpc>
+                <a:spcPct val="100000"/>
+              </a:lnSpc>
+              <a:spcBef>
+                <a:spcPts val="0"/>
+              </a:spcBef>
+              <a:spcAft>
+                <a:spcPts val="0"/>
+              </a:spcAft>
+              <a:buClrTx/>
+              <a:buSzTx/>
+              <a:buFontTx/>
+              <a:buNone/>
+              <a:tabLst/>
+              <a:defRPr/>
+            </a:pPr>
+            <a:fld id="{DFCF27A5-1A5B-48D3-A060-2758FFBB1ADD}" type="slidenum">
+              <a:rPr lang="en-US" sz="800" kern="1200" smtClean="0">
+                <a:solidFill>
+                  <a:schemeClr val="bg1">
+                    <a:lumMod val="50000"/>
+                  </a:schemeClr>
+                </a:solidFill>
+                <a:latin typeface="+mn-lt"/>
+                <a:ea typeface="+mn-ea"/>
+                <a:cs typeface="+mn-cs"/>
+                <a:sym typeface="Trebuchet MS" panose="020B0603020202020204" pitchFamily="34" charset="0"/>
+              </a:rPr>
+              <a:pPr marL="0" marR="0" indent="0" algn="r" defTabSz="914400" rtl="0" eaLnBrk="1" fontAlgn="auto" latinLnBrk="0" hangingPunct="1">
+                <a:lnSpc>
+                  <a:spcPct val="100000"/>
+                </a:lnSpc>
+                <a:spcBef>
+                  <a:spcPts val="0"/>
+                </a:spcBef>
+                <a:spcAft>
+                  <a:spcPts val="0"/>
+                </a:spcAft>
+                <a:buClrTx/>
+                <a:buSzTx/>
+                <a:buFontTx/>
+                <a:buNone/>
+                <a:tabLst/>
+                <a:defRPr/>
+              </a:pPr>
+              <a:t>‹#›</a:t>
+            </a:fld>
+            <a:endParaRPr lang="en-US" sz="800" kern="1200" dirty="0">
+              <a:solidFill>
+                <a:schemeClr val="bg1">
+                  <a:lumMod val="50000"/>
+                </a:schemeClr>
+              </a:solidFill>
+              <a:latin typeface="+mn-lt"/>
+              <a:ea typeface="+mn-ea"/>
+              <a:cs typeface="+mn-cs"/>
+              <a:sym typeface="Trebuchet MS" panose="020B0603020202020204" pitchFamily="34" charset="0"/>
+            </a:endParaRPr>
+          </a:p>
+        </p:txBody>
+      </p:sp>
+      <p:sp>
+        <p:nvSpPr>
+          <p:cNvPr id="8" name="Copyright">
+            <a:extLst>
+              <a:ext uri="{FF2B5EF4-FFF2-40B4-BE49-F238E27FC236}">
+                <a16:creationId xmlns:a16="http://schemas.microsoft.com/office/drawing/2014/main" id="{DE824560-B910-46EB-96C0-6C9DABA71AA2}"/>
+              </a:ext>
+            </a:extLst>
+          </p:cNvPr>
+          <p:cNvSpPr txBox="1"/>
+          <p:nvPr userDrawn="1"/>
+        </p:nvSpPr>
+        <p:spPr>
+          <a:xfrm>
+            <a:off x="630000" y="6566509"/>
+            <a:ext cx="5133975" cy="112980"/>
+          </a:xfrm>
+          <a:prstGeom prst="rect">
+            <a:avLst/>
+          </a:prstGeom>
+          <a:noFill/>
+        </p:spPr>
+        <p:txBody>
+          <a:bodyPr wrap="square" lIns="0" tIns="0" rIns="0" bIns="0" rtlCol="0" anchor="t">
+            <a:spAutoFit/>
+          </a:bodyPr>
+          <a:lstStyle/>
+          <a:p>
+            <a:pPr>
+              <a:lnSpc>
+                <a:spcPct val="90000"/>
+              </a:lnSpc>
+              <a:spcAft>
+                <a:spcPts val="600"/>
+              </a:spcAft>
+            </a:pPr>
+            <a:r>
+              <a:rPr lang="en-US" sz="800" dirty="0">
+                <a:solidFill>
+                  <a:schemeClr val="bg1">
+                    <a:lumMod val="50000"/>
+                  </a:schemeClr>
+                </a:solidFill>
+                <a:latin typeface="+mn-lt"/>
+                <a:sym typeface="Trebuchet MS" panose="020B0603020202020204" pitchFamily="34" charset="0"/>
+              </a:rPr>
+              <a:t>Copyright © 2024 by L</a:t>
+            </a:r>
+            <a:r>
+              <a:rPr lang="en-US" altLang="zh-CN" sz="800" dirty="0">
+                <a:solidFill>
+                  <a:schemeClr val="bg1">
+                    <a:lumMod val="50000"/>
+                  </a:schemeClr>
+                </a:solidFill>
+                <a:latin typeface="+mn-lt"/>
+                <a:sym typeface="Trebuchet MS" panose="020B0603020202020204" pitchFamily="34" charset="0"/>
+              </a:rPr>
+              <a:t>i Auto Inc.</a:t>
+            </a:r>
+            <a:r>
+              <a:rPr lang="en-US" sz="800" dirty="0">
+                <a:solidFill>
+                  <a:schemeClr val="bg1">
+                    <a:lumMod val="50000"/>
+                  </a:schemeClr>
+                </a:solidFill>
+                <a:latin typeface="+mn-lt"/>
+                <a:sym typeface="Trebuchet MS" panose="020B0603020202020204" pitchFamily="34" charset="0"/>
+              </a:rPr>
+              <a:t>. All rights reserved.</a:t>
+            </a:r>
+          </a:p>
+        </p:txBody>
+      </p:sp>
+      <p:sp>
+        <p:nvSpPr>
+          <p:cNvPr id="10" name="Date Placeholder 3">
+            <a:extLst>
+              <a:ext uri="{FF2B5EF4-FFF2-40B4-BE49-F238E27FC236}">
+                <a16:creationId xmlns:a16="http://schemas.microsoft.com/office/drawing/2014/main" id="{CF913515-D1B5-4750-8750-991BCA9D45A1}"/>
+              </a:ext>
+            </a:extLst>
+          </p:cNvPr>
+          <p:cNvSpPr>
+            <a:spLocks noGrp="1"/>
+          </p:cNvSpPr>
+          <p:nvPr>
+            <p:ph type="dt" sz="half" idx="2"/>
+          </p:nvPr>
+        </p:nvSpPr>
+        <p:spPr>
+          <a:xfrm>
+            <a:off x="9677400" y="6542143"/>
+            <a:ext cx="1482051" cy="123111"/>
+          </a:xfrm>
+          <a:prstGeom prst="rect">
+            <a:avLst/>
+          </a:prstGeom>
+        </p:spPr>
+        <p:txBody>
+          <a:bodyPr vert="horz" wrap="square" lIns="0" tIns="0" rIns="0" bIns="0" rtlCol="0" anchor="b">
+            <a:spAutoFit/>
+          </a:bodyPr>
+          <a:lstStyle>
+            <a:lvl1pPr algn="r">
+              <a:defRPr sz="800">
+                <a:solidFill>
+                  <a:schemeClr val="bg1">
+                    <a:lumMod val="50000"/>
+                  </a:schemeClr>
+                </a:solidFill>
+                <a:latin typeface="+mn-lt"/>
+                <a:sym typeface="Trebuchet MS" panose="020B0603020202020204" pitchFamily="34" charset="0"/>
+              </a:defRPr>
+            </a:lvl1pPr>
+          </a:lstStyle>
+          <a:p>
+            <a:endParaRPr lang="en-US" dirty="0"/>
+          </a:p>
+        </p:txBody>
+      </p:sp>
+      <p:sp>
+        <p:nvSpPr>
+          <p:cNvPr id="11" name="标题 1">
+            <a:extLst>
+              <a:ext uri="{FF2B5EF4-FFF2-40B4-BE49-F238E27FC236}">
+                <a16:creationId xmlns:a16="http://schemas.microsoft.com/office/drawing/2014/main" id="{375E3343-0959-4EB2-8F34-5AD38682C1A5}"/>
+              </a:ext>
+            </a:extLst>
+          </p:cNvPr>
+          <p:cNvSpPr>
+            <a:spLocks noGrp="1"/>
+          </p:cNvSpPr>
+          <p:nvPr>
+            <p:ph type="title"/>
+          </p:nvPr>
+        </p:nvSpPr>
+        <p:spPr>
+          <a:xfrm>
+            <a:off x="630000" y="462607"/>
+            <a:ext cx="10933350" cy="339004"/>
+          </a:xfrm>
+        </p:spPr>
+        <p:txBody>
+          <a:bodyPr/>
+          <a:lstStyle>
+            <a:lvl1pPr>
+              <a:defRPr>
+                <a:solidFill>
+                  <a:srgbClr val="002D28"/>
+                </a:solidFill>
+              </a:defRPr>
+            </a:lvl1pPr>
+          </a:lstStyle>
+          <a:p>
+            <a:r>
+              <a:rPr lang="zh-CN" altLang="en-US" dirty="0"/>
+              <a:t>单击此处编辑母版标题样式</a:t>
+            </a:r>
+          </a:p>
+        </p:txBody>
+      </p:sp>
+    </p:spTree>
+    <p:extLst>
+      <p:ext uri="{BB962C8B-B14F-4D97-AF65-F5344CB8AC3E}">
+        <p14:creationId xmlns:p14="http://schemas.microsoft.com/office/powerpoint/2010/main" val="652135051"/>
+      </p:ext>
+    </p:extLst>
+  </p:cSld>
+  <p:clrMapOvr>
+    <a:overrideClrMapping bg1="lt1" tx1="dk1" bg2="lt2" tx2="dk2" accent1="accent1" accent2="accent2" accent3="accent3" accent4="accent4" accent5="accent5" accent6="accent6" hlink="hlink" folHlink="folHlink"/>
+  </p:clrMapOvr>
+  <mc:AlternateContent xmlns:mc="http://schemas.openxmlformats.org/markup-compatibility/2006" xmlns:p14="http://schemas.microsoft.com/office/powerpoint/2010/main">
+    <mc:Choice Requires="p14">
+      <p:transition p14:dur="250">
+        <p:fade/>
+      </p:transition>
+    </mc:Choice>
+    <mc:Fallback xmlns="">
+      <p:transition>
+        <p:fade/>
+      </p:transition>
+    </mc:Fallback>
+  </mc:AlternateContent>
+</p:sldLayout>
+</file>
+
+<file path=ppt/slideLayouts/slideLayout3.xml><?xml version="1.0" encoding="utf-8"?>
+<p:sldLayout xmlns:a="http://schemas.openxmlformats.org/drawingml/2006/main" xmlns:r="http://schemas.openxmlformats.org/officeDocument/2006/relationships" xmlns:p="http://schemas.openxmlformats.org/presentationml/2006/main" preserve="1" userDrawn="1">
+  <p:cSld name="自定义版式">
+    <p:bg>
+      <p:bgPr>
+        <a:solidFill>
+          <a:srgbClr val="002D28"/>
+        </a:solidFill>
+        <a:effectLst/>
+      </p:bgPr>
+    </p:bg>
+    <p:spTree>
+      <p:nvGrpSpPr>
+        <p:cNvPr id="1" name=""/>
+        <p:cNvGrpSpPr/>
+        <p:nvPr/>
+      </p:nvGrpSpPr>
+      <p:grpSpPr>
+        <a:xfrm>
+          <a:off x="0" y="0"/>
+          <a:ext cx="0" cy="0"/>
+          <a:chOff x="0" y="0"/>
+          <a:chExt cx="0" cy="0"/>
+        </a:xfrm>
+      </p:grpSpPr>
+      <p:sp>
+        <p:nvSpPr>
+          <p:cNvPr id="2" name="标题 1">
+            <a:extLst>
+              <a:ext uri="{FF2B5EF4-FFF2-40B4-BE49-F238E27FC236}">
+                <a16:creationId xmlns:a16="http://schemas.microsoft.com/office/drawing/2014/main" id="{738016CF-C1EB-4E4E-BFE3-98E1DEDD58CF}"/>
+              </a:ext>
+            </a:extLst>
+          </p:cNvPr>
+          <p:cNvSpPr>
+            <a:spLocks noGrp="1"/>
+          </p:cNvSpPr>
+          <p:nvPr>
+            <p:ph type="title"/>
+          </p:nvPr>
+        </p:nvSpPr>
+        <p:spPr>
+          <a:xfrm>
+            <a:off x="630000" y="462607"/>
+            <a:ext cx="10933350" cy="339004"/>
+          </a:xfrm>
+        </p:spPr>
+        <p:txBody>
+          <a:bodyPr/>
+          <a:lstStyle>
+            <a:lvl1pPr>
+              <a:defRPr>
+                <a:solidFill>
+                  <a:schemeClr val="bg1"/>
+                </a:solidFill>
+              </a:defRPr>
+            </a:lvl1pPr>
+          </a:lstStyle>
+          <a:p>
+            <a:r>
+              <a:rPr lang="zh-CN" altLang="en-US" dirty="0"/>
+              <a:t>单击此处编辑母版标题样式</a:t>
+            </a:r>
+          </a:p>
+        </p:txBody>
+      </p:sp>
+      <p:sp>
+        <p:nvSpPr>
+          <p:cNvPr id="5" name="TextBox 11">
+            <a:extLst>
+              <a:ext uri="{FF2B5EF4-FFF2-40B4-BE49-F238E27FC236}">
+                <a16:creationId xmlns:a16="http://schemas.microsoft.com/office/drawing/2014/main" id="{6B4D8D53-9A1A-402F-A52D-F62B28502D2F}"/>
+              </a:ext>
+            </a:extLst>
+          </p:cNvPr>
+          <p:cNvSpPr txBox="1"/>
+          <p:nvPr userDrawn="1"/>
+        </p:nvSpPr>
+        <p:spPr>
+          <a:xfrm>
+            <a:off x="11167872" y="6542143"/>
+            <a:ext cx="381000" cy="123111"/>
+          </a:xfrm>
+          <a:prstGeom prst="rect">
+            <a:avLst/>
+          </a:prstGeom>
+          <a:noFill/>
+        </p:spPr>
+        <p:txBody>
+          <a:bodyPr wrap="square" lIns="0" tIns="0" rIns="0" bIns="0" rtlCol="0" anchor="b">
+            <a:spAutoFit/>
+          </a:bodyPr>
+          <a:lstStyle/>
+          <a:p>
+            <a:pPr marL="0" marR="0" indent="0" algn="r" defTabSz="914400" rtl="0" eaLnBrk="1" fontAlgn="auto" latinLnBrk="0" hangingPunct="1">
+              <a:lnSpc>
+                <a:spcPct val="100000"/>
+              </a:lnSpc>
+              <a:spcBef>
+                <a:spcPts val="0"/>
+              </a:spcBef>
+              <a:spcAft>
+                <a:spcPts val="0"/>
+              </a:spcAft>
+              <a:buClrTx/>
+              <a:buSzTx/>
+              <a:buFontTx/>
+              <a:buNone/>
+              <a:tabLst/>
+              <a:defRPr/>
+            </a:pPr>
+            <a:fld id="{DFCF27A5-1A5B-48D3-A060-2758FFBB1ADD}" type="slidenum">
+              <a:rPr lang="en-US" sz="800" kern="1200" smtClean="0">
+                <a:solidFill>
+                  <a:schemeClr val="bg1"/>
+                </a:solidFill>
+                <a:latin typeface="+mn-lt"/>
+                <a:ea typeface="+mn-ea"/>
+                <a:cs typeface="+mn-cs"/>
+                <a:sym typeface="Trebuchet MS" panose="020B0603020202020204" pitchFamily="34" charset="0"/>
+              </a:rPr>
+              <a:pPr marL="0" marR="0" indent="0" algn="r" defTabSz="914400" rtl="0" eaLnBrk="1" fontAlgn="auto" latinLnBrk="0" hangingPunct="1">
+                <a:lnSpc>
+                  <a:spcPct val="100000"/>
+                </a:lnSpc>
+                <a:spcBef>
+                  <a:spcPts val="0"/>
+                </a:spcBef>
+                <a:spcAft>
+                  <a:spcPts val="0"/>
+                </a:spcAft>
+                <a:buClrTx/>
+                <a:buSzTx/>
+                <a:buFontTx/>
+                <a:buNone/>
+                <a:tabLst/>
+                <a:defRPr/>
+              </a:pPr>
+              <a:t>‹#›</a:t>
+            </a:fld>
+            <a:endParaRPr lang="en-US" sz="800" kern="1200" dirty="0">
+              <a:solidFill>
+                <a:schemeClr val="bg1"/>
+              </a:solidFill>
+              <a:latin typeface="+mn-lt"/>
+              <a:ea typeface="+mn-ea"/>
+              <a:cs typeface="+mn-cs"/>
+              <a:sym typeface="Trebuchet MS" panose="020B0603020202020204" pitchFamily="34" charset="0"/>
+            </a:endParaRPr>
+          </a:p>
+        </p:txBody>
+      </p:sp>
+      <p:sp>
+        <p:nvSpPr>
+          <p:cNvPr id="6" name="Copyright">
+            <a:extLst>
+              <a:ext uri="{FF2B5EF4-FFF2-40B4-BE49-F238E27FC236}">
+                <a16:creationId xmlns:a16="http://schemas.microsoft.com/office/drawing/2014/main" id="{F8D89439-77C9-4E61-8F99-766FC7EFF5C9}"/>
+              </a:ext>
+            </a:extLst>
+          </p:cNvPr>
+          <p:cNvSpPr txBox="1"/>
+          <p:nvPr userDrawn="1"/>
+        </p:nvSpPr>
+        <p:spPr>
+          <a:xfrm>
+            <a:off x="630000" y="6566509"/>
+            <a:ext cx="5133975" cy="112980"/>
+          </a:xfrm>
+          <a:prstGeom prst="rect">
+            <a:avLst/>
+          </a:prstGeom>
+          <a:noFill/>
+        </p:spPr>
+        <p:txBody>
+          <a:bodyPr wrap="square" lIns="0" tIns="0" rIns="0" bIns="0" rtlCol="0" anchor="t">
+            <a:spAutoFit/>
+          </a:bodyPr>
+          <a:lstStyle/>
+          <a:p>
+            <a:pPr>
+              <a:lnSpc>
+                <a:spcPct val="90000"/>
+              </a:lnSpc>
+              <a:spcAft>
+                <a:spcPts val="600"/>
+              </a:spcAft>
+            </a:pPr>
+            <a:r>
+              <a:rPr lang="en-US" sz="800" dirty="0">
+                <a:solidFill>
+                  <a:schemeClr val="bg1"/>
+                </a:solidFill>
+                <a:latin typeface="+mn-lt"/>
+                <a:sym typeface="Trebuchet MS" panose="020B0603020202020204" pitchFamily="34" charset="0"/>
+              </a:rPr>
+              <a:t>Copyright © 2024 by L</a:t>
+            </a:r>
+            <a:r>
+              <a:rPr lang="en-US" altLang="zh-CN" sz="800" dirty="0">
+                <a:solidFill>
+                  <a:schemeClr val="bg1"/>
+                </a:solidFill>
+                <a:latin typeface="+mn-lt"/>
+                <a:sym typeface="Trebuchet MS" panose="020B0603020202020204" pitchFamily="34" charset="0"/>
+              </a:rPr>
+              <a:t>i Auto Inc.</a:t>
+            </a:r>
+            <a:r>
+              <a:rPr lang="en-US" sz="800" dirty="0">
+                <a:solidFill>
+                  <a:schemeClr val="bg1"/>
+                </a:solidFill>
+                <a:latin typeface="+mn-lt"/>
+                <a:sym typeface="Trebuchet MS" panose="020B0603020202020204" pitchFamily="34" charset="0"/>
+              </a:rPr>
+              <a:t>. All rights reserved.</a:t>
+            </a:r>
+          </a:p>
+        </p:txBody>
+      </p:sp>
+      <p:sp>
+        <p:nvSpPr>
+          <p:cNvPr id="7" name="Date Placeholder 3">
+            <a:extLst>
+              <a:ext uri="{FF2B5EF4-FFF2-40B4-BE49-F238E27FC236}">
+                <a16:creationId xmlns:a16="http://schemas.microsoft.com/office/drawing/2014/main" id="{0E426FA6-B907-4EAC-BAA7-03DF05CF1F4F}"/>
+              </a:ext>
+            </a:extLst>
+          </p:cNvPr>
+          <p:cNvSpPr>
+            <a:spLocks noGrp="1"/>
+          </p:cNvSpPr>
+          <p:nvPr>
+            <p:ph type="dt" sz="half" idx="2"/>
+          </p:nvPr>
+        </p:nvSpPr>
+        <p:spPr>
+          <a:xfrm>
+            <a:off x="9677400" y="6542143"/>
+            <a:ext cx="1482051" cy="123111"/>
+          </a:xfrm>
+          <a:prstGeom prst="rect">
+            <a:avLst/>
+          </a:prstGeom>
+        </p:spPr>
+        <p:txBody>
+          <a:bodyPr vert="horz" wrap="square" lIns="0" tIns="0" rIns="0" bIns="0" rtlCol="0" anchor="b">
+            <a:spAutoFit/>
+          </a:bodyPr>
+          <a:lstStyle>
+            <a:lvl1pPr algn="r">
+              <a:defRPr sz="800">
+                <a:solidFill>
+                  <a:schemeClr val="bg1"/>
+                </a:solidFill>
+                <a:latin typeface="+mn-lt"/>
+                <a:sym typeface="Trebuchet MS" panose="020B0603020202020204" pitchFamily="34" charset="0"/>
+              </a:defRPr>
+            </a:lvl1pPr>
+          </a:lstStyle>
+          <a:p>
+            <a:endParaRPr lang="en-US" dirty="0"/>
+          </a:p>
+        </p:txBody>
+      </p:sp>
+    </p:spTree>
+    <p:extLst>
+      <p:ext uri="{BB962C8B-B14F-4D97-AF65-F5344CB8AC3E}">
+        <p14:creationId xmlns:p14="http://schemas.microsoft.com/office/powerpoint/2010/main" val="874333312"/>
+      </p:ext>
+    </p:extLst>
+  </p:cSld>
+  <p:clrMapOvr>
+    <a:masterClrMapping/>
+  </p:clrMapOvr>
+  <mc:AlternateContent xmlns:mc="http://schemas.openxmlformats.org/markup-compatibility/2006" xmlns:p14="http://schemas.microsoft.com/office/powerpoint/2010/main">
+    <mc:Choice Requires="p14">
+      <p:transition p14:dur="250">
+        <p:fade/>
+      </p:transition>
+    </mc:Choice>
+    <mc:Fallback xmlns="">
+      <p:transition>
+        <p:fade/>
+      </p:transition>
+    </mc:Fallback>
+  </mc:AlternateContent>
+</p:sldLayout>
+</file>
+
+<file path=ppt/slideLayouts/slideLayout4.xml><?xml version="1.0" encoding="utf-8"?>
+<p:sldLayout xmlns:a="http://schemas.openxmlformats.org/drawingml/2006/main" xmlns:r="http://schemas.openxmlformats.org/officeDocument/2006/relationships" xmlns:p="http://schemas.openxmlformats.org/presentationml/2006/main" showMasterSp="0" type="blank" preserve="1">
+  <p:cSld name="D. End">
+    <p:spTree>
+      <p:nvGrpSpPr>
+        <p:cNvPr id="1" name=""/>
+        <p:cNvGrpSpPr/>
+        <p:nvPr/>
+      </p:nvGrpSpPr>
+      <p:grpSpPr>
+        <a:xfrm>
+          <a:off x="0" y="0"/>
+          <a:ext cx="0" cy="0"/>
+          <a:chOff x="0" y="0"/>
+          <a:chExt cx="0" cy="0"/>
+        </a:xfrm>
+      </p:grpSpPr>
+      <p:sp>
+        <p:nvSpPr>
+          <p:cNvPr id="4" name="矩形 3">
+            <a:extLst>
+              <a:ext uri="{FF2B5EF4-FFF2-40B4-BE49-F238E27FC236}">
+                <a16:creationId xmlns:a16="http://schemas.microsoft.com/office/drawing/2014/main" id="{380E62ED-C2FC-46CC-B007-26A50A3D4E8E}"/>
+              </a:ext>
+            </a:extLst>
+          </p:cNvPr>
+          <p:cNvSpPr/>
+          <p:nvPr userDrawn="1"/>
+        </p:nvSpPr>
+        <p:spPr>
+          <a:xfrm>
+            <a:off x="0" y="-1"/>
+            <a:ext cx="12192000" cy="6858001"/>
+          </a:xfrm>
+          <a:prstGeom prst="rect">
+            <a:avLst/>
+          </a:prstGeom>
+          <a:solidFill>
+            <a:srgbClr val="002D28"/>
+          </a:solidFill>
+          <a:ln w="9525" cap="rnd" cmpd="sng" algn="ctr">
+            <a:noFill/>
+            <a:prstDash val="solid"/>
+            <a:round/>
+            <a:headEnd type="none" w="med" len="med"/>
+            <a:tailEnd type="none" w="med" len="med"/>
+          </a:ln>
+        </p:spPr>
+        <p:style>
+          <a:lnRef idx="2">
+            <a:schemeClr val="accent1">
+              <a:shade val="50000"/>
+            </a:schemeClr>
+          </a:lnRef>
+          <a:fillRef idx="1">
+            <a:schemeClr val="accent1"/>
+          </a:fillRef>
+          <a:effectRef idx="0">
+            <a:schemeClr val="accent1"/>
+          </a:effectRef>
+          <a:fontRef idx="minor">
+            <a:schemeClr val="lt1"/>
+          </a:fontRef>
+        </p:style>
+        <p:txBody>
+          <a:bodyPr rot="0" spcFirstLastPara="0" vertOverflow="overflow" horzOverflow="overflow" vert="horz" wrap="square" lIns="91440" tIns="45720" rIns="91440" bIns="45720" numCol="1" spcCol="0" rtlCol="0" fromWordArt="0" anchor="ctr" anchorCtr="0" forceAA="0" compatLnSpc="1">
+            <a:prstTxWarp prst="textNoShape">
+              <a:avLst/>
+            </a:prstTxWarp>
+            <a:noAutofit/>
+          </a:bodyPr>
+          <a:lstStyle/>
+          <a:p>
+            <a:pPr algn="ctr"/>
+            <a:endParaRPr lang="zh-CN" altLang="en-US" sz="1200" dirty="0">
+              <a:solidFill>
+                <a:srgbClr val="FFFFFF"/>
+              </a:solidFill>
+            </a:endParaRPr>
+          </a:p>
+        </p:txBody>
+      </p:sp>
+      <p:graphicFrame>
+        <p:nvGraphicFramePr>
+          <p:cNvPr id="2" name="Object 1" hidden="1"/>
+          <p:cNvGraphicFramePr>
+            <a:graphicFrameLocks noChangeAspect="1"/>
+          </p:cNvGraphicFramePr>
+          <p:nvPr userDrawn="1">
+            <p:custDataLst>
+              <p:tags r:id="rId2"/>
+            </p:custDataLst>
+            <p:extLst/>
+          </p:nvPr>
+        </p:nvGraphicFramePr>
+        <p:xfrm>
+          <a:off x="1588" y="1588"/>
+          <a:ext cx="1587" cy="1587"/>
+        </p:xfrm>
+        <a:graphic>
+          <a:graphicData uri="http://schemas.openxmlformats.org/presentationml/2006/ole">
+            <mc:AlternateContent xmlns:mc="http://schemas.openxmlformats.org/markup-compatibility/2006">
+              <mc:Choice xmlns:v="urn:schemas-microsoft-com:vml" Requires="v">
+                <p:oleObj spid="_x0000_s2050" name="think-cell 幻灯片" r:id="rId4" imgW="384" imgH="384" progId="TCLayout.ActiveDocument.1">
+                  <p:embed/>
+                </p:oleObj>
+              </mc:Choice>
+              <mc:Fallback>
+                <p:oleObj name="think-cell 幻灯片" r:id="rId4" imgW="384" imgH="384" progId="TCLayout.ActiveDocument.1">
+                  <p:embed/>
+                  <p:pic>
+                    <p:nvPicPr>
+                      <p:cNvPr id="2" name="Object 1" hidden="1"/>
+                      <p:cNvPicPr/>
+                      <p:nvPr/>
+                    </p:nvPicPr>
+                    <p:blipFill>
+                      <a:blip r:embed="rId5"/>
+                      <a:stretch>
+                        <a:fillRect/>
+                      </a:stretch>
+                    </p:blipFill>
+                    <p:spPr>
+                      <a:xfrm>
+                        <a:off x="1588" y="1588"/>
+                        <a:ext cx="1587" cy="1587"/>
+                      </a:xfrm>
+                      <a:prstGeom prst="rect">
+                        <a:avLst/>
+                      </a:prstGeom>
+                    </p:spPr>
+                  </p:pic>
+                </p:oleObj>
+              </mc:Fallback>
+            </mc:AlternateContent>
+          </a:graphicData>
+        </a:graphic>
+      </p:graphicFrame>
+      <p:pic>
+        <p:nvPicPr>
+          <p:cNvPr id="11" name="图片 10">
+            <a:extLst>
+              <a:ext uri="{FF2B5EF4-FFF2-40B4-BE49-F238E27FC236}">
+                <a16:creationId xmlns:a16="http://schemas.microsoft.com/office/drawing/2014/main" id="{BDBD6C09-D67F-4985-9DF5-BC44166A620B}"/>
+              </a:ext>
+            </a:extLst>
+          </p:cNvPr>
+          <p:cNvPicPr>
+            <a:picLocks noChangeAspect="1"/>
+          </p:cNvPicPr>
+          <p:nvPr userDrawn="1"/>
+        </p:nvPicPr>
+        <p:blipFill>
+          <a:blip r:embed="rId6"/>
+          <a:stretch>
+            <a:fillRect/>
+          </a:stretch>
+        </p:blipFill>
+        <p:spPr>
+          <a:xfrm>
+            <a:off x="8748219" y="3146963"/>
+            <a:ext cx="2815127" cy="564070"/>
+          </a:xfrm>
+          <a:prstGeom prst="rect">
+            <a:avLst/>
+          </a:prstGeom>
+        </p:spPr>
+      </p:pic>
+    </p:spTree>
+    <p:extLst>
+      <p:ext uri="{BB962C8B-B14F-4D97-AF65-F5344CB8AC3E}">
+        <p14:creationId xmlns:p14="http://schemas.microsoft.com/office/powerpoint/2010/main" val="512073415"/>
+      </p:ext>
+    </p:extLst>
+  </p:cSld>
+  <p:clrMapOvr>
+    <a:masterClrMapping/>
+  </p:clrMapOvr>
+  <mc:AlternateContent xmlns:mc="http://schemas.openxmlformats.org/markup-compatibility/2006" xmlns:p14="http://schemas.microsoft.com/office/powerpoint/2010/main">
+    <mc:Choice Requires="p14">
+      <p:transition p14:dur="250">
+        <p:fade/>
+      </p:transition>
+    </mc:Choice>
+    <mc:Fallback xmlns="">
+      <p:transition>
+        <p:fade/>
+      </p:transition>
+    </mc:Fallback>
+  </mc:AlternateContent>
+</p:sldLayout>
 </file>
 
 <file path=ppt/slideLayouts/slideLayout5.xml><?xml version="1.0" encoding="utf-8"?>
@@ -790,6 +1636,7 @@
             <p:custDataLst>
               <p:tags r:id="rId2"/>
             </p:custDataLst>
+            <p:extLst/>
           </p:nvPr>
         </p:nvGraphicFramePr>
         <p:xfrm>
@@ -800,7 +1647,7 @@
           <a:graphicData uri="http://schemas.openxmlformats.org/presentationml/2006/ole">
             <mc:AlternateContent xmlns:mc="http://schemas.openxmlformats.org/markup-compatibility/2006">
               <mc:Choice xmlns:v="urn:schemas-microsoft-com:vml" Requires="v">
-                <p:oleObj spid="_x0000_s261127" name="think-cell 幻灯片" r:id="rId4" imgW="349" imgH="350" progId="TCLayout.ActiveDocument.1">
+                <p:oleObj spid="_x0000_s3074" name="think-cell 幻灯片" r:id="rId4" imgW="349" imgH="350" progId="TCLayout.ActiveDocument.1">
                   <p:embed/>
                 </p:oleObj>
               </mc:Choice>
@@ -890,14 +1737,175 @@
     </p:spTree>
     <p:extLst>
       <p:ext uri="{BB962C8B-B14F-4D97-AF65-F5344CB8AC3E}">
-        <p14:creationId xmlns:p14="http://schemas.microsoft.com/office/powerpoint/2010/main" val="2203765286"/>
+        <p14:creationId xmlns:p14="http://schemas.microsoft.com/office/powerpoint/2010/main" val="1153693601"/>
       </p:ext>
     </p:extLst>
   </p:cSld>
   <p:clrMapOvr>
     <a:masterClrMapping/>
   </p:clrMapOvr>
-  <p:extLst>
+  <p:extLst mod="1">
+    <p:ext uri="{DCECCB84-F9BA-43D5-87BE-67443E8EF086}">
+      <p15:sldGuideLst xmlns:p15="http://schemas.microsoft.com/office/powerpoint/2012/main"/>
+    </p:ext>
+  </p:extLst>
+</p:sldLayout>
+</file>
+
+<file path=ppt/slideLayouts/slideLayout6.xml><?xml version="1.0" encoding="utf-8"?>
+<p:sldLayout xmlns:a="http://schemas.openxmlformats.org/drawingml/2006/main" xmlns:r="http://schemas.openxmlformats.org/officeDocument/2006/relationships" xmlns:p="http://schemas.openxmlformats.org/presentationml/2006/main" showMasterPhAnim="0" preserve="1" userDrawn="1">
+  <p:cSld name="1_仅标题">
+    <p:spTree>
+      <p:nvGrpSpPr>
+        <p:cNvPr id="1" name=""/>
+        <p:cNvGrpSpPr/>
+        <p:nvPr/>
+      </p:nvGrpSpPr>
+      <p:grpSpPr>
+        <a:xfrm>
+          <a:off x="0" y="0"/>
+          <a:ext cx="0" cy="0"/>
+          <a:chOff x="0" y="0"/>
+          <a:chExt cx="0" cy="0"/>
+        </a:xfrm>
+      </p:grpSpPr>
+      <p:graphicFrame>
+        <p:nvGraphicFramePr>
+          <p:cNvPr id="4" name="Object 3" hidden="1">
+            <a:extLst>
+              <a:ext uri="{FF2B5EF4-FFF2-40B4-BE49-F238E27FC236}">
+                <a16:creationId xmlns:a16="http://schemas.microsoft.com/office/drawing/2014/main" id="{ACCB8619-3FCC-0EF8-E258-77211AE9EE24}"/>
+              </a:ext>
+            </a:extLst>
+          </p:cNvPr>
+          <p:cNvGraphicFramePr>
+            <a:graphicFrameLocks noChangeAspect="1"/>
+          </p:cNvGraphicFramePr>
+          <p:nvPr userDrawn="1">
+            <p:custDataLst>
+              <p:tags r:id="rId2"/>
+            </p:custDataLst>
+            <p:extLst/>
+          </p:nvPr>
+        </p:nvGraphicFramePr>
+        <p:xfrm>
+          <a:off x="1588" y="1588"/>
+          <a:ext cx="1588" cy="1588"/>
+        </p:xfrm>
+        <a:graphic>
+          <a:graphicData uri="http://schemas.openxmlformats.org/presentationml/2006/ole">
+            <mc:AlternateContent xmlns:mc="http://schemas.openxmlformats.org/markup-compatibility/2006">
+              <mc:Choice xmlns:v="urn:schemas-microsoft-com:vml" Requires="v">
+                <p:oleObj spid="_x0000_s4098" name="think-cell 幻灯片" r:id="rId4" imgW="349" imgH="350" progId="TCLayout.ActiveDocument.1">
+                  <p:embed/>
+                </p:oleObj>
+              </mc:Choice>
+              <mc:Fallback>
+                <p:oleObj name="think-cell 幻灯片" r:id="rId4" imgW="349" imgH="350" progId="TCLayout.ActiveDocument.1">
+                  <p:embed/>
+                  <p:pic>
+                    <p:nvPicPr>
+                      <p:cNvPr id="4" name="Object 3" hidden="1">
+                        <a:extLst>
+                          <a:ext uri="{FF2B5EF4-FFF2-40B4-BE49-F238E27FC236}">
+                            <a16:creationId xmlns:a16="http://schemas.microsoft.com/office/drawing/2014/main" id="{ACCB8619-3FCC-0EF8-E258-77211AE9EE24}"/>
+                          </a:ext>
+                        </a:extLst>
+                      </p:cNvPr>
+                      <p:cNvPicPr/>
+                      <p:nvPr/>
+                    </p:nvPicPr>
+                    <p:blipFill>
+                      <a:blip r:embed="rId5"/>
+                      <a:stretch>
+                        <a:fillRect/>
+                      </a:stretch>
+                    </p:blipFill>
+                    <p:spPr>
+                      <a:xfrm>
+                        <a:off x="1588" y="1588"/>
+                        <a:ext cx="1588" cy="1588"/>
+                      </a:xfrm>
+                      <a:prstGeom prst="rect">
+                        <a:avLst/>
+                      </a:prstGeom>
+                    </p:spPr>
+                  </p:pic>
+                </p:oleObj>
+              </mc:Fallback>
+            </mc:AlternateContent>
+          </a:graphicData>
+        </a:graphic>
+      </p:graphicFrame>
+      <p:sp>
+        <p:nvSpPr>
+          <p:cNvPr id="6" name="Title Placeholder 1">
+            <a:extLst>
+              <a:ext uri="{FF2B5EF4-FFF2-40B4-BE49-F238E27FC236}">
+                <a16:creationId xmlns:a16="http://schemas.microsoft.com/office/drawing/2014/main" id="{CA9EE022-1F91-8EF9-007F-7CEE235FD9C2}"/>
+              </a:ext>
+            </a:extLst>
+          </p:cNvPr>
+          <p:cNvSpPr>
+            <a:spLocks noGrp="1"/>
+          </p:cNvSpPr>
+          <p:nvPr>
+            <p:ph type="title"/>
+          </p:nvPr>
+        </p:nvSpPr>
+        <p:spPr>
+          <a:xfrm>
+            <a:off x="403200" y="258578"/>
+            <a:ext cx="10087200" cy="387798"/>
+          </a:xfrm>
+          <a:prstGeom prst="rect">
+            <a:avLst/>
+          </a:prstGeom>
+        </p:spPr>
+        <p:txBody>
+          <a:bodyPr vert="horz" wrap="square" lIns="0" tIns="0" rIns="0" bIns="0" rtlCol="0" anchor="t" anchorCtr="0">
+            <a:spAutoFit/>
+          </a:bodyPr>
+          <a:lstStyle>
+            <a:lvl1pPr rtl="0">
+              <a:defRPr>
+                <a:latin typeface="+mj-lt"/>
+                <a:cs typeface="+mj-cs"/>
+              </a:defRPr>
+            </a:lvl1pPr>
+          </a:lstStyle>
+          <a:p>
+            <a:r>
+              <a:rPr lang="zh-CN" altLang="en-US"/>
+              <a:t>单击此处编辑母版标题样式</a:t>
+            </a:r>
+            <a:endParaRPr lang="en-US"/>
+          </a:p>
+        </p:txBody>
+      </p:sp>
+    </p:spTree>
+    <p:extLst>
+      <p:ext uri="{BB962C8B-B14F-4D97-AF65-F5344CB8AC3E}">
+        <p14:creationId xmlns:p14="http://schemas.microsoft.com/office/powerpoint/2010/main" val="3730085703"/>
+      </p:ext>
+    </p:extLst>
+  </p:cSld>
+  <p:clrMapOvr>
+    <a:masterClrMapping/>
+  </p:clrMapOvr>
+  <mc:AlternateContent xmlns:mc="http://schemas.openxmlformats.org/markup-compatibility/2006" xmlns:p14="http://schemas.microsoft.com/office/powerpoint/2010/main">
+    <mc:Choice Requires="p14">
+      <p:transition p14:dur="250">
+        <p:fade/>
+      </p:transition>
+    </mc:Choice>
+    <mc:Fallback xmlns="">
+      <p:transition>
+        <p:fade/>
+      </p:transition>
+    </mc:Fallback>
+  </mc:AlternateContent>
+  <p:extLst mod="1">
     <p:ext uri="{DCECCB84-F9BA-43D5-87BE-67443E8EF086}">
       <p15:sldGuideLst xmlns:p15="http://schemas.microsoft.com/office/powerpoint/2012/main"/>
     </p:ext>
@@ -906,7 +1914,7 @@
 </file>
 
 <file path=ppt/slideMasters/slideMaster1.xml><?xml version="1.0" encoding="utf-8"?>
-<p:sldMaster xmlns:mc="http://schemas.openxmlformats.org/markup-compatibility/2006" xmlns:v="urn:schemas-microsoft-com:vml" xmlns:a16="http://schemas.microsoft.com/office/drawing/2014/main" xmlns:p14="http://schemas.microsoft.com/office/powerpoint/2010/main" xmlns:p15="http://schemas.microsoft.com/office/powerpoint/2012/main" xmlns:a="http://schemas.openxmlformats.org/drawingml/2006/main" xmlns:r="http://schemas.openxmlformats.org/officeDocument/2006/relationships" xmlns:p="http://schemas.openxmlformats.org/presentationml/2006/main" preserve="1">
+<p:sldMaster xmlns:a="http://schemas.openxmlformats.org/drawingml/2006/main" xmlns:r="http://schemas.openxmlformats.org/officeDocument/2006/relationships" xmlns:p="http://schemas.openxmlformats.org/presentationml/2006/main" preserve="1">
   <p:cSld>
     <p:bg>
       <p:bgPr>
@@ -940,6 +1948,7 @@
             <p:custDataLst>
               <p:tags r:id="rId9"/>
             </p:custDataLst>
+            <p:extLst/>
           </p:nvPr>
         </p:nvGraphicFramePr>
         <p:xfrm>
@@ -950,7 +1959,7 @@
           <a:graphicData uri="http://schemas.openxmlformats.org/presentationml/2006/ole">
             <mc:AlternateContent xmlns:mc="http://schemas.openxmlformats.org/markup-compatibility/2006">
               <mc:Choice xmlns:v="urn:schemas-microsoft-com:vml" Requires="v">
-                <p:oleObj spid="_x0000_s259079" name="think-cell 幻灯片" r:id="rId10" imgW="270" imgH="270" progId="TCLayout.ActiveDocument.1">
+                <p:oleObj spid="_x0000_s1026" name="think-cell 幻灯片" r:id="rId10" imgW="270" imgH="270" progId="TCLayout.ActiveDocument.1">
                   <p:embed/>
                 </p:oleObj>
               </mc:Choice>
@@ -2844,13 +3853,18 @@
     </p:spTree>
     <p:extLst>
       <p:ext uri="{BB962C8B-B14F-4D97-AF65-F5344CB8AC3E}">
-        <p14:creationId xmlns:p14="http://schemas.microsoft.com/office/powerpoint/2010/main" val="1838875806"/>
+        <p14:creationId xmlns:p14="http://schemas.microsoft.com/office/powerpoint/2010/main" val="886213961"/>
       </p:ext>
     </p:extLst>
   </p:cSld>
   <p:clrMap bg1="lt1" tx1="dk1" bg2="lt2" tx2="dk2" accent1="accent1" accent2="accent2" accent3="accent3" accent4="accent4" accent5="accent5" accent6="accent6" hlink="hlink" folHlink="folHlink"/>
   <p:sldLayoutIdLst>
-    <p:sldLayoutId id="2147483697" r:id="rId5"/>
+    <p:sldLayoutId id="2147483661" r:id="rId1"/>
+    <p:sldLayoutId id="2147483662" r:id="rId2"/>
+    <p:sldLayoutId id="2147483663" r:id="rId3"/>
+    <p:sldLayoutId id="2147483664" r:id="rId4"/>
+    <p:sldLayoutId id="2147483665" r:id="rId5"/>
+    <p:sldLayoutId id="2147483666" r:id="rId6"/>
   </p:sldLayoutIdLst>
   <mc:AlternateContent xmlns:mc="http://schemas.openxmlformats.org/markup-compatibility/2006" xmlns:p14="http://schemas.microsoft.com/office/powerpoint/2010/main">
     <mc:Choice Requires="p14">
@@ -2858,7 +3872,7 @@
         <p:fade/>
       </p:transition>
     </mc:Choice>
-    <mc:Fallback>
+    <mc:Fallback xmlns="">
       <p:transition>
         <p:fade/>
       </p:transition>
@@ -3213,7 +4227,7 @@
       </a:lvl9pPr>
     </p:otherStyle>
   </p:txStyles>
-  <p:extLst>
+  <p:extLst mod="1">
     <p:ext uri="{27BBF7A9-308A-43DC-89C8-2F10F3537804}">
       <p15:sldGuideLst xmlns:p15="http://schemas.microsoft.com/office/powerpoint/2012/main">
         <p15:guide id="1" pos="416">
@@ -3252,7 +4266,7 @@
 </p:sldMaster>
 </file>
 
-<file path=ppt/slides/slide35.xml><?xml version="1.0" encoding="utf-8"?>
+<file path=ppt/slides/slide1.xml><?xml version="1.0" encoding="utf-8"?>
 <p:sld xmlns:a="http://schemas.openxmlformats.org/drawingml/2006/main" xmlns:r="http://schemas.openxmlformats.org/officeDocument/2006/relationships" xmlns:p="http://schemas.openxmlformats.org/presentationml/2006/main" showMasterPhAnim="0">
   <p:cSld>
     <p:spTree>
@@ -3285,11 +4299,7 @@
             <p:custDataLst>
               <p:tags r:id="rId2"/>
             </p:custDataLst>
-            <p:extLst>
-              <p:ext uri="{D42A27DB-BD31-4B8C-83A1-F6EECF244321}">
-                <p14:modId xmlns:p14="http://schemas.microsoft.com/office/powerpoint/2010/main" val="2192058932"/>
-              </p:ext>
-            </p:extLst>
+            <p:extLst/>
           </p:nvPr>
         </p:nvGraphicFramePr>
         <p:xfrm>
@@ -3300,7 +4310,7 @@
           <a:graphicData uri="http://schemas.openxmlformats.org/presentationml/2006/ole">
             <mc:AlternateContent xmlns:mc="http://schemas.openxmlformats.org/markup-compatibility/2006">
               <mc:Choice xmlns:v="urn:schemas-microsoft-com:vml" Requires="v">
-                <p:oleObj spid="_x0000_s37896" name="think-cell 幻灯片" r:id="rId11" imgW="349" imgH="350" progId="TCLayout.ActiveDocument.1">
+                <p:oleObj spid="_x0000_s5122" name="think-cell 幻灯片" r:id="rId11" imgW="349" imgH="350" progId="TCLayout.ActiveDocument.1">
                   <p:embed/>
                 </p:oleObj>
               </mc:Choice>
@@ -3368,8 +4378,8 @@
           <a:lstStyle/>
           <a:p>
             <a:r>
-              <a:rPr lang="en-US"/>
-              <a:t>Pyramid with six layers</a:t>
+              <a:rPr lang="en-US" dirty="0"/>
+              <a:t>{title}</a:t>
             </a:r>
           </a:p>
         </p:txBody>
@@ -3466,7 +4476,7 @@
           </a:bodyPr>
           <a:lstStyle/>
           <a:p>
-            <a:pPr marL="0" marR="0" lvl="0" indent="0" algn="l" defTabSz="914400" eaLnBrk="1" fontAlgn="auto" latinLnBrk="0" hangingPunct="1">
+            <a:pPr marL="0" marR="0" lvl="0" indent="0" algn="l" defTabSz="914400" rtl="0" eaLnBrk="1" fontAlgn="auto" latinLnBrk="0" hangingPunct="1">
               <a:lnSpc>
                 <a:spcPct val="100000"/>
               </a:lnSpc>
@@ -3493,7 +4503,9 @@
               <a:effectLst/>
               <a:uLnTx/>
               <a:uFillTx/>
-              <a:ea typeface="+mn-ea"/>
+              <a:latin typeface="理想品牌字体 2022"/>
+              <a:ea typeface="理想品牌字体 2022"/>
+              <a:cs typeface="+mn-cs"/>
             </a:endParaRPr>
           </a:p>
         </p:txBody>
@@ -3590,7 +4602,7 @@
           </a:bodyPr>
           <a:lstStyle/>
           <a:p>
-            <a:pPr marL="0" marR="0" lvl="0" indent="0" algn="l" defTabSz="914400" eaLnBrk="1" fontAlgn="auto" latinLnBrk="0" hangingPunct="1">
+            <a:pPr marL="0" marR="0" lvl="0" indent="0" algn="l" defTabSz="914400" rtl="0" eaLnBrk="1" fontAlgn="auto" latinLnBrk="0" hangingPunct="1">
               <a:lnSpc>
                 <a:spcPct val="100000"/>
               </a:lnSpc>
@@ -3617,7 +4629,9 @@
               <a:effectLst/>
               <a:uLnTx/>
               <a:uFillTx/>
-              <a:ea typeface="+mn-ea"/>
+              <a:latin typeface="理想品牌字体 2022"/>
+              <a:ea typeface="理想品牌字体 2022"/>
+              <a:cs typeface="+mn-cs"/>
             </a:endParaRPr>
           </a:p>
         </p:txBody>
@@ -3714,7 +4728,7 @@
           </a:bodyPr>
           <a:lstStyle/>
           <a:p>
-            <a:pPr marL="0" marR="0" lvl="0" indent="0" algn="l" defTabSz="914400" eaLnBrk="1" fontAlgn="auto" latinLnBrk="0" hangingPunct="1">
+            <a:pPr marL="0" marR="0" lvl="0" indent="0" algn="l" defTabSz="914400" rtl="0" eaLnBrk="1" fontAlgn="auto" latinLnBrk="0" hangingPunct="1">
               <a:lnSpc>
                 <a:spcPct val="100000"/>
               </a:lnSpc>
@@ -3741,7 +4755,9 @@
               <a:effectLst/>
               <a:uLnTx/>
               <a:uFillTx/>
-              <a:ea typeface="+mn-ea"/>
+              <a:latin typeface="理想品牌字体 2022"/>
+              <a:ea typeface="理想品牌字体 2022"/>
+              <a:cs typeface="+mn-cs"/>
             </a:endParaRPr>
           </a:p>
         </p:txBody>
@@ -3838,7 +4854,7 @@
           </a:bodyPr>
           <a:lstStyle/>
           <a:p>
-            <a:pPr marL="0" marR="0" lvl="0" indent="0" algn="l" defTabSz="914400" eaLnBrk="1" fontAlgn="auto" latinLnBrk="0" hangingPunct="1">
+            <a:pPr marL="0" marR="0" lvl="0" indent="0" algn="l" defTabSz="914400" rtl="0" eaLnBrk="1" fontAlgn="auto" latinLnBrk="0" hangingPunct="1">
               <a:lnSpc>
                 <a:spcPct val="100000"/>
               </a:lnSpc>
@@ -3865,7 +4881,9 @@
               <a:effectLst/>
               <a:uLnTx/>
               <a:uFillTx/>
-              <a:ea typeface="+mn-ea"/>
+              <a:latin typeface="理想品牌字体 2022"/>
+              <a:ea typeface="理想品牌字体 2022"/>
+              <a:cs typeface="+mn-cs"/>
             </a:endParaRPr>
           </a:p>
         </p:txBody>
@@ -3962,7 +4980,7 @@
           </a:bodyPr>
           <a:lstStyle/>
           <a:p>
-            <a:pPr marL="0" marR="0" lvl="0" indent="0" algn="l" defTabSz="914400" eaLnBrk="1" fontAlgn="auto" latinLnBrk="0" hangingPunct="1">
+            <a:pPr marL="0" marR="0" lvl="0" indent="0" algn="l" defTabSz="914400" rtl="0" eaLnBrk="1" fontAlgn="auto" latinLnBrk="0" hangingPunct="1">
               <a:lnSpc>
                 <a:spcPct val="100000"/>
               </a:lnSpc>
@@ -3989,7 +5007,9 @@
               <a:effectLst/>
               <a:uLnTx/>
               <a:uFillTx/>
-              <a:ea typeface="+mn-ea"/>
+              <a:latin typeface="理想品牌字体 2022"/>
+              <a:ea typeface="理想品牌字体 2022"/>
+              <a:cs typeface="+mn-cs"/>
             </a:endParaRPr>
           </a:p>
         </p:txBody>
@@ -4078,7 +5098,7 @@
           </a:bodyPr>
           <a:lstStyle/>
           <a:p>
-            <a:pPr marL="0" marR="0" lvl="0" indent="0" algn="l" defTabSz="914400" eaLnBrk="1" fontAlgn="auto" latinLnBrk="0" hangingPunct="1">
+            <a:pPr marL="0" marR="0" lvl="0" indent="0" algn="l" defTabSz="914400" rtl="0" eaLnBrk="1" fontAlgn="auto" latinLnBrk="0" hangingPunct="1">
               <a:lnSpc>
                 <a:spcPct val="100000"/>
               </a:lnSpc>
@@ -4105,7 +5125,9 @@
               <a:effectLst/>
               <a:uLnTx/>
               <a:uFillTx/>
-              <a:ea typeface="+mn-ea"/>
+              <a:latin typeface="理想品牌字体 2022"/>
+              <a:ea typeface="理想品牌字体 2022"/>
+              <a:cs typeface="+mn-cs"/>
             </a:endParaRPr>
           </a:p>
         </p:txBody>
@@ -4139,7 +5161,7 @@
           </a:bodyPr>
           <a:lstStyle/>
           <a:p>
-            <a:pPr marL="0" marR="0" lvl="0" indent="0" algn="ctr" defTabSz="914400" eaLnBrk="1" fontAlgn="auto" latinLnBrk="0" hangingPunct="1">
+            <a:pPr marL="0" marR="0" lvl="0" indent="0" algn="ctr" defTabSz="914400" rtl="0" eaLnBrk="1" fontAlgn="auto" latinLnBrk="0" hangingPunct="1">
               <a:lnSpc>
                 <a:spcPct val="100000"/>
               </a:lnSpc>
@@ -4157,25 +5179,35 @@
               <a:defRPr/>
             </a:pPr>
             <a:r>
-              <a:rPr kumimoji="0" lang="en-US" sz="2000" b="1" i="0" u="none" strike="noStrike" kern="1200" cap="none" spc="0" normalizeH="0" baseline="0" noProof="0">
+              <a:rPr kumimoji="0" lang="en-US" sz="2000" b="1" i="0" u="none" strike="noStrike" kern="1200" cap="none" spc="0" normalizeH="0" baseline="0" noProof="0" dirty="0">
                 <a:ln>
                   <a:noFill/>
                 </a:ln>
+                <a:solidFill>
+                  <a:srgbClr val="575757"/>
+                </a:solidFill>
                 <a:effectLst/>
                 <a:uLnTx/>
                 <a:uFillTx/>
+                <a:latin typeface="理想品牌字体 2022"/>
                 <a:ea typeface="Roboto" panose="02000000000000000000" pitchFamily="2" charset="0"/>
+                <a:cs typeface="+mn-cs"/>
               </a:rPr>
-              <a:t>10%</a:t>
+              <a:t>{number_6}%</a:t>
             </a:r>
-            <a:endParaRPr kumimoji="0" lang="en-US" sz="2000" b="0" i="0" u="none" strike="noStrike" kern="1200" cap="none" spc="0" normalizeH="0" baseline="0" noProof="0">
+            <a:endParaRPr kumimoji="0" lang="en-US" sz="2000" b="0" i="0" u="none" strike="noStrike" kern="1200" cap="none" spc="0" normalizeH="0" baseline="0" noProof="0" dirty="0">
               <a:ln>
                 <a:noFill/>
               </a:ln>
+              <a:solidFill>
+                <a:srgbClr val="575757"/>
+              </a:solidFill>
               <a:effectLst/>
               <a:uLnTx/>
               <a:uFillTx/>
-              <a:ea typeface="+mn-ea"/>
+              <a:latin typeface="理想品牌字体 2022"/>
+              <a:ea typeface="理想品牌字体 2022"/>
+              <a:cs typeface="+mn-cs"/>
             </a:endParaRPr>
           </a:p>
         </p:txBody>
@@ -4209,7 +5241,7 @@
           </a:bodyPr>
           <a:lstStyle/>
           <a:p>
-            <a:pPr marL="0" marR="0" lvl="0" indent="0" algn="ctr" defTabSz="914400" eaLnBrk="1" fontAlgn="auto" latinLnBrk="0" hangingPunct="1">
+            <a:pPr marL="0" marR="0" lvl="0" indent="0" algn="ctr" defTabSz="914400" rtl="0" eaLnBrk="1" fontAlgn="auto" latinLnBrk="0" hangingPunct="1">
               <a:lnSpc>
                 <a:spcPct val="100000"/>
               </a:lnSpc>
@@ -4227,7 +5259,7 @@
               <a:defRPr/>
             </a:pPr>
             <a:r>
-              <a:rPr kumimoji="0" lang="en-US" sz="2000" b="1" i="0" u="none" strike="noStrike" kern="1200" cap="none" spc="0" normalizeH="0" baseline="0" noProof="0">
+              <a:rPr kumimoji="0" lang="en-US" sz="2000" b="1" i="0" u="none" strike="noStrike" kern="1200" cap="none" spc="0" normalizeH="0" baseline="0" noProof="0" dirty="0">
                 <a:ln>
                   <a:noFill/>
                 </a:ln>
@@ -4237,11 +5269,13 @@
                 <a:effectLst/>
                 <a:uLnTx/>
                 <a:uFillTx/>
+                <a:latin typeface="理想品牌字体 2022"/>
                 <a:ea typeface="Roboto" panose="02000000000000000000" pitchFamily="2" charset="0"/>
+                <a:cs typeface="+mn-cs"/>
               </a:rPr>
-              <a:t>20%</a:t>
+              <a:t>{number_5}%</a:t>
             </a:r>
-            <a:endParaRPr kumimoji="0" lang="en-US" sz="2000" b="0" i="0" u="none" strike="noStrike" kern="1200" cap="none" spc="0" normalizeH="0" baseline="0" noProof="0">
+            <a:endParaRPr kumimoji="0" lang="en-US" sz="2000" b="0" i="0" u="none" strike="noStrike" kern="1200" cap="none" spc="0" normalizeH="0" baseline="0" noProof="0" dirty="0">
               <a:ln>
                 <a:noFill/>
               </a:ln>
@@ -4251,7 +5285,9 @@
               <a:effectLst/>
               <a:uLnTx/>
               <a:uFillTx/>
-              <a:ea typeface="+mn-ea"/>
+              <a:latin typeface="理想品牌字体 2022"/>
+              <a:ea typeface="理想品牌字体 2022"/>
+              <a:cs typeface="+mn-cs"/>
             </a:endParaRPr>
           </a:p>
         </p:txBody>
@@ -4285,7 +5321,7 @@
           </a:bodyPr>
           <a:lstStyle/>
           <a:p>
-            <a:pPr marL="0" marR="0" lvl="0" indent="0" algn="ctr" defTabSz="914400" eaLnBrk="1" fontAlgn="auto" latinLnBrk="0" hangingPunct="1">
+            <a:pPr marL="0" marR="0" lvl="0" indent="0" algn="ctr" defTabSz="914400" rtl="0" eaLnBrk="1" fontAlgn="auto" latinLnBrk="0" hangingPunct="1">
               <a:lnSpc>
                 <a:spcPct val="100000"/>
               </a:lnSpc>
@@ -4303,7 +5339,7 @@
               <a:defRPr/>
             </a:pPr>
             <a:r>
-              <a:rPr kumimoji="0" lang="en-US" sz="2000" b="1" i="0" u="none" strike="noStrike" kern="1200" cap="none" spc="0" normalizeH="0" baseline="0" noProof="0">
+              <a:rPr kumimoji="0" lang="en-US" sz="2000" b="1" i="0" u="none" strike="noStrike" kern="1200" cap="none" spc="0" normalizeH="0" baseline="0" noProof="0" dirty="0">
                 <a:ln>
                   <a:noFill/>
                 </a:ln>
@@ -4313,11 +5349,13 @@
                 <a:effectLst/>
                 <a:uLnTx/>
                 <a:uFillTx/>
+                <a:latin typeface="理想品牌字体 2022"/>
                 <a:ea typeface="Roboto" panose="02000000000000000000" pitchFamily="2" charset="0"/>
+                <a:cs typeface="+mn-cs"/>
               </a:rPr>
-              <a:t>15%</a:t>
+              <a:t>{number_4}%</a:t>
             </a:r>
-            <a:endParaRPr kumimoji="0" lang="en-US" sz="2000" b="0" i="0" u="none" strike="noStrike" kern="1200" cap="none" spc="0" normalizeH="0" baseline="0" noProof="0">
+            <a:endParaRPr kumimoji="0" lang="en-US" sz="2000" b="0" i="0" u="none" strike="noStrike" kern="1200" cap="none" spc="0" normalizeH="0" baseline="0" noProof="0" dirty="0">
               <a:ln>
                 <a:noFill/>
               </a:ln>
@@ -4327,7 +5365,9 @@
               <a:effectLst/>
               <a:uLnTx/>
               <a:uFillTx/>
-              <a:ea typeface="+mn-ea"/>
+              <a:latin typeface="理想品牌字体 2022"/>
+              <a:ea typeface="理想品牌字体 2022"/>
+              <a:cs typeface="+mn-cs"/>
             </a:endParaRPr>
           </a:p>
         </p:txBody>
@@ -4361,7 +5401,7 @@
           </a:bodyPr>
           <a:lstStyle/>
           <a:p>
-            <a:pPr marL="0" marR="0" lvl="0" indent="0" algn="ctr" defTabSz="914400" eaLnBrk="1" fontAlgn="auto" latinLnBrk="0" hangingPunct="1">
+            <a:pPr marL="0" marR="0" lvl="0" indent="0" algn="ctr" defTabSz="914400" rtl="0" eaLnBrk="1" fontAlgn="auto" latinLnBrk="0" hangingPunct="1">
               <a:lnSpc>
                 <a:spcPct val="100000"/>
               </a:lnSpc>
@@ -4379,7 +5419,17 @@
               <a:defRPr/>
             </a:pPr>
             <a:r>
-              <a:rPr kumimoji="0" lang="en-US" sz="2000" b="1" i="0" u="none" strike="noStrike" kern="1200" cap="none" spc="0" normalizeH="0" baseline="0" noProof="0">
+              <a:rPr lang="en-US" sz="2000" b="1" dirty="0">
+                <a:solidFill>
+                  <a:prstClr val="white"/>
+                </a:solidFill>
+                <a:latin typeface="理想品牌字体 2022"/>
+                <a:ea typeface="Roboto" panose="02000000000000000000" pitchFamily="2" charset="0"/>
+              </a:rPr>
+              <a:t>{number_3}</a:t>
+            </a:r>
+            <a:r>
+              <a:rPr kumimoji="0" lang="en-US" sz="2000" b="1" i="0" u="none" strike="noStrike" kern="1200" cap="none" spc="0" normalizeH="0" baseline="0" noProof="0" dirty="0">
                 <a:ln>
                   <a:noFill/>
                 </a:ln>
@@ -4389,11 +5439,13 @@
                 <a:effectLst/>
                 <a:uLnTx/>
                 <a:uFillTx/>
+                <a:latin typeface="理想品牌字体 2022"/>
                 <a:ea typeface="Roboto" panose="02000000000000000000" pitchFamily="2" charset="0"/>
+                <a:cs typeface="+mn-cs"/>
               </a:rPr>
-              <a:t>41%</a:t>
+              <a:t>%</a:t>
             </a:r>
-            <a:endParaRPr kumimoji="0" lang="en-US" sz="2000" b="0" i="0" u="none" strike="noStrike" kern="1200" cap="none" spc="0" normalizeH="0" baseline="0" noProof="0">
+            <a:endParaRPr kumimoji="0" lang="en-US" sz="2000" b="0" i="0" u="none" strike="noStrike" kern="1200" cap="none" spc="0" normalizeH="0" baseline="0" noProof="0" dirty="0">
               <a:ln>
                 <a:noFill/>
               </a:ln>
@@ -4403,7 +5455,9 @@
               <a:effectLst/>
               <a:uLnTx/>
               <a:uFillTx/>
-              <a:ea typeface="+mn-ea"/>
+              <a:latin typeface="理想品牌字体 2022"/>
+              <a:ea typeface="理想品牌字体 2022"/>
+              <a:cs typeface="+mn-cs"/>
             </a:endParaRPr>
           </a:p>
         </p:txBody>
@@ -4437,7 +5491,7 @@
           </a:bodyPr>
           <a:lstStyle/>
           <a:p>
-            <a:pPr marL="0" marR="0" lvl="0" indent="0" algn="ctr" defTabSz="914400" eaLnBrk="1" fontAlgn="auto" latinLnBrk="0" hangingPunct="1">
+            <a:pPr marL="0" marR="0" lvl="0" indent="0" algn="ctr" defTabSz="914400" rtl="0" eaLnBrk="1" fontAlgn="auto" latinLnBrk="0" hangingPunct="1">
               <a:lnSpc>
                 <a:spcPct val="100000"/>
               </a:lnSpc>
@@ -4455,7 +5509,17 @@
               <a:defRPr/>
             </a:pPr>
             <a:r>
-              <a:rPr kumimoji="0" lang="en-US" sz="2000" b="1" i="0" u="none" strike="noStrike" kern="1200" cap="none" spc="0" normalizeH="0" baseline="0" noProof="0">
+              <a:rPr lang="en-US" sz="2000" b="1" dirty="0">
+                <a:solidFill>
+                  <a:prstClr val="white"/>
+                </a:solidFill>
+                <a:latin typeface="理想品牌字体 2022"/>
+                <a:ea typeface="Roboto" panose="02000000000000000000" pitchFamily="2" charset="0"/>
+              </a:rPr>
+              <a:t>{number_2}</a:t>
+            </a:r>
+            <a:r>
+              <a:rPr kumimoji="0" lang="en-US" sz="2000" b="1" i="0" u="none" strike="noStrike" kern="1200" cap="none" spc="0" normalizeH="0" baseline="0" noProof="0" dirty="0">
                 <a:ln>
                   <a:noFill/>
                 </a:ln>
@@ -4465,11 +5529,13 @@
                 <a:effectLst/>
                 <a:uLnTx/>
                 <a:uFillTx/>
+                <a:latin typeface="理想品牌字体 2022"/>
                 <a:ea typeface="Roboto" panose="02000000000000000000" pitchFamily="2" charset="0"/>
+                <a:cs typeface="+mn-cs"/>
               </a:rPr>
-              <a:t>9%</a:t>
+              <a:t>%</a:t>
             </a:r>
-            <a:endParaRPr kumimoji="0" lang="en-US" sz="2000" b="0" i="0" u="none" strike="noStrike" kern="1200" cap="none" spc="0" normalizeH="0" baseline="0" noProof="0">
+            <a:endParaRPr kumimoji="0" lang="en-US" sz="2000" b="0" i="0" u="none" strike="noStrike" kern="1200" cap="none" spc="0" normalizeH="0" baseline="0" noProof="0" dirty="0">
               <a:ln>
                 <a:noFill/>
               </a:ln>
@@ -4479,7 +5545,9 @@
               <a:effectLst/>
               <a:uLnTx/>
               <a:uFillTx/>
-              <a:ea typeface="+mn-ea"/>
+              <a:latin typeface="理想品牌字体 2022"/>
+              <a:ea typeface="理想品牌字体 2022"/>
+              <a:cs typeface="+mn-cs"/>
             </a:endParaRPr>
           </a:p>
         </p:txBody>
@@ -4513,7 +5581,7 @@
           </a:bodyPr>
           <a:lstStyle/>
           <a:p>
-            <a:pPr marL="0" marR="0" lvl="0" indent="0" algn="ctr" defTabSz="914400" eaLnBrk="1" fontAlgn="auto" latinLnBrk="0" hangingPunct="1">
+            <a:pPr marL="0" marR="0" lvl="0" indent="0" algn="ctr" defTabSz="914400" rtl="0" eaLnBrk="1" fontAlgn="auto" latinLnBrk="0" hangingPunct="1">
               <a:lnSpc>
                 <a:spcPct val="100000"/>
               </a:lnSpc>
@@ -4531,7 +5599,17 @@
               <a:defRPr/>
             </a:pPr>
             <a:r>
-              <a:rPr kumimoji="0" lang="en-US" sz="2000" b="1" i="0" u="none" strike="noStrike" kern="1200" cap="none" spc="0" normalizeH="0" baseline="0" noProof="0">
+              <a:rPr lang="en-US" sz="2000" b="1" dirty="0">
+                <a:solidFill>
+                  <a:prstClr val="white"/>
+                </a:solidFill>
+                <a:latin typeface="理想品牌字体 2022"/>
+                <a:ea typeface="Roboto" panose="02000000000000000000" pitchFamily="2" charset="0"/>
+              </a:rPr>
+              <a:t>{number_!}</a:t>
+            </a:r>
+            <a:r>
+              <a:rPr kumimoji="0" lang="en-US" sz="2000" b="1" i="0" u="none" strike="noStrike" kern="1200" cap="none" spc="0" normalizeH="0" baseline="0" noProof="0" dirty="0">
                 <a:ln>
                   <a:noFill/>
                 </a:ln>
@@ -4541,11 +5619,13 @@
                 <a:effectLst/>
                 <a:uLnTx/>
                 <a:uFillTx/>
+                <a:latin typeface="理想品牌字体 2022"/>
                 <a:ea typeface="Roboto" panose="02000000000000000000" pitchFamily="2" charset="0"/>
+                <a:cs typeface="+mn-cs"/>
               </a:rPr>
-              <a:t>1%</a:t>
+              <a:t>%</a:t>
             </a:r>
-            <a:endParaRPr kumimoji="0" lang="en-US" sz="2000" b="0" i="0" u="none" strike="noStrike" kern="1200" cap="none" spc="0" normalizeH="0" baseline="0" noProof="0">
+            <a:endParaRPr kumimoji="0" lang="en-US" sz="2000" b="0" i="0" u="none" strike="noStrike" kern="1200" cap="none" spc="0" normalizeH="0" baseline="0" noProof="0" dirty="0">
               <a:ln>
                 <a:noFill/>
               </a:ln>
@@ -4555,7 +5635,9 @@
               <a:effectLst/>
               <a:uLnTx/>
               <a:uFillTx/>
-              <a:ea typeface="+mn-ea"/>
+              <a:latin typeface="理想品牌字体 2022"/>
+              <a:ea typeface="理想品牌字体 2022"/>
+              <a:cs typeface="+mn-cs"/>
             </a:endParaRPr>
           </a:p>
         </p:txBody>
@@ -4756,7 +5838,7 @@
             </a:lvl9pPr>
           </a:lstStyle>
           <a:p>
-            <a:pPr algn="l" defTabSz="914400">
+            <a:pPr lvl="0" algn="l" defTabSz="914400">
               <a:lnSpc>
                 <a:spcPct val="100000"/>
               </a:lnSpc>
@@ -4769,19 +5851,19 @@
               <a:defRPr/>
             </a:pPr>
             <a:r>
-              <a:rPr lang="en-US" sz="1600" b="1">
-                <a:solidFill>
-                  <a:schemeClr val="accent1"/>
-                </a:solidFill>
-                <a:latin typeface="+mn-lt"/>
+              <a:rPr lang="en-US" altLang="zh-CN" sz="1600" b="1" dirty="0">
+                <a:solidFill>
+                  <a:srgbClr val="03522D"/>
+                </a:solidFill>
+                <a:latin typeface="理想品牌字体 2022"/>
                 <a:cs typeface="+mn-cs"/>
                 <a:sym typeface="Futura"/>
               </a:rPr>
-              <a:t>Lorem ipsum</a:t>
+              <a:t>{number_6_bullet}</a:t>
             </a:r>
           </a:p>
           <a:p>
-            <a:pPr algn="l">
+            <a:pPr lvl="0" algn="l">
               <a:lnSpc>
                 <a:spcPct val="100000"/>
               </a:lnSpc>
@@ -4791,79 +5873,16 @@
               <a:defRPr/>
             </a:pPr>
             <a:r>
-              <a:rPr lang="en-US" sz="1400">
-                <a:solidFill>
-                  <a:schemeClr val="tx1"/>
-                </a:solidFill>
-                <a:latin typeface="+mn-lt"/>
+              <a:rPr lang="en-US" altLang="zh-CN" sz="1400" dirty="0">
+                <a:solidFill>
+                  <a:srgbClr val="575757"/>
+                </a:solidFill>
+                <a:latin typeface="理想品牌字体 2022"/>
                 <a:ea typeface="Open Sans Light" panose="020B0306030504020204" pitchFamily="34" charset="0"/>
                 <a:cs typeface="Open Sans Light" panose="020B0306030504020204" pitchFamily="34" charset="0"/>
               </a:rPr>
-              <a:t>Lorem ipsum dolor sit </a:t>
+              <a:t>{number_6_bullet_content}</a:t>
             </a:r>
-            <a:r>
-              <a:rPr lang="en-US" sz="1400" err="1">
-                <a:solidFill>
-                  <a:schemeClr val="tx1"/>
-                </a:solidFill>
-                <a:latin typeface="+mn-lt"/>
-                <a:ea typeface="Open Sans Light" panose="020B0306030504020204" pitchFamily="34" charset="0"/>
-                <a:cs typeface="Open Sans Light" panose="020B0306030504020204" pitchFamily="34" charset="0"/>
-              </a:rPr>
-              <a:t>amet</a:t>
-            </a:r>
-            <a:r>
-              <a:rPr lang="en-US" sz="1400">
-                <a:solidFill>
-                  <a:schemeClr val="tx1"/>
-                </a:solidFill>
-                <a:latin typeface="+mn-lt"/>
-                <a:ea typeface="Open Sans Light" panose="020B0306030504020204" pitchFamily="34" charset="0"/>
-                <a:cs typeface="Open Sans Light" panose="020B0306030504020204" pitchFamily="34" charset="0"/>
-              </a:rPr>
-              <a:t>, </a:t>
-            </a:r>
-            <a:r>
-              <a:rPr lang="en-US" sz="1400" err="1">
-                <a:solidFill>
-                  <a:schemeClr val="tx1"/>
-                </a:solidFill>
-                <a:latin typeface="+mn-lt"/>
-                <a:ea typeface="Open Sans Light" panose="020B0306030504020204" pitchFamily="34" charset="0"/>
-                <a:cs typeface="Open Sans Light" panose="020B0306030504020204" pitchFamily="34" charset="0"/>
-              </a:rPr>
-              <a:t>consectetur</a:t>
-            </a:r>
-            <a:r>
-              <a:rPr lang="en-US" sz="1400">
-                <a:solidFill>
-                  <a:schemeClr val="tx1"/>
-                </a:solidFill>
-                <a:latin typeface="+mn-lt"/>
-                <a:ea typeface="Open Sans Light" panose="020B0306030504020204" pitchFamily="34" charset="0"/>
-                <a:cs typeface="Open Sans Light" panose="020B0306030504020204" pitchFamily="34" charset="0"/>
-              </a:rPr>
-              <a:t> </a:t>
-            </a:r>
-            <a:r>
-              <a:rPr lang="en-US" sz="1400" err="1">
-                <a:solidFill>
-                  <a:schemeClr val="tx1"/>
-                </a:solidFill>
-                <a:latin typeface="+mn-lt"/>
-                <a:ea typeface="Open Sans Light" panose="020B0306030504020204" pitchFamily="34" charset="0"/>
-                <a:cs typeface="Open Sans Light" panose="020B0306030504020204" pitchFamily="34" charset="0"/>
-              </a:rPr>
-              <a:t>adipiscing</a:t>
-            </a:r>
-            <a:endParaRPr lang="en-US" sz="1400">
-              <a:solidFill>
-                <a:schemeClr val="tx1"/>
-              </a:solidFill>
-              <a:latin typeface="+mn-lt"/>
-              <a:ea typeface="Open Sans Light" panose="020B0306030504020204" pitchFamily="34" charset="0"/>
-              <a:cs typeface="Open Sans Light" panose="020B0306030504020204" pitchFamily="34" charset="0"/>
-            </a:endParaRPr>
           </a:p>
         </p:txBody>
       </p:sp>
@@ -5063,7 +6082,7 @@
             </a:lvl9pPr>
           </a:lstStyle>
           <a:p>
-            <a:pPr algn="l" defTabSz="914400">
+            <a:pPr lvl="0" algn="l" defTabSz="914400">
               <a:lnSpc>
                 <a:spcPct val="100000"/>
               </a:lnSpc>
@@ -5076,19 +6095,19 @@
               <a:defRPr/>
             </a:pPr>
             <a:r>
-              <a:rPr lang="en-US" sz="1600" b="1">
-                <a:solidFill>
-                  <a:schemeClr val="accent1"/>
-                </a:solidFill>
-                <a:latin typeface="+mn-lt"/>
+              <a:rPr lang="en-US" altLang="zh-CN" sz="1600" b="1" dirty="0">
+                <a:solidFill>
+                  <a:srgbClr val="03522D"/>
+                </a:solidFill>
+                <a:latin typeface="理想品牌字体 2022"/>
                 <a:cs typeface="+mn-cs"/>
                 <a:sym typeface="Futura"/>
               </a:rPr>
-              <a:t>Lorem ipsum</a:t>
+              <a:t>{number_5_bullet}</a:t>
             </a:r>
           </a:p>
           <a:p>
-            <a:pPr algn="l">
+            <a:pPr lvl="0" algn="l">
               <a:lnSpc>
                 <a:spcPct val="100000"/>
               </a:lnSpc>
@@ -5098,79 +6117,16 @@
               <a:defRPr/>
             </a:pPr>
             <a:r>
-              <a:rPr lang="en-US" sz="1400">
-                <a:solidFill>
-                  <a:schemeClr val="tx1"/>
-                </a:solidFill>
-                <a:latin typeface="+mn-lt"/>
+              <a:rPr lang="en-US" altLang="zh-CN" sz="1400" dirty="0">
+                <a:solidFill>
+                  <a:srgbClr val="575757"/>
+                </a:solidFill>
+                <a:latin typeface="理想品牌字体 2022"/>
                 <a:ea typeface="Open Sans Light" panose="020B0306030504020204" pitchFamily="34" charset="0"/>
                 <a:cs typeface="Open Sans Light" panose="020B0306030504020204" pitchFamily="34" charset="0"/>
               </a:rPr>
-              <a:t>Lorem ipsum dolor sit </a:t>
+              <a:t>{number_5_bullet_content}</a:t>
             </a:r>
-            <a:r>
-              <a:rPr lang="en-US" sz="1400" err="1">
-                <a:solidFill>
-                  <a:schemeClr val="tx1"/>
-                </a:solidFill>
-                <a:latin typeface="+mn-lt"/>
-                <a:ea typeface="Open Sans Light" panose="020B0306030504020204" pitchFamily="34" charset="0"/>
-                <a:cs typeface="Open Sans Light" panose="020B0306030504020204" pitchFamily="34" charset="0"/>
-              </a:rPr>
-              <a:t>amet</a:t>
-            </a:r>
-            <a:r>
-              <a:rPr lang="en-US" sz="1400">
-                <a:solidFill>
-                  <a:schemeClr val="tx1"/>
-                </a:solidFill>
-                <a:latin typeface="+mn-lt"/>
-                <a:ea typeface="Open Sans Light" panose="020B0306030504020204" pitchFamily="34" charset="0"/>
-                <a:cs typeface="Open Sans Light" panose="020B0306030504020204" pitchFamily="34" charset="0"/>
-              </a:rPr>
-              <a:t>, </a:t>
-            </a:r>
-            <a:r>
-              <a:rPr lang="en-US" sz="1400" err="1">
-                <a:solidFill>
-                  <a:schemeClr val="tx1"/>
-                </a:solidFill>
-                <a:latin typeface="+mn-lt"/>
-                <a:ea typeface="Open Sans Light" panose="020B0306030504020204" pitchFamily="34" charset="0"/>
-                <a:cs typeface="Open Sans Light" panose="020B0306030504020204" pitchFamily="34" charset="0"/>
-              </a:rPr>
-              <a:t>consectetur</a:t>
-            </a:r>
-            <a:r>
-              <a:rPr lang="en-US" sz="1400">
-                <a:solidFill>
-                  <a:schemeClr val="tx1"/>
-                </a:solidFill>
-                <a:latin typeface="+mn-lt"/>
-                <a:ea typeface="Open Sans Light" panose="020B0306030504020204" pitchFamily="34" charset="0"/>
-                <a:cs typeface="Open Sans Light" panose="020B0306030504020204" pitchFamily="34" charset="0"/>
-              </a:rPr>
-              <a:t> </a:t>
-            </a:r>
-            <a:r>
-              <a:rPr lang="en-US" sz="1400" err="1">
-                <a:solidFill>
-                  <a:schemeClr val="tx1"/>
-                </a:solidFill>
-                <a:latin typeface="+mn-lt"/>
-                <a:ea typeface="Open Sans Light" panose="020B0306030504020204" pitchFamily="34" charset="0"/>
-                <a:cs typeface="Open Sans Light" panose="020B0306030504020204" pitchFamily="34" charset="0"/>
-              </a:rPr>
-              <a:t>adipiscing</a:t>
-            </a:r>
-            <a:endParaRPr lang="en-US" sz="1400">
-              <a:solidFill>
-                <a:schemeClr val="tx1"/>
-              </a:solidFill>
-              <a:latin typeface="+mn-lt"/>
-              <a:ea typeface="Open Sans Light" panose="020B0306030504020204" pitchFamily="34" charset="0"/>
-              <a:cs typeface="Open Sans Light" panose="020B0306030504020204" pitchFamily="34" charset="0"/>
-            </a:endParaRPr>
           </a:p>
         </p:txBody>
       </p:sp>
@@ -5370,7 +6326,7 @@
             </a:lvl9pPr>
           </a:lstStyle>
           <a:p>
-            <a:pPr algn="l" defTabSz="914400">
+            <a:pPr lvl="0" algn="l" defTabSz="914400">
               <a:lnSpc>
                 <a:spcPct val="100000"/>
               </a:lnSpc>
@@ -5383,19 +6339,19 @@
               <a:defRPr/>
             </a:pPr>
             <a:r>
-              <a:rPr lang="en-US" sz="1600" b="1">
-                <a:solidFill>
-                  <a:schemeClr val="accent1"/>
-                </a:solidFill>
-                <a:latin typeface="+mn-lt"/>
+              <a:rPr lang="en-US" altLang="zh-CN" sz="1600" b="1" dirty="0">
+                <a:solidFill>
+                  <a:srgbClr val="03522D"/>
+                </a:solidFill>
+                <a:latin typeface="理想品牌字体 2022"/>
                 <a:cs typeface="+mn-cs"/>
                 <a:sym typeface="Futura"/>
               </a:rPr>
-              <a:t>Lorem ipsum</a:t>
+              <a:t>{number_4_bullet}</a:t>
             </a:r>
           </a:p>
           <a:p>
-            <a:pPr algn="l">
+            <a:pPr lvl="0" algn="l">
               <a:lnSpc>
                 <a:spcPct val="100000"/>
               </a:lnSpc>
@@ -5405,79 +6361,16 @@
               <a:defRPr/>
             </a:pPr>
             <a:r>
-              <a:rPr lang="en-US" sz="1400">
-                <a:solidFill>
-                  <a:schemeClr val="tx1"/>
-                </a:solidFill>
-                <a:latin typeface="+mn-lt"/>
+              <a:rPr lang="en-US" altLang="zh-CN" sz="1400" dirty="0">
+                <a:solidFill>
+                  <a:srgbClr val="575757"/>
+                </a:solidFill>
+                <a:latin typeface="理想品牌字体 2022"/>
                 <a:ea typeface="Open Sans Light" panose="020B0306030504020204" pitchFamily="34" charset="0"/>
                 <a:cs typeface="Open Sans Light" panose="020B0306030504020204" pitchFamily="34" charset="0"/>
               </a:rPr>
-              <a:t>Lorem ipsum dolor sit </a:t>
+              <a:t>{number_4_bullet_content}</a:t>
             </a:r>
-            <a:r>
-              <a:rPr lang="en-US" sz="1400" err="1">
-                <a:solidFill>
-                  <a:schemeClr val="tx1"/>
-                </a:solidFill>
-                <a:latin typeface="+mn-lt"/>
-                <a:ea typeface="Open Sans Light" panose="020B0306030504020204" pitchFamily="34" charset="0"/>
-                <a:cs typeface="Open Sans Light" panose="020B0306030504020204" pitchFamily="34" charset="0"/>
-              </a:rPr>
-              <a:t>amet</a:t>
-            </a:r>
-            <a:r>
-              <a:rPr lang="en-US" sz="1400">
-                <a:solidFill>
-                  <a:schemeClr val="tx1"/>
-                </a:solidFill>
-                <a:latin typeface="+mn-lt"/>
-                <a:ea typeface="Open Sans Light" panose="020B0306030504020204" pitchFamily="34" charset="0"/>
-                <a:cs typeface="Open Sans Light" panose="020B0306030504020204" pitchFamily="34" charset="0"/>
-              </a:rPr>
-              <a:t>, </a:t>
-            </a:r>
-            <a:r>
-              <a:rPr lang="en-US" sz="1400" err="1">
-                <a:solidFill>
-                  <a:schemeClr val="tx1"/>
-                </a:solidFill>
-                <a:latin typeface="+mn-lt"/>
-                <a:ea typeface="Open Sans Light" panose="020B0306030504020204" pitchFamily="34" charset="0"/>
-                <a:cs typeface="Open Sans Light" panose="020B0306030504020204" pitchFamily="34" charset="0"/>
-              </a:rPr>
-              <a:t>consectetur</a:t>
-            </a:r>
-            <a:r>
-              <a:rPr lang="en-US" sz="1400">
-                <a:solidFill>
-                  <a:schemeClr val="tx1"/>
-                </a:solidFill>
-                <a:latin typeface="+mn-lt"/>
-                <a:ea typeface="Open Sans Light" panose="020B0306030504020204" pitchFamily="34" charset="0"/>
-                <a:cs typeface="Open Sans Light" panose="020B0306030504020204" pitchFamily="34" charset="0"/>
-              </a:rPr>
-              <a:t> </a:t>
-            </a:r>
-            <a:r>
-              <a:rPr lang="en-US" sz="1400" err="1">
-                <a:solidFill>
-                  <a:schemeClr val="tx1"/>
-                </a:solidFill>
-                <a:latin typeface="+mn-lt"/>
-                <a:ea typeface="Open Sans Light" panose="020B0306030504020204" pitchFamily="34" charset="0"/>
-                <a:cs typeface="Open Sans Light" panose="020B0306030504020204" pitchFamily="34" charset="0"/>
-              </a:rPr>
-              <a:t>adipiscing</a:t>
-            </a:r>
-            <a:endParaRPr lang="en-US" sz="1400">
-              <a:solidFill>
-                <a:schemeClr val="tx1"/>
-              </a:solidFill>
-              <a:latin typeface="+mn-lt"/>
-              <a:ea typeface="Open Sans Light" panose="020B0306030504020204" pitchFamily="34" charset="0"/>
-              <a:cs typeface="Open Sans Light" panose="020B0306030504020204" pitchFamily="34" charset="0"/>
-            </a:endParaRPr>
           </a:p>
         </p:txBody>
       </p:sp>
@@ -5677,7 +6570,7 @@
             </a:lvl9pPr>
           </a:lstStyle>
           <a:p>
-            <a:pPr algn="l" defTabSz="914400">
+            <a:pPr lvl="0" algn="l" defTabSz="914400">
               <a:lnSpc>
                 <a:spcPct val="100000"/>
               </a:lnSpc>
@@ -5690,19 +6583,19 @@
               <a:defRPr/>
             </a:pPr>
             <a:r>
-              <a:rPr lang="en-US" sz="1600" b="1">
-                <a:solidFill>
-                  <a:schemeClr val="accent1"/>
-                </a:solidFill>
-                <a:latin typeface="+mn-lt"/>
+              <a:rPr lang="en-US" altLang="zh-CN" sz="1600" b="1" dirty="0">
+                <a:solidFill>
+                  <a:srgbClr val="03522D"/>
+                </a:solidFill>
+                <a:latin typeface="理想品牌字体 2022"/>
                 <a:cs typeface="+mn-cs"/>
                 <a:sym typeface="Futura"/>
               </a:rPr>
-              <a:t>Lorem ipsum</a:t>
+              <a:t>{number_3_bullet}</a:t>
             </a:r>
           </a:p>
           <a:p>
-            <a:pPr algn="l">
+            <a:pPr lvl="0" algn="l">
               <a:lnSpc>
                 <a:spcPct val="100000"/>
               </a:lnSpc>
@@ -5712,79 +6605,16 @@
               <a:defRPr/>
             </a:pPr>
             <a:r>
-              <a:rPr lang="en-US" sz="1400">
-                <a:solidFill>
-                  <a:schemeClr val="tx1"/>
-                </a:solidFill>
-                <a:latin typeface="+mn-lt"/>
+              <a:rPr lang="en-US" altLang="zh-CN" sz="1400" dirty="0">
+                <a:solidFill>
+                  <a:srgbClr val="575757"/>
+                </a:solidFill>
+                <a:latin typeface="理想品牌字体 2022"/>
                 <a:ea typeface="Open Sans Light" panose="020B0306030504020204" pitchFamily="34" charset="0"/>
                 <a:cs typeface="Open Sans Light" panose="020B0306030504020204" pitchFamily="34" charset="0"/>
               </a:rPr>
-              <a:t>Lorem ipsum dolor sit </a:t>
+              <a:t>{number_3_bullet_content}</a:t>
             </a:r>
-            <a:r>
-              <a:rPr lang="en-US" sz="1400" err="1">
-                <a:solidFill>
-                  <a:schemeClr val="tx1"/>
-                </a:solidFill>
-                <a:latin typeface="+mn-lt"/>
-                <a:ea typeface="Open Sans Light" panose="020B0306030504020204" pitchFamily="34" charset="0"/>
-                <a:cs typeface="Open Sans Light" panose="020B0306030504020204" pitchFamily="34" charset="0"/>
-              </a:rPr>
-              <a:t>amet</a:t>
-            </a:r>
-            <a:r>
-              <a:rPr lang="en-US" sz="1400">
-                <a:solidFill>
-                  <a:schemeClr val="tx1"/>
-                </a:solidFill>
-                <a:latin typeface="+mn-lt"/>
-                <a:ea typeface="Open Sans Light" panose="020B0306030504020204" pitchFamily="34" charset="0"/>
-                <a:cs typeface="Open Sans Light" panose="020B0306030504020204" pitchFamily="34" charset="0"/>
-              </a:rPr>
-              <a:t>, </a:t>
-            </a:r>
-            <a:r>
-              <a:rPr lang="en-US" sz="1400" err="1">
-                <a:solidFill>
-                  <a:schemeClr val="tx1"/>
-                </a:solidFill>
-                <a:latin typeface="+mn-lt"/>
-                <a:ea typeface="Open Sans Light" panose="020B0306030504020204" pitchFamily="34" charset="0"/>
-                <a:cs typeface="Open Sans Light" panose="020B0306030504020204" pitchFamily="34" charset="0"/>
-              </a:rPr>
-              <a:t>consectetur</a:t>
-            </a:r>
-            <a:r>
-              <a:rPr lang="en-US" sz="1400">
-                <a:solidFill>
-                  <a:schemeClr val="tx1"/>
-                </a:solidFill>
-                <a:latin typeface="+mn-lt"/>
-                <a:ea typeface="Open Sans Light" panose="020B0306030504020204" pitchFamily="34" charset="0"/>
-                <a:cs typeface="Open Sans Light" panose="020B0306030504020204" pitchFamily="34" charset="0"/>
-              </a:rPr>
-              <a:t> </a:t>
-            </a:r>
-            <a:r>
-              <a:rPr lang="en-US" sz="1400" err="1">
-                <a:solidFill>
-                  <a:schemeClr val="tx1"/>
-                </a:solidFill>
-                <a:latin typeface="+mn-lt"/>
-                <a:ea typeface="Open Sans Light" panose="020B0306030504020204" pitchFamily="34" charset="0"/>
-                <a:cs typeface="Open Sans Light" panose="020B0306030504020204" pitchFamily="34" charset="0"/>
-              </a:rPr>
-              <a:t>adipiscing</a:t>
-            </a:r>
-            <a:endParaRPr lang="en-US" sz="1400">
-              <a:solidFill>
-                <a:schemeClr val="tx1"/>
-              </a:solidFill>
-              <a:latin typeface="+mn-lt"/>
-              <a:ea typeface="Open Sans Light" panose="020B0306030504020204" pitchFamily="34" charset="0"/>
-              <a:cs typeface="Open Sans Light" panose="020B0306030504020204" pitchFamily="34" charset="0"/>
-            </a:endParaRPr>
           </a:p>
         </p:txBody>
       </p:sp>
@@ -5984,7 +6814,7 @@
             </a:lvl9pPr>
           </a:lstStyle>
           <a:p>
-            <a:pPr algn="l" defTabSz="914400">
+            <a:pPr lvl="0" algn="l" defTabSz="914400">
               <a:lnSpc>
                 <a:spcPct val="100000"/>
               </a:lnSpc>
@@ -5997,19 +6827,19 @@
               <a:defRPr/>
             </a:pPr>
             <a:r>
-              <a:rPr lang="en-US" sz="1600" b="1">
-                <a:solidFill>
-                  <a:schemeClr val="accent1"/>
-                </a:solidFill>
-                <a:latin typeface="+mn-lt"/>
+              <a:rPr lang="en-US" altLang="zh-CN" sz="1600" b="1" dirty="0">
+                <a:solidFill>
+                  <a:srgbClr val="03522D"/>
+                </a:solidFill>
+                <a:latin typeface="理想品牌字体 2022"/>
                 <a:cs typeface="+mn-cs"/>
                 <a:sym typeface="Futura"/>
               </a:rPr>
-              <a:t>Lorem ipsum</a:t>
+              <a:t>{number_2_bullet}</a:t>
             </a:r>
           </a:p>
           <a:p>
-            <a:pPr algn="l">
+            <a:pPr lvl="0" algn="l">
               <a:lnSpc>
                 <a:spcPct val="100000"/>
               </a:lnSpc>
@@ -6019,79 +6849,16 @@
               <a:defRPr/>
             </a:pPr>
             <a:r>
-              <a:rPr lang="en-US" sz="1400">
-                <a:solidFill>
-                  <a:schemeClr val="tx1"/>
-                </a:solidFill>
-                <a:latin typeface="+mn-lt"/>
+              <a:rPr lang="en-US" altLang="zh-CN" sz="1400" dirty="0">
+                <a:solidFill>
+                  <a:srgbClr val="575757"/>
+                </a:solidFill>
+                <a:latin typeface="理想品牌字体 2022"/>
                 <a:ea typeface="Open Sans Light" panose="020B0306030504020204" pitchFamily="34" charset="0"/>
                 <a:cs typeface="Open Sans Light" panose="020B0306030504020204" pitchFamily="34" charset="0"/>
               </a:rPr>
-              <a:t>Lorem ipsum dolor sit </a:t>
+              <a:t>{number_2_bullet_content}</a:t>
             </a:r>
-            <a:r>
-              <a:rPr lang="en-US" sz="1400" err="1">
-                <a:solidFill>
-                  <a:schemeClr val="tx1"/>
-                </a:solidFill>
-                <a:latin typeface="+mn-lt"/>
-                <a:ea typeface="Open Sans Light" panose="020B0306030504020204" pitchFamily="34" charset="0"/>
-                <a:cs typeface="Open Sans Light" panose="020B0306030504020204" pitchFamily="34" charset="0"/>
-              </a:rPr>
-              <a:t>amet</a:t>
-            </a:r>
-            <a:r>
-              <a:rPr lang="en-US" sz="1400">
-                <a:solidFill>
-                  <a:schemeClr val="tx1"/>
-                </a:solidFill>
-                <a:latin typeface="+mn-lt"/>
-                <a:ea typeface="Open Sans Light" panose="020B0306030504020204" pitchFamily="34" charset="0"/>
-                <a:cs typeface="Open Sans Light" panose="020B0306030504020204" pitchFamily="34" charset="0"/>
-              </a:rPr>
-              <a:t>, </a:t>
-            </a:r>
-            <a:r>
-              <a:rPr lang="en-US" sz="1400" err="1">
-                <a:solidFill>
-                  <a:schemeClr val="tx1"/>
-                </a:solidFill>
-                <a:latin typeface="+mn-lt"/>
-                <a:ea typeface="Open Sans Light" panose="020B0306030504020204" pitchFamily="34" charset="0"/>
-                <a:cs typeface="Open Sans Light" panose="020B0306030504020204" pitchFamily="34" charset="0"/>
-              </a:rPr>
-              <a:t>consectetur</a:t>
-            </a:r>
-            <a:r>
-              <a:rPr lang="en-US" sz="1400">
-                <a:solidFill>
-                  <a:schemeClr val="tx1"/>
-                </a:solidFill>
-                <a:latin typeface="+mn-lt"/>
-                <a:ea typeface="Open Sans Light" panose="020B0306030504020204" pitchFamily="34" charset="0"/>
-                <a:cs typeface="Open Sans Light" panose="020B0306030504020204" pitchFamily="34" charset="0"/>
-              </a:rPr>
-              <a:t> </a:t>
-            </a:r>
-            <a:r>
-              <a:rPr lang="en-US" sz="1400" err="1">
-                <a:solidFill>
-                  <a:schemeClr val="tx1"/>
-                </a:solidFill>
-                <a:latin typeface="+mn-lt"/>
-                <a:ea typeface="Open Sans Light" panose="020B0306030504020204" pitchFamily="34" charset="0"/>
-                <a:cs typeface="Open Sans Light" panose="020B0306030504020204" pitchFamily="34" charset="0"/>
-              </a:rPr>
-              <a:t>adipiscing</a:t>
-            </a:r>
-            <a:endParaRPr lang="en-US" sz="1400">
-              <a:solidFill>
-                <a:schemeClr val="tx1"/>
-              </a:solidFill>
-              <a:latin typeface="+mn-lt"/>
-              <a:ea typeface="Open Sans Light" panose="020B0306030504020204" pitchFamily="34" charset="0"/>
-              <a:cs typeface="Open Sans Light" panose="020B0306030504020204" pitchFamily="34" charset="0"/>
-            </a:endParaRPr>
           </a:p>
         </p:txBody>
       </p:sp>
@@ -6291,7 +7058,7 @@
             </a:lvl9pPr>
           </a:lstStyle>
           <a:p>
-            <a:pPr marR="0" lvl="0" algn="l" defTabSz="914400" fontAlgn="auto">
+            <a:pPr marL="0" marR="0" lvl="0" indent="0" algn="l" defTabSz="914400" rtl="0" eaLnBrk="1" fontAlgn="auto" latinLnBrk="0" hangingPunct="1">
               <a:lnSpc>
                 <a:spcPct val="100000"/>
               </a:lnSpc>
@@ -6305,23 +7072,32 @@
                 <a:srgbClr val="000000"/>
               </a:buClr>
               <a:buSzTx/>
+              <a:buFont typeface="Arial"/>
+              <a:buNone/>
               <a:tabLst/>
               <a:defRPr/>
             </a:pPr>
             <a:r>
-              <a:rPr lang="en-US" sz="1600" b="1">
-                <a:solidFill>
-                  <a:schemeClr val="accent1"/>
-                </a:solidFill>
-                <a:latin typeface="+mn-lt"/>
+              <a:rPr kumimoji="0" lang="en-US" sz="1600" b="1" i="0" u="none" strike="noStrike" kern="1200" cap="none" spc="0" normalizeH="0" baseline="0" noProof="0" dirty="0">
+                <a:ln>
+                  <a:noFill/>
+                </a:ln>
+                <a:solidFill>
+                  <a:srgbClr val="03522D"/>
+                </a:solidFill>
+                <a:effectLst/>
+                <a:uLnTx/>
+                <a:uFillTx/>
+                <a:latin typeface="理想品牌字体 2022"/>
+                <a:ea typeface="理想品牌字体 2022"/>
                 <a:cs typeface="+mn-cs"/>
                 <a:sym typeface="Futura"/>
               </a:rPr>
-              <a:t>Lorem ipsum</a:t>
+              <a:t>{number_1_bullet}</a:t>
             </a:r>
           </a:p>
           <a:p>
-            <a:pPr marL="0" marR="0" lvl="0" indent="0" algn="l" defTabSz="1087636" eaLnBrk="1" fontAlgn="auto" latinLnBrk="0" hangingPunct="1">
+            <a:pPr marL="0" marR="0" lvl="0" indent="0" algn="l" defTabSz="1087636" rtl="0" eaLnBrk="1" fontAlgn="auto" latinLnBrk="0" hangingPunct="1">
               <a:lnSpc>
                 <a:spcPct val="100000"/>
               </a:lnSpc>
@@ -6339,121 +7115,22 @@
               <a:defRPr/>
             </a:pPr>
             <a:r>
-              <a:rPr kumimoji="0" lang="en-US" sz="1400" b="0" i="0" u="none" strike="noStrike" kern="1200" cap="none" spc="0" normalizeH="0" baseline="0" noProof="0">
+              <a:rPr kumimoji="0" lang="en-US" sz="1400" b="0" i="0" u="none" strike="noStrike" kern="1200" cap="none" spc="0" normalizeH="0" baseline="0" noProof="0" dirty="0">
                 <a:ln>
                   <a:noFill/>
                 </a:ln>
                 <a:solidFill>
-                  <a:schemeClr val="tx1"/>
+                  <a:srgbClr val="575757"/>
                 </a:solidFill>
                 <a:effectLst/>
                 <a:uLnTx/>
                 <a:uFillTx/>
-                <a:latin typeface="+mn-lt"/>
+                <a:latin typeface="理想品牌字体 2022"/>
                 <a:ea typeface="Open Sans Light" panose="020B0306030504020204" pitchFamily="34" charset="0"/>
                 <a:cs typeface="Open Sans Light" panose="020B0306030504020204" pitchFamily="34" charset="0"/>
               </a:rPr>
-              <a:t>Lorem ipsum dolor sit </a:t>
+              <a:t>{number_1_bullet_content}</a:t>
             </a:r>
-            <a:r>
-              <a:rPr kumimoji="0" lang="en-US" sz="1400" b="0" i="0" u="none" strike="noStrike" kern="1200" cap="none" spc="0" normalizeH="0" baseline="0" noProof="0" err="1">
-                <a:ln>
-                  <a:noFill/>
-                </a:ln>
-                <a:solidFill>
-                  <a:schemeClr val="tx1"/>
-                </a:solidFill>
-                <a:effectLst/>
-                <a:uLnTx/>
-                <a:uFillTx/>
-                <a:latin typeface="+mn-lt"/>
-                <a:ea typeface="Open Sans Light" panose="020B0306030504020204" pitchFamily="34" charset="0"/>
-                <a:cs typeface="Open Sans Light" panose="020B0306030504020204" pitchFamily="34" charset="0"/>
-              </a:rPr>
-              <a:t>amet</a:t>
-            </a:r>
-            <a:r>
-              <a:rPr kumimoji="0" lang="en-US" sz="1400" b="0" i="0" u="none" strike="noStrike" kern="1200" cap="none" spc="0" normalizeH="0" baseline="0" noProof="0">
-                <a:ln>
-                  <a:noFill/>
-                </a:ln>
-                <a:solidFill>
-                  <a:schemeClr val="tx1"/>
-                </a:solidFill>
-                <a:effectLst/>
-                <a:uLnTx/>
-                <a:uFillTx/>
-                <a:latin typeface="+mn-lt"/>
-                <a:ea typeface="Open Sans Light" panose="020B0306030504020204" pitchFamily="34" charset="0"/>
-                <a:cs typeface="Open Sans Light" panose="020B0306030504020204" pitchFamily="34" charset="0"/>
-              </a:rPr>
-              <a:t>, </a:t>
-            </a:r>
-            <a:r>
-              <a:rPr kumimoji="0" lang="en-US" sz="1400" b="0" i="0" u="none" strike="noStrike" kern="1200" cap="none" spc="0" normalizeH="0" baseline="0" noProof="0" err="1">
-                <a:ln>
-                  <a:noFill/>
-                </a:ln>
-                <a:solidFill>
-                  <a:schemeClr val="tx1"/>
-                </a:solidFill>
-                <a:effectLst/>
-                <a:uLnTx/>
-                <a:uFillTx/>
-                <a:latin typeface="+mn-lt"/>
-                <a:ea typeface="Open Sans Light" panose="020B0306030504020204" pitchFamily="34" charset="0"/>
-                <a:cs typeface="Open Sans Light" panose="020B0306030504020204" pitchFamily="34" charset="0"/>
-              </a:rPr>
-              <a:t>consectetur</a:t>
-            </a:r>
-            <a:r>
-              <a:rPr kumimoji="0" lang="en-US" sz="1400" b="0" i="0" u="none" strike="noStrike" kern="1200" cap="none" spc="0" normalizeH="0" baseline="0" noProof="0">
-                <a:ln>
-                  <a:noFill/>
-                </a:ln>
-                <a:solidFill>
-                  <a:schemeClr val="tx1"/>
-                </a:solidFill>
-                <a:effectLst/>
-                <a:uLnTx/>
-                <a:uFillTx/>
-                <a:latin typeface="+mn-lt"/>
-                <a:ea typeface="Open Sans Light" panose="020B0306030504020204" pitchFamily="34" charset="0"/>
-                <a:cs typeface="Open Sans Light" panose="020B0306030504020204" pitchFamily="34" charset="0"/>
-              </a:rPr>
-              <a:t> </a:t>
-            </a:r>
-            <a:r>
-              <a:rPr kumimoji="0" lang="en-US" sz="1400" b="0" i="0" u="none" strike="noStrike" kern="1200" cap="none" spc="0" normalizeH="0" baseline="0" noProof="0" err="1">
-                <a:ln>
-                  <a:noFill/>
-                </a:ln>
-                <a:solidFill>
-                  <a:schemeClr val="tx1"/>
-                </a:solidFill>
-                <a:effectLst/>
-                <a:uLnTx/>
-                <a:uFillTx/>
-                <a:latin typeface="+mn-lt"/>
-                <a:ea typeface="Open Sans Light" panose="020B0306030504020204" pitchFamily="34" charset="0"/>
-                <a:cs typeface="Open Sans Light" panose="020B0306030504020204" pitchFamily="34" charset="0"/>
-              </a:rPr>
-              <a:t>adipiscing</a:t>
-            </a:r>
-            <a:endParaRPr kumimoji="0" lang="en-US" sz="1400" b="0" i="0" u="none" strike="noStrike" kern="1200" cap="none" spc="0" normalizeH="0" baseline="0" noProof="0">
-              <a:ln>
-                <a:noFill/>
-              </a:ln>
-              <a:solidFill>
-                <a:schemeClr val="tx1"/>
-              </a:solidFill>
-              <a:effectLst/>
-              <a:uLnTx/>
-              <a:uFillTx/>
-              <a:latin typeface="+mn-lt"/>
-              <a:ea typeface="Open Sans Light" panose="020B0306030504020204" pitchFamily="34" charset="0"/>
-              <a:cs typeface="Open Sans Light" panose="020B0306030504020204" pitchFamily="34" charset="0"/>
-            </a:endParaRPr>
           </a:p>
         </p:txBody>
       </p:sp>
@@ -7113,24 +7790,39 @@
             </a:lvl9pPr>
           </a:lstStyle>
           <a:p>
-            <a:pPr>
+            <a:pPr marL="0" marR="0" lvl="0" indent="0" algn="l" defTabSz="914400" rtl="0" eaLnBrk="1" fontAlgn="auto" latinLnBrk="0" hangingPunct="1">
+              <a:lnSpc>
+                <a:spcPct val="100000"/>
+              </a:lnSpc>
+              <a:spcBef>
+                <a:spcPts val="0"/>
+              </a:spcBef>
+              <a:spcAft>
+                <a:spcPts val="110"/>
+              </a:spcAft>
+              <a:buClrTx/>
+              <a:buSzTx/>
+              <a:buFont typeface="Arial" panose="020B0604020202020204" pitchFamily="34" charset="0"/>
+              <a:buNone/>
+              <a:tabLst/>
               <a:defRPr/>
             </a:pPr>
             <a:r>
-              <a:rPr lang="en-US">
-                <a:solidFill>
-                  <a:schemeClr val="tx2"/>
-                </a:solidFill>
+              <a:rPr kumimoji="0" lang="en-US" sz="1000" b="0" i="0" u="none" strike="noStrike" kern="1200" cap="none" spc="0" normalizeH="0" baseline="0" noProof="0">
+                <a:ln>
+                  <a:noFill/>
+                </a:ln>
+                <a:solidFill>
+                  <a:srgbClr val="1A7449"/>
+                </a:solidFill>
+                <a:effectLst/>
+                <a:uLnTx/>
+                <a:uFillTx/>
+                <a:latin typeface="理想品牌字体 2022"/>
+                <a:ea typeface="理想品牌字体 2022"/>
+                <a:cs typeface="+mn-cs"/>
               </a:rPr>
-              <a:t>Keywords:</a:t>
-            </a:r>
-            <a:r>
-              <a:rPr lang="en-US" sz="1000">
-                <a:solidFill>
-                  <a:schemeClr val="tx2"/>
-                </a:solidFill>
-              </a:rPr>
-              <a:t> pyramids, layer, percent, percentage, percentages, icon, icons</a:t>
+              <a:t>Keywords: pyramids, layer, percent, percentage, percentages, icon, icons</a:t>
             </a:r>
           </a:p>
         </p:txBody>
@@ -7150,53 +7842,17 @@
 
 <file path=ppt/tags/tag1.xml><?xml version="1.0" encoding="utf-8"?>
 <p:tagLst xmlns:a="http://schemas.openxmlformats.org/drawingml/2006/main" xmlns:r="http://schemas.openxmlformats.org/officeDocument/2006/relationships" xmlns:p="http://schemas.openxmlformats.org/presentationml/2006/main">
-  <p:tag name="EMPOWERCHARTSPROPERTIES_B_0" val="AAAAAAH//////////wEAAAAAAAAAAAAAACoqIFRoaXMgaXMgYSBMaXRlREIgZmlsZSAqKgcEAP////8FAAAAAQAAAAAAAAAAAAAAAAAAAAAAAAAAAAAAAAAAAAAAAAAAAAAAAAABEQAAAFByb3BlcnR5RG9jdW1lbnRzAgAAAAAAAAAAAAAAAAAAAAAAAAAAAAAAAAAAAAAAAAAAAAAAAAAAAAAAAAAAAAAAAAAAAAAAAAAAAAAAAAAAAAAAAAAAAAAAAAAAAAAAAAAAAAAAAAAAAAAAAAAAAAAAAAAAAAAAAAAAAAAAAAAAAAAAAAAAAAAAAAAAAAAAAAAAAAAAAAAAAAAAAAAAAAAAAAAAAAAAAAAAAAAAAAAAAAAAAAAAAAAAAAAAAAAAAAAAAAAAAAAAAAAAAAAAAAAAAAAAAAAAAAAAAAAAAAAAAAAAAAAAAAAAAAAAAAAAAAAAAAAAAAAAAAAAAAAAAAAAAAAAAAAAAAAAAAAAAAAAAAAAAAAAAAAAAAAAAAAAAAAAAAAAAAAAAAAAAAAAAAAAAAAAAAAAAAAAAAAAAAAAAAAAAAAAAAAAAAAAAAAAAAAAAAAAAAAAAAAAAAAAAAAAAAAAAAAAAAAAAAAAAAAAAAAAAAAAAAAAAAAAAAAAAAAAAAAAAAAAAAAAAAAAAAAAAAAAAAAAAAAAAAAAAAAAAAAAAAAAAAAAAAAAAAAAAAAAAAAAAAAAAAAAAAAAAAAAAAAAAAAAAAAAAAAAAAAAAAAAAAAAAAAAAAAAAAAAAAAAAAAAAAAAAAAAAAAAAAAAAAAAAAAAAAAAAAAAAAAAAAAAAAAAAAAAAAAAAAAAAAAAAAAAAAAAAAAAAAAAAAAAAAAAAAAAAAAAAAAAAAAAAAAAAAAAAAAAAAAAAAAAAAAAAAAAAAAAAAAAAAAAAAAAAAAAAAAAAAAAAAAAAAAAAAAAAAAAAAAAAAAAAAAAAAAAAAAAAAAAAAAAAAAAAAAAAAAAAAAAAAAAAAAAAAAAAAAAAAAAAAAAAAAAAAAAAAAAAAAAAAAAAAAAAAAAAAAAAAAAAAAAAAAAAAAAAAAAAAAAAAAAAAAAAAAAAAAAAAAAAAAAAAAAAAAAAAAAAAAAAAAAAAAAAAAAAAAAAAAAAAAAAAAAAAAAAAAAAAAAAAAAAAAAAAAAAAAAAAAAAAAAAAAAAAAAAAAAAAAAAAAAAAAAAAAAAAAAAAAAAAAAAAAAAAAAAAAAAAAAAAAAAAAAAAAAAAAAAAAAAAAAAAAAAAAAAAAAAAAAAAAAAAAAAAAAAAAAAAAAAAAAAAAAAAAAAAAAAAAAAAAAAAAAAAAAAAAAAAAAAAAAAAAAAAAAAAAAAAAAAAAAAAAAAAAAAAAAAAAAAAAAAAAAAAAAAAAAAAAAAAAAAAAAAAAAAAAAAAAAAAAAAAAAAAAAAAAAAAAAAAAAAAAAAAAAAAAAAAAAAAAAAAAAAAAAAAAAAAAAAAAAAAAAAAAAAAAAAAAAAAAAAAAAAAAAAAAAAAAAAAAAAAAAAAAAAAAAAAAAAAAAAAAAAAAAAAAAAAAAAAAAAAAAAAAAAAAAAAAAAAAAAAAAAAAAAAAAAAAAAAAAAAAAAAAAAAAAAAAAAAAAAAAAAAAAAAAAAAAAAAAAAAAAAAAAAAAAAAAAAAAAAAAAAAAAAAAAAAAAAAAAAAAAAAAAAAAAAAAAAAAAAAAAAAAAAAAAAAAAAAAAAAAAAAAAAAAAAAAAAAAAAAAAAAAAAAAAAAAAAAAAAAAAAAAAAAAAAAAAAAAAAAAAAAAAAAAAAAAAAAAAAAAAAAAAAAAAAAAAAAAAAAAAAAAAAAAAAAAAAAAAAAAAAAAAAAAAAAAAAAAAAAAAAAAAAAAAAAAAAAAAAAAAAAAAAAAAAAAAAAAAAAAAAAAAAAAAAAAAAAAAAAAAAAAAAAAAAAAAAAAAAAAAAAAAAAAAAAAAAAAAAAAAAAAAAAAAAAAAAAAAAAAAAAAAAAAAAAAAAAAAAAAAAAAAAAAAAAAAAAAAAAAAAAAAAAAAAAAAAAAAAAAAAAAAAAAAAAAAAAAAAAAAAAAAAAAAAAAAAAAAAAAAAAAAAAAAAAAAAAAAAAAAAAAAAAAAAAAAAAAAAAAAAAAAAAAAAAAAAAAAAAAAAAAAAAAAAAAAAAAAAAAAAAAAAAAAAAAAAAAAAAAAAAAAAAAAAAAAAAAAAAAAAAAAAAAAAAAAAAAAAAAAAAAAAAAAAAAAAAAAAAAAAAAAAAAAAAAAAAAAAAAAAAAAAAAAAAAAAAAAAAAAAAAAAAAAAAAAAAAAAAAAAAAAAAAAAAAAAAAAAAAAAAAAAAAAAAAAAAAAAAAAAAAAAAAAAAAAAAAAAAAAAAAAAAAAAAAAAAAAAAAAAAAAAAAAAAAAAAAAAAAAAAAAAAAAAAAAAAAAAAAAAAAAAAAAAAAAAAAAAAAAAAAAAAAAAAAAAAAAAAAAAAAAAAAAAAAAAAAAAAAAAAAAAAAAAAAAAAAAAAAAAAAAAAAAAAAAAAAAAAAAAAAAAAAAAAAAAAAAAAAAAAAAAAAAAAAAAAAAAAAAAAAAAAAAAAAAAAAAAAAAAAAAAAAAAAAAAAAAAAAAAAAAAAAAAAAAAAAAAAAAAAAAAAAAAAAAAAAAAAAAAAAAAAAAAAAAAAAAAAAAAAAAAAAAAAAAAAAAAAAAAAAAAAAAAAAAAAAAAAAAAAAAAAAAAAAAAAAAAAAAAAAAAAAAAAAAAAAAAAAAAAAAAAAAAAAAAAAAAAAAAAAAAAAAAAAAAAAAAAAAAAAAAAAAAAAAAAAAAAAAAAAAAAAAAAAAAAAAAAAAAAAAAAAAAAAAAAAAAAAAAAAAAAAAAAAAAAAAAAAAAAAAAAAAAAAAAAAAAAAAAAAAAAAAAAAAAAAAAAAAAAAAAAAAAAAAAAAAAAAAAAAAAAAAAAAAAAAAAAAAAAAAAAAAAAAAAAAAAAAAAAAAAAAAAAAAAAAAAAAAAAAAAAAAAAAAAAAAAAAAAAAAAAAAAAAAAAAAAAAAAAAAAAAAAAAAAAAAAAAAAAAAAAAAAAAAAAAAAAAAAAAAAAAAAAAAAAAAAAAAAAAAAAAAAAAAAAAAAAAAAAAAAAAAAAAAAAAAAAAAAAAAAAAAAAAAAAAAAAAAAAAAAAAAAAAAAAAAAAAAAAAAAAAAAAAAAAAAAAAAAAAAAAAAAAAAAAAAAAAAAAAAAAAAAAAAAAAAAAAAAAAAAAAAAAAAAAAAAAAAAAAAAAAAAAAAAAAAAAAAAAAAAAAAAAAAAAAAAAAAAAAAAAAAAAAAAAAAAAAAAAAAAAAAAAAAAAAAAAAAAAAAAAAAAAAAAAAAAAAAAAAAAAAAAAAAAAAAAAAAAAAAAAAAAAAAAAAAAAAAAAAAAAAAAAAAAAAAAAAAAAAAAAAAAAAAAAAAAAAAAAAAAAAAAAAAAAAAAAAAAAAAAAAAAAAAAAAAAAAAAAAAAAAAAAAAAAAAAAAAAAAAAAAAAAAAAAAAAAAAAAAAAAAAAAAAAAAAAAAAAAAAAAAAAAAAAAAAAAAAAAAAAAAAAAAAAAAAAAAAAAAAAAAAAAAAAAAAAAAAAAAAAAAAAAAAAAAAAAAAAAAAAAAAAAAAAAAAAAAAAAAAAAAAAAAAAAAAAAAAAAAAAAAAAAAAAAAAAAAAAAAAAAAAAAAAAAAAAAAAAAAAAAAAAAAAAAAAAAAAAAAAAAAAAAAAAAAAAAAAAAAAAAAAAAAAAAAAAAAAAAAAAAAAAAAAAAAAAAAAAAAAAAAAAAAAAAAAAAAAAAAAAAAAAAAAAAAAAAAAAAAAAAAAAAAAAAAAAAAAAAAAAAAAAAAAAAAAAAAAAAAAAAAAAAAAAAAAAAAAAAAAAAAAAAAAAAAAAAAAAAAAAAAAAAAAAAAAAAAAAAAAAAAAAAAAAAAAAAAAAAAAAAAAAAAAAAAAAAAAAAAAAAAAAAAAAAAAAAAAAAAAAAAAAAAAAAAAAAAAAAAAAAAAAAAAAAAAAAAAAAAAAAAAAAAAAAAAAAAAAAAAAAAAAAAAAAAAAAAAAAAAAAAAAAAAAAAAAAAAAAAAAAAAAAAAAAAAAAAAAAAAAAAAAAAAAAAAAAAAAAAAAAAAAAAAAAAAAAAAAAAAAAAAAAAAAAAAAAAAAAAAAAAAAAAAAAAAAAAAAAAAAAAAAAAAAAAAAAAAAAAAAAAAAAAAAAAAAAAAAAAAAAAAAAAAAAAAAAAAAAAAAAAAAAAAAAAAAAAAAAAAAAAAAAAAAAAAAAAAAAAAAAAAAAAAAAAAAAAAAAAAAAAAAAAAAAAAAAAAAAAAAAAAAAAAAAAAAAAAAAAAAAAAAAAAAAAAAAAAAAAAAAAAAAAAAAAAAAAAAAAAAAAAAAAAAAAAAAAAAAAAAAAAAAAAAAAAAAAAAAAAAAAAAAAAAAAAAAAAAAAAAAAAAAAAAAAAAAAAAAAAAAAAAAAAAAAAAAAAAAAAAAAAAAAAAAAAAAAAAAAAAAAAAAAAAAAAAAAAAAAAAAAAAAAAAAAAAAAAAAAAAAAAAAAAAAAAAAAAAAAAAAAAAAAAAAAAAAAAAAAAAAAAAAAAAAAAAAAAAAAAAAAAAAAAAAAAAAAAAAAAAAAAAAAAAAAAAAAAAAAAAAAAAAAAAAAAAAAAAAAAAAAAAAAAAAAAAAAAAAAAAAAAAAAAAAAAAAAAAAAAAAAAAAAAAAAAAAAAAAAAAAAAAAAAAAAAAAAAAAAAAAAAAAAAAAAAAAAAAAAAAAAAAAAAAAAAAAAAAAAAAAAAAAAAAAAAAAAAAAAAAAAAAAAAAAAAAAAAAAAAAAAAAAAAAAAAAAAAAAAAAAAAAAAAAAAAAAAAAAAAAAAAAAAAAAAAAAAAAAAAAAAAAAAAAAAAAAAAAAAAAAAAAAAAAAAAAAAAAAAAAAAAAAAAAAAAAAAAAAAAAAAAAAAAAAAAAAAAAAAAAAAAAAAAAAAAAAAAAAAAAAAAAAAAAAAAAAAAAAAAAAAAAAAAAAAAAAAAAAAAAAAAAAAAAAAAAAAAAAAAAAAAAAAAAAAAAAAAAAAAAAAAAAAAAAAAAAAAAAAAAAAAAAAAAAAAAAAAAAAAAAAAAAAAAAAAAAAAAAAAAAAAAAAAAAAAAAAAAAAAAAAAAAAAAAAAAAAAAAAAAAAAAAAAAAAAAAAAAAAAAAAAAAAAAAAAAAAAAAAAAAAAAAAAAAAAAAAAAAAAAAAAAAAAAAAAAAAAAAAAAAAAAAAAAAAAAAAAAAAAAAAAAAAAAAAAAAAAAAAAAAAAAAAAAAAAAAAAAAAAAAAAAAAAAAAAAAAAAAAAAAAAAAAAAAAAAAAAAAAAAAAAAAAAAAAAAAAAAAAAAAAAAAAAAAAAAAAAAAAAAAAAAAAAAAAAAAAAAAAAAAAAAAAAAAAAAAAAAAAAAAAAAAAAAAAAAAAAAAAAAAAAAAAAAAAAAAAAAAAAAAAAAAAAAAAAAAAAAAAAAAAAAAAAAAAAAAAAAAAAAAAAAAAAAAAAAAAAAAAAAAAAAAAAAAAAAAAAAAAAAAAAAAAAAAAAAAAAAAAAAAAAAAAAAAAAAAAAAAAAAAAAAAAAAAAAAAAAAAAAAAAAAAAAAAAAAAAAAAAAAAAAAAAAAAAAAAAAAAAAAAAAAAAAAAAAAAAAAAAAAAAAAAAAAAAAAAAAAAAAAAAAAAAAAAAAAAAAAAAAAAAAAAAAAAAAAAAAAAAAAAAAAAAAAAAAAAAAAAAAAAAAAAAAAAAAAAAAAAAAAAAAAAAAAAAAAAAAAAAAAAAAAAAAAAAAAAAAAAAAAAAAAAAAAAAAAAAAAAAAAAAAAAAAAAAAAAAAAAAAAAAAAAAAAAAAAAAAAAAAAAAAAAAAAAAAAAAAAAAAAAAAAAAAAAAAAAAAAAAAAAAAAAAAAAAAAAAAAAAAAAAAAAAAAAAAAAAAAAAAAAAAAAAAAAAAAAAAAAAAAAAAAAAAAAAAAAAAAAAAAAAAAAAAAAAAAAAAAAAAAAAAAAAAAAAAAAAAAAAAAAAAAAAAAAAAAAAAAAAAAAAAAAAAAAAAAAAAAAAAAAAAAAAAAAAAAAAAAAAAAAAAAAAAAAAAAAAAAAAAAAAAAAAAAAAAAAAAAAAAAAAAAAAAAAAAAAAAAAAAAAAAAAAAAAAAAAAAAAAAAAAAAAAAAAAAAAAAAAAAAAAAAAAAAAAAAAAAAAAAAAAAAAAAAAAAAAAAAAAAAAAAAAAAAAAAAAAAAAAAAAAAAAAAAAAAAAAAAAAAAAAAAAAAAAAAAAAAAAAAAAAAAAAAAAAAAAAAAAAAAAAAAAAAAAAAAAAAAAAAAAAAAAAAAAAAAAAAAAAAAAAAAAAAAAAAAAAAAAAAAAAAAAAAAAAAAAAAAAAAAAAAAAAAAAAAAAAAAAAAAAAAAAAAAAAAAAAAAAAAAAAAAAAAAAAAAAAAAAAAAAAAAAAAAAAAAAAAAAAAAAAAAAAAAAAAAAAAAAAAAAAAAAAAAAAAAAAAAAAAAAAAAAAAAAAAAAAAAAAAAAAAAAAAAAAAAAAAAAAAAAAAAAAAAAAAAAAAAAAAAAAAAAAAAAAAAAAAAAAAAAAAAAAAAAAAAAAAAAAAAAAAAAAAAAAAAAAAAAAAAAAAAAAAAAAAAAAAAAAAAAAAAAAAAAAAAAAAAAAAAAAAAAAAAAAAAAAAAAAAAAAAAAAAAAAAAAAAAAAAAAAAAAAAAAAAAAAAAAAAAAAAAAAAAAAAAAAAAAAAAAAAAAAAAAAAAAAAAAAAAAAAAAAAAAAAAAAAAAAAAAAAAAAAAAAAAAAAAAAAAAAAAAAAAAAAAAAAAAAAAAAAAAAAAAAAAAAAAAAAAAAAAAAAAAAAAAAAAAAAAAAAAAAAAAAAAAAAAAAAAAAAAAAAAAAAAAAAAAAAAAAAAAAAAAAAAAAAAAAAAAAAAAAAAAAAAAAAAAAAAAAAAAAAAAAAAAAAAAAAAAAAAAAAAAAAAAAAAAAAAAAAAAAAAAAAAAAAAAAAAAAAAAAAAAAAAAAAAAAAAAAAAAAAAAAAAAAAAAAAAAAAAAAAAAAAAAAAAAAAAAAAAAAAAAAAAAAAAAAAAAAAAAAAAAAAAAAAAAAAAAAAAAAAAAAAAAAAAAAAAAAAAAAAAAAAAAAAAAAAAAAAAAAAAAAAAAAAAAAAAAAAAAAAAAAAAAAAAAAAAAAAAAAAAAAAAAAAAAAAAAAAAAAAAAAAAAAAAAAAAAAAAAAAAAAAAAAAAAAAAAAAAAAAAAAAAAAAAAAAAAAAAAAAAAAAAAAAAAAAAAAAAAAAAAAAAAAAAAAAAAAAAAAAAAAAAAAAAAAAAAAAAAAAAAAAAAAAAAAAAAAAAAAAAAAAAAAAAAAAAAAAAAAAAAAAAAAAAAAAAAAAAAAAAAAAAAAAAAAAAAAAAAAAAAAAAAAAAAAAAAAAAAAAAAAAAAAAAAAAAAAAAAAAAAAAAAAAAAAAAAAAAAAAAAAAAAAAAAAAAAAAAAAAAAAAAAAAAAAAAAAAAAAAAAAAAAAAAAAAAAAAAAAAAAAAAAAAAAAAAAAAAAAAAAAAAAAAAAAAAAAAAAAAAAAAAAAAAAAAAAAAAAAAAAAAAAAAAAAAAAAAAAAAAAAAAAAAAAAAAAAAAAAAAAAAAAAAAAAAAAAAAAAAAAAAAAAAAAAAAAAAAAAAAAAAAAAAAAAAAAAAAAAAAAAAAAAAAAAAAAAAAAAAAAAAAAAAAAAAAAAAAAAAAAAAAAAAAAAAAAAAAAAAAAAAAAAAAAAAAAAAAAAAAAAAAAAAAAAAAAAAAAAAAAAAAAAAAAAAAAAAAAAAAAAAAAAAAAAAAAAAAAAAAAAAAAAAAAAAAAAAAAAAAAAAAAAAAAAAAAAAAAAAAAAAAAAAAAAAAAAAAAAAAAAAAAAAAAAAAAAAAAAAAAAAAAAAAAAAAAAAAAAAAAAAAAAAAAAAAAAAAAAAAAAAAAAAAAAAAAAAAAAAAAAAAAAAAAAAAAAAAAAAAAAAAAAAAAAAAAAAAAAAAAAAAAAAAAAAAAAAAAAAAAAAAAAAAAAAAAAAAAAAAAAAAAAAAAAAAAAAAAAAAAAAAAAAAAAAAAAAAAAAAAAAAAAAAAAAAAAAAAAAAAAAAAAAAAAAAAAAAAAAAAAAAAAAAAAAAAAAAAAAAAAAAAAAAAAAAAAAAAAAAAAAAAAAAAAAAAAAAAAAAAAAAAAAAAAAAAAAAAAAAAAAAAAAAAAAAAAAAAAAAAAAAAAAAAAAAAAAAAAAAAAAAAAAAAAAAAAAAAAAAAAAAAAAAAAAAAAAAAAAAAAAAAAAAAAAAAAAAAAAAAAAAAAAAAAAAAAAAAAAAAAAAAAAAAAAAAAAAAAAAAAAAAAAAAAAAAAAAAAAAAAAAAAAAAAAAAAAAAAAAAAAAAAAAAAAAAAAAAAAAAAAAAAAAAAAAAAAAAAAAAAAAAAAAAAAAAAAAAAAAAAAAAAAAAAAAAAAAAAAAAAAAAAAAAAAAAAAAAAAAAAAAAAAAAAAAAAAAAAAAAAAAAAAAAAAAAAAAAAAAAAAAAAAAAAAAAAAAAAAAAAAAAAAAAAAAAAAAAAAAAAAAAAAAAAAAAAAAAAAAAAAAAAAAAAAAAAAAAAAAAAAAAAAAAAAAAAAAAAAAAAAAAAAAAAAAAAAAAAAAAAAAAAAAAAAAAAAAAAAAAAAAAAAAAAAAAAAAAAAAAAAAAAAAAAAAAAAAAAAAAAAAAAAAAAAAAAAAAAAAAAAAAAAAAAAAAAAAAAAAAAAAAAAAAAAAAAAAAAAAAAAAAAAAAAAAAAAAAAAAAAAAAAAAAAAAAAAAAAAAAAAAAAAAAAAAAAAAAAAAAAAAAAAAAAAAAAAAAAAAAAAAAAAAAAAAAAAAAAAAAAAAAAAAAAAAAAAAAAAAAAAAAAAAAAAAAAAAAAAAAAAAAAAAAAAAAAAAAAAAAAAAAAAAAAAAAAAAAAAAAAAAAAAAAAAAAAAAAAAAAAAAAAAAAAAAAAAAAAAAAAAAAAAAAAAAAAAAAAAAAAAAAAAAAAAAAAAAAAAAAAAAAAAAAAAAAAAAAAAAAAAAAAAAAAAAAAAAAAAAAAAAAAAAAAAAAAAAAAAAAAAAAAAAAAAAAAAAAAAAAAAAAAAAAAAAAAAAAAAAAAAAAAAAAAAAAAAAAAAAAAAAAAAAAAAAAAAAAAAAAAAAAAAAAAAAAAAAAAAAAAAAAAAAAAAAAAAAAAAAAAAAAAAAAAAAAAAAAAAAAAAAAAAAAAAAAAAAAAAAAAAAAAAAAAAAAAAAAAAAAAAAAAAAAAAAAAAAAAAAAAAAAAAAAAAAAAAAAAAAAAAAAAAAAAAAAAAAAAAAAAAAAAAAAAAAAAAAAAAAAAAAAAAAAAAAAAAAAAAAAAAAAAAAAAAAAAAAAAAAAAAAAAAAAAAAAAAAAAAAAAAAAAAAAAAAAAAAAAAAAAAAAAAAAAAAAAAAAAAAAAAAAAAAAAAAAAAAAAAAAAAAAAAAAAAAAAAAAAAAAAAAAAAAAAAAAAAAAAAAAAAAAAAAAAAAAAAAAAAAAAAAAAAAAAAAAAAAAAAAAAAAAAAAAAAAAAAAAAAAAAAAAAAAAAAAAAAAAAAAAAAAAAAAAAAAAAAAAAAAAAAAAAAAAAAAAAAAAAAAAAAAAAAAAAAAAAAAAAAAAAAAAAAAAAAAAAAAAAAAAAAAAAAAAAAAAAAAAAAAAAAAAAAAAAAAAAAAAAAAAAAAAAAAAAAAAAAAAAAAAAAAAAAAAAAAAAAAAAAAAAAAAAAAAAAAAAAAAAAAAAAAAAAAAAAAAAAAAAAAAAAAAAAAAAAAAAAAAAAAAAAAAAAAAAAAAAAAAAAAAAAAAAAAAAAAAAAAAAAAAAAAAAAAAAAAAAAAAAAAAAAAAAAAAAAAAAAAAAAAAAAAAAAAAAAAAAAAAAAAAAAAAAAAAAAAAAAAAAAAAAAAAAAAAAAAAAAAAAAAAAAAAAAAAAAAAAAAAAAAAAAAAAAAAAAAAAAAAAAAAAAAAAAAAAAAAAAAAAAAAAAAAAAAAAAAAAAAAAAAAAAAAAAAAAAAAAAAAAAAAAAAAAAAAAAAAAAAAAAAAAAAAAAAAAAAAAAAAAAAAAAAAAAAAAAAAAAAAAAAAAAAAAAAAAAAAAAAAAAAAAAAAAAAAAAAAAAAAAAAAAAAAAAAAAAAAAAAAAAAAAAAAAAAAAAAAAAAAAAAAAAAAAAAAAAAAAAAAAAAAAAAAAAAAAAAAAAAAAAAAAAAAAAAAAAAAAAAAAAAAAAAAAAAAAAAAAAAAAAAAAAAAAAAAAAAAAAAAAAAAAAAAAAAAAAAAAAAAAAAAAAAAAAAAAAAAAAAAAAAAAAAAAAAAAAAAAAAAAAAAAAAAAAAAAAAAAAAAAAAAAAAAAAAAAAAAAAAAAAAAAAAAAAAAAAAAAAAAAAAAAAAAAAAAAAAAAAAAAAAAAAAAAAAAAAAAAAAAAAAAAAAAAAAAAAAAAAAAAAAAAAAAAAAAAAAAAAAAAAAAAAAAAAAAAAAAAAAAAAAAAAAAAAAAAAAAAAAAAAAAAAAAAAAAAAAAAAAAAAAAAAAAAAAAAAAAAAAAAAAAAAAAAAAAAAAAAAAAAAAAAAAAAAAAAAAAAAAAAAAAAAAAAAAAAAAAAAAAAAAAAAAAAAAAAAAAAAAAAAAAAAAAAAAAAAAAAAAAAAAAAAAAAAAAAAAAAAAAAAAAAAAAAAAAAAAAAAAAAAAAAAAAAAAAAAAAAAAAAAAAAAAAAAAAAAAAAAAAAAAAAAAAAAAAAAAAAAAAAAAAAAAAAAAAAAAAAAAAAAAAAAAAAAAAAAAAAAAAAAAAAAAAAAAAAAAAAAAAAAAAAAAAAAAAAAAAAAAAAAAAAAAAAAAAAAAAAAAAAAAAAAAAAAAAAAAAAAAAAAAAAAAAAAAAAAAAAAAAAAAAAAAAAAAAAAAAAAAAACAAAAAv//////////AQAAAAAAAAAAAAAAEQAAAFByb3BlcnR5RG9jdW1lbnRzAgAAAAAAAAAFAAAACQAAAF9pZD0kLl9pZAEDAAAAAAADAAAAAQADAAAAIwAAAENvbWJpSW5kZXg9JC5OYW1lICsgJ18nICsgJC5WZXJzaW9uAQQAAAAAAAQAAAABAAQAAAAAAAAAAP///////wAAAAAAAP////8AAAAAAP///////wAAAAAAAP////8AAAAAAP///////wAAAAAAAP////8AAAAAAP///////wAAAAAAAP////8AAAAAAP///////wAAAAAAAP////8AAAAAAP///////wAAAAAAAP////8AAAAAAP///////wAAAAAAAP////8AAAAAAP///////wAAAAAAAP////8AAAAAAP///////wAAAAAAAP////8AAAAAAP///////wAAAAAAAP////8AAAAAAP///////wAAAAAAAP////8AAAAAAP///////wAAAAAAAP////8AAAAAAP///////wAAAAAAAP////8AAAAAAP///////wAAAAAAAP////8AAAAAAAAAAAAAAAAAAAAAAAAAAAAAAAAAAAAAAAAAAAAAAAAAAAAAAAAAAAAAAAAAAAAAAAAAAAAAAAAAAAAAAAAAAAAAAAAAAAAAAAAAAAAAAAAAAAAAAAAAAAAAAAAAAAAAAAAAAAAAAAAAAAAAAAAAAAAAAAAAAAAAAAAAAAAAAAAAAAAAAAAAAAAAAAAAAAAAAAAAAAAAAAAAAAAAAAAAAAAAAAAAAAAAAAAAAAAAAAAAAAAAAAAAAAAAAAAAAAAAAAAAAAAAAAAAAAAAAAAAAAAAAAAAAAAAAAAAAAAAAAAAAAAAAAAAAAAAAAAAAAAAAAAAAAAAAAAAAAAAAAAAAAAAAAAAAAAAAAAAAAAAAAAAAAAAAAAAAAAAAAAAAAAAAAAAAAAAAAAAAAAAAAAAAAAAAAAAAAAAAAAAAAAAAAAAAAAAAAAAAAAAAAAAAAAAAAAAAAAAAAAAAAAAAAAAAAAAAAAAAAAAAAAAAAAAAAAAAAAAAAAAAAAAAAAAAAAAAAAAAAAAAAAAAAAAAAAAAAAAAAAAAAAAAAAAAAAAAAAAAAAAAAAAAAAAAAAAAAAAAAAAAAAAAAAAAAAAAAAAAAAAAAAAAAAAAAAAAAAAAAAAAAAAAAAAAAAAAAAAAAAAAAAAAAAAAAAAAAAAAAAAAAAAAAAAAAAAAAAAAAAAAAAAAAAAAAAAAAAAAAAAAAAAAAAAAAAAAAAAAAAAAAAAAAAAAAAAAAAAAAAAAAAAAAAAAAAAAAAAAAAAAAAAAAAAAAAAAAAAAAAAAAAAAAAAAAAAAAAAAAAAAAAAAAAAAAAAAAAAAAAAAAAAAAAAAAAAAAAAAAAAAAAAAAAAAAAAAAAAAAAAAAAAAAAAAAAAAAAAAAAAAAAAAAAAAAAAAAAAAAAAAAAAAAAAAAAAAAAAAAAAAAAAAAAAAAAAAAAAAAAAAAAAAAAAAAAAAAAAAAAAAAAAAAAAAAAAAAAAAAAAAAAAAAAAAAAAAAAAAAAAAAAAAAAAAAAAAAAAAAAAAAAAAAAAAAAAAAAAAAAAAAAAAAAAAAAAAAAAAAAAAAAAAAAAAAAAAAAAAAAAAAAAAAAAAAAAAAAAAAAAAAAAAAAAAAAAAAAAAAAAAAAAAAAAAAAAAAAAAAAAAAAAAAAAAAAAAAAAAAAAAAAAAAAAAAAAAAAAAAAAAAAAAAAAAAAAAAAAAAAAAAAAAAAAAAAAAAAAAAAAAAAAAAAAAAAAAAAAAAAAAAAAAAAAAAAAAAAAAAAAAAAAAAAAAAAAAAAAAAAAAAAAAAAAAAAAAAAAAAAAAAAAAAAAAAAAAAAAAAAAAAAAAAAAAAAAAAAAAAAAAAAAAAAAAAAAAAAAAAAAAAAAAAAAAAAAAAAAAAAAAAAAAAAAAAAAAAAAAAAAAAAAAAAAAAAAAAAAAAAAAAAAAAAAAAAAAAAAAAAAAAAAAAAAAAAAAAAAAAAAAAAAAAAAAAAAAAAAAAAAAAAAAAAAAAAAAAAAAAAAAAAAAAAAAAAAAAAAAAAAAAAAAAAAAAAAAAAAAAAAAAAAAAAAAAAAAAAAAAAAAAAAAAAAAAAAAAAAAAAAAAAAAAAAAAAAAAAAAAAAAAAAAAAAAAAAAAAAAAAAAAAAAAAAAAAAAAAAAAAAAAAAAAAAAAAAAAAAAAAAAAAAAAAAAAAAAAAAAAAAAAAAAAAAAAAAAAAAAAAAAAAAAAAAAAAAAAAAAAAAAAAAAAAAAAAAAAAAAAAAAAAAAAAAAAAAAAAAAAAAAAAAAAAAAAAAAAAAAAAAAAAAAAAAAAAAAAAAAAAAAAAAAAAAAAAAAAAAAAAAAAAAAAAAAAAAAAAAAAAAAAAAAAAAAAAAAAAAAAAAAAAAAAAAAAAAAAAAAAAAAAAAAAAAAAAAAAAAAAAAAAAAAAAAAAAAAAAAAAAAAAAAAAAAAAAAAAAAAAAAAAAAAAAAAAAAAAAAAAAAAAAAAAAAAAAAAAAAAAAAAAAAAAAAAAAAAAAAAAAAAAAAAAAAAAAAAAAAAAAAAAAAAAAAAAAAAAAAAAAAAAAAAAAAAAAAAAAAAAAAAAAAAAAAAAAAAAAAAAAAAAAAAAAAAAAAAAAAAAAAAAAAAAAAAAAAAAAAAAAAAAAAAAAAAAAAAAAAAAAAAAAAAAAAAAAAAAAAAAAAAAAAAAAAAAAAAAAAAAAAAAAAAAAAAAAAAAAAAAAAAAAAAAAAAAAAAAAAAAAAAAAAAAAAAAAAAAAAAAAAAAAAAAAAAAAAAAAAAAAAAAAAAAAAAAAAAAAAAAAAAAAAAAAAAAAAAAAAAAAAAAAAAAAAAAAAAAAAAAAAAAAAAAAAAAAAAAAAAAAAAAAAAAAAAAAAAAAAAAAAAAAAAAAAAAAAAAAAAAAAAAAAAAAAAAAAAAAAAAAAAAAAAAAAAAAAAAAAAAAAAAAAAAAAAAAAAAAAAAAAAAAAAAAAAAAAAAAAAAAAAAAAAAAAAAAAAAAAAAAAAAAAAAAAAAAAAAAAAAAAAAAAAAAAAAAAAAAAAAAAAAAAAAAAAAAAAAAAAAAAAAAAAAAAAAAAAAAAAAAAAAAAAAAAAAAAAAAAAAAAAAAAAAAAAAAAAAAAAAAAAAAAAAAAAAAAAAAAAAAAAAAAAAAAAAAAAAAAAAAAAAAAAAAAAAAAAAAAAAAAAAAAAAAAAAAAAAAAAAAAAAAAAAAAAAAAAAAAAAAAAAAAAAAAAAAAAAAAAAAAAAAAAAAAAAAAAAAAAAAAAAAAAAAAAAAAAAAAAAAAAAAAAAAAAAAAAAAAAAAAAAAAAAAAAAAAAAAAAAAAAAAAAAAAAAAAAAAAAAAAAAAAAAAAAAAAAAAAAAAAAAAAAAAAAAAAAAAAAAAAAAAAAAAAAAAAAAAAAAAAAAAAAAAAAAAAAAAAAAAAAAAAAAAAAAAAAAAAAAAAAAAAAAAAAAAAAAAAAAAAAAAAAAAAAAAAAAAAAAAAAAAAAAAAAAAAAAAAAAAAAAAAAAAAAAAAAAAAAAAAAAAAAAAAAAAAAAAAAAAAAAAAAAAAAAAAAAAAAAAAAAAAAAAAAAAAAAAAAAAAAAAAAAAAAAAAAAAAAAAAAAAAAAAAAAAAAAAAAAAAAAAAAAAAAAAAAAAAAAAAAAAAAAAAAAAAAAAAAAAAAAAAAAAAAAAAAAAAAAAAAAAAAAAAAAAAAAAAAAAAAAAAAAAAAAAAAAAAAAAAAAAAAAAAAAAAAAAAAAAAAAAAAAAAAAAAAAAAAAAAAAAAAAAAAAAAAAAAAAAAAAAAAAAAAAAAAAAAAAAAAAAAAAAAAAAAAAAAAAAAAAAAAAAAAAAAAAAAAAAAAAAAAAAAAAAAAAAAAAAAAAAAAAAAAAAAAAAAAAAAAAAAAAAAAAAAAAAAAAAAAAAAAAAAAAAAAAAAAAAAAAAAAAAAAAAAAAAAAAAAAAAAAAAAAAAAAAAAAAAAAAAAAAAAAAAAAAAAAAAAAAAAAAAAAAAAAAAAAAAAAAAAAAAAAAAAAAAAAAAAAAAAAAAAAAAAAAAAAAAAAAAAAAAAAAAAAAAAAAAAAAAAAAAAAAAAAAAAAAAAAAAAAAAAAAAAAAAAAAAAAAAAAAAAAAAAAAAAAAAAAAAAAAAAAAAAAAAAAAAAAAAAAAAAAAAAAAAAAAAAAAAAAAAAAAAAAAAAAAAAAAAAAAAAAAAAAAAAAAAAAAAAAAAAAAAAAAAAAAAAAAAAAAAAAAAAAAAAAAAAAAAAAAAAAAAAAAAAAAAAAAAAAAAAAAAAAAAAAAAAAAAAAAAAAAAAAAAAAAAAAAAAAAAAAAAAAAAAAAAAAAAAAAAAAAAAAAAAAAAAAAAAAAAAAAAAAAAAAAAAAAAAAAAAAAAAAAAAAAAAAAAAAAAAAAAAAAAAAAAAAAAAAAAAAAAAAAAAAAAAAAAAAAAAAAAAAAAAAAAAAAAAAAAAAAAAAAAAAAAAAAAAAAAAAAAAAAAAAAAAAAAAAAAAAAAAAAAAAAAAAAAAAAAAAAAAAAAAAAAAAAAAAAAAAAAAAAAAAAAAAAAAAAAAAAAAAAAAAAAAAAAAAAAAAAAAAAAAAAAAAAAAAAAAAAAAAAAAAAAAAAAAAAAAAAAAAAAAAAAAAAAAAAAAAAAAAAAAAAAAAAAAAAAAAAAAAAAAAAAAAAAAAAAAAAAAAAAAAAAAAAAAAAAAAAAAAAAAAAAAAAAAAAAAAAAAAAAAAAAAAAAAAAAAAAAAAAAAAAAAAAAAAAAAAAAAAAAAAAAAAAAAAAAAAAAAAAAAAAAAAAAAAAAAAAAAAAAAAAAAAAAAAAAAAAAAAAAAAAAAAAAAAAAAAAAAAAAAAAAAAAAAAAAAAAAAAAAAAAAAAAAAAAAAAAAAAAAAAAAAAAAAAAAAAAAAAAAAAAAAAAAAAAAAAAAAAAAAAAAAAAAAAAAAAAAAAAAAAAAAAAAAAAAAAAAAAAAAAAAAAAAAAAAAAAAAAAAAAAAAAAAAAAAAAAAAAAAAAAAAAAAAAAAAAAAAAAAAAAAAAAAAAAAAAAAAAAAAAAAAAAAAAAAAAAAAAAAAAAAAAAAAAAAAAAAAAAAAAAAAAAAAAAAAAAAAAAAAAAAAAAAAAAAAAAAAAAAAAAAAAAAAAAAAAAAAAAAAAAAAAAAAAAAAAAAAAAAAAAAAAAAAAAAAAAAAAAAAAAAAAAAAAAAAAAAAAAAAAAAAAAAAAAAAAAAAAAAAAAAAAAAAAAAAAAAAAAAAAAAAAAAAAAAAAAAAAAAAAAAAAAAAAAAAAAAAAAAAAAAAAAAAAAAAAAAAAAAAAAAAAAAAAAAAAAAAAAAAAAAAAAAAAAAAAAAAAAAAAAAAAAAAAAAAAAAAAAAAAAAAAwYBAQEBAQEBAQEBAQEBAQIAAAAAAAAAAwAAAAMAAAAA/////wQAMwwAAAAAAAAAAAAAIAD///////////////8AAAD///////////////8DAAAAAgD///////8DAAAAAgD///////8DAAAAAgD///////////////////////////////////////////////////////////////////////////////////////////////////////////////////////////////////////////////////////////////////////////////////////////////////////////////////////////////////////////////////////////////////////////////////////////////////////////////////////////////////////////////////////////////////////////////////////////////////////////////////////////////////////////////////////////////////////////////8BACAA////////////////AAAO////////AwAAAAMA////////////////////////////////////////////////////////////////////////////////////////////////////////////////////////////////////////////////////////////////////////////////////////////////////////////////////////////////////////////////////////////////////////////////////////////////////////////////////////////////////////////////////////////////////////////////////////////////////////////////////////////////////////////////////////////////////////////////////////////////////////////////////////AgADAP///////wQAAAACABAACwTRfQ5FaXFIk1XpU0ZanpEFAAAAAAADAAAAAAADAAAAAwADAAAAAAD///////8DAAAAAAD///////8DAAEA////////BAAAAAMAEAALG0w/MwTyCU2UuZFa1qTiEQUAAAABAAMAAAACAAMAAAABAAAAAAAAAAAAAAAAAAAAAAAAAAAAAAAAAAAAAAAAAAAAAAAAAAAAAAAAAAAAAAAAAAAAAAAAAAAAAAAAAAAAAAAAAAAAAAAAAAAAAAAAAAAAAAAAAAAAAAAAAAAAAAAAAAAAAAAAAAAAAAAAAAAAAAAAAAAAAAAAAAAAAAAAAAAAAAAAAAAAAAAAAAAAAAAAAAAAAAAAAAAAAAAAAAAAAAAAAAAAAAAAAAAAAAAAAAAAAAAAAAAAAAAAAAAAAAAAAAAAAAAAAAAAAAAAAAAAAAAAAAAAAAAAAAAAAAAAAAAAAAAAAAAAAAAAAAAAAAAAAAAAAAAAAAAAAAAAAAAAAAAAAAAAAAAAAAAAAAAAAAAAAAAAAAAAAAAAAAAAAAAAAAAAAAAAAAAAAAAAAAAAAAAAAAAAAAAAAAAAAAAAAAAAAAAAAAAAAAAAAAAAAAAAAAAAAAAAAAAAAAAAAAAAAAAAAAAAAAAAAAAAAAAAAAAAAAAAAAAAAAAAAAAAAAAAAAAAAAAAAAAAAAAAAAAAAAAAAAAAAAAAAAAAAAAAAAAAAAAAAAAAAAAAAAAAAAAAAAAAAAAAAAAAAAAAAAAAAAAAAAAAAAAAAAAAAAAAAAAAAAAAAAAAAAAAAAAAAAAAAAAAAAAAAAAAAAAAAAAAAAAAAAAAAAAAAAAAAAAAAAAAAAAAAAAAAAAAAAAAAAAAAAAAAAAAAAAAAAAAAAAAAAAAAAAAAAAAAAAAAAAAAAAAAAAAAAAAAAAAAAAAAAAAAAAAAAAAAAAAAAAAAAAAAAAAAAAAAAAAAAAAAAAAAAAAAAAAAAAAAAAAAAAAAAAAAAAAAAAAAAAAAAAAAAAAAAAAAAAAAAAAAAAAAAAAAAAAAAAAAAAAAAAAAAAAAAAAAAAAAAAAAAAAAAAAAAAAAAAAAAAAAAAAAAAAAAAAAAAAAAAAAAAAAAAAAAAAAAAAAAAAAAAAAAAAAAAAAAAAAAAAAAAAAAAAAAAAAAAAAAAAAAAAAAAAAAAAAAAAAAAAAAAAAAAAAAAAAAAAAAAAAAAAAAAAAAAAAAAAAAAAAAAAAAAAAAAAAAAAAAAAAAAAAAAAAAAAAAAAAAAAAAAAAAAAAAAAAAAAAAAAAAAAAAAAAAAAAAAAAAAAAAAAAAAAAAAAAAAAAAAAAAAAAAAAAAAAAAAAAAAAAAAAAAAAAAAAAAAAAAAAAAAAAAAAAAAAAAAAAAAAAAAAAAAAAAAAAAAAAAAAAAAAAAAAAAAAAAAAAAAAAAAAAAAAAAAAAAAAAAAAAAAAAAAAAAAAAAAAAAAAAAAAAAAAAAAAAAAAAAAAAAAAAAAAAAAAAAAAAAAAAAAAAAAAAAAAAAAAAAAAAAAAAAAAAAAAAAAAAAAAAAAAAAAAAAAAAAAAAAAAAAAAAAAAAAAAAAAAAAAAAAAAAAAAAAAAAAAAAAAAAAAAAAAAAAAAAAAAAAAAAAAAAAAAAAAAAAAAAAAAAAAAAAAAAAAAAAAAAAAAAAAAAAAAAAAAAAAAAAAAAAAAAAAAAAAAAAAAAAAAAAAAAAAAAAAAAAAAAAAAAAAAAAAAAAAAAAAAAAAAAAAAAAAAAAAAAAAAAAAAAAAAAAAAAAAAAAAAAAAAAAAAAAAAAAAAAAAAAAAAAAAAAAAAAAAAAAAAAAAAAAAAAAAAAAAAAAAAAAAAAAAAAAAAAAAAAAAAAAAAAAAAAAAAAAAAAAAAAAAAAAAAAAAAAAAAAAAAAAAAAAAAAAAAAAAAAAAAAAAAAAAAAAAAAAAAAAAAAAAAAAAAAAAAAAAAAAAAAAAAAAAAAAAAAAAAAAAAAAAAAAAAAAAAAAAAAAAAAAAAAAAAAAAAAAAAAAAAAAAAAAAAAAAAAAAAAAAAAAAAAAAAAAAAAAAAAAAAAAAAAAAAAAAAAAAAAAAAAAAAAAAAAAAAAAAAAAAAAAAAAAAAAAAAAAAAAAAAAAAAAAAAAAAAAAAAAAAAAAAAAAAAAAAAAAAAAAAAAAAAAAAAAAAAAAAAAAAAAAAAAAAAAAAAAAAAAAAAAAAAAAAAAAAAAAAAAAAAAAAAAAAAAAAAAAAAAAAAAAAAAAAAAAAAAAAAAAAAAAAAAAAAAAAAAAAAAAAAAAAAAAAAAAAAAAAAAAAAAAAAAAAAAAAAAAAAAAAAAAAAAAAAAAAAAAAAAAAAAAAAAAAAAAAAAAAAAAAAAAAAAAAAAAAAAAAAAAAAAAAAAAAAAAAAAAAAAAAAAAAAAAAAAAAAAAAAAAAAAAAAAAAAAAAAAAAAAAAAAAAAAAAAAAAAAAAAAAAAAAAAAAAAAAAAAAAAAAAAAAAAAAAAAAAAAAAAAAAAAAAAAAAAAAAAAAAAAAAAAAAAAAAAAAAAAAAAAAAAAAAAAAAAAAAAAAAAAAAAAAAAAAAAAAAAAAAAAAAAAAAAAAAAAAAAAAAAAAAAAAAAAAAAAAAAAAAAAAAAAAAAAAAAAAAAAAAAAAAAAAAAAAAAAAAAAAAAAAAAAAAAAAAAAAAAAAAAAAAAAAAAAAAAAAAAAAAAAAAAAAAAAAAAAAAAAAAAAAAAAAAAAAAAAAAAAAAAAAAAAAAAAAAAAAAAAAAAAAAAAAAAAAAAAAAAAAAAAAAAAAAAAAAAAAAAAAAAAAAAAAAAAAAAAAAAAAAAAAAAAAAAAAAAAAAAAAAAAAAAAAAAAAAAAAAAAAAAAAAAAAAAAAAAAAAAAAAAAAAAAAAAAAAAAAAAAAAAAAAAAAAAAAAAAAAAAAAAAAAAAAAAAAAAAAAAAAAAAAAAAAAAAAAAAAAAAAAAAAAAAAAAAAAAAAAAAAAAAAAAAAAAAAAAAAAAAAAAAAAAAAAAAAAAAAAAAAAAAAAAAAAAAAAAAAAAAAAAAAAAAAAAAAAAAAAAAAAAAAAAAAAAAAAAAAAAAAAAAAAAAAAAAAAAAAAAAAAAAAAAAAAAAAAAAAAAAAAAAAAAAAAAAAAAAAAAAAAAAAAAAAAAAAAAAAAAAAAAAAAAAAAAAAAAAAAAAAAAAAAAAAAAAAAAAAAAAAAAAAAAAAAAAAAAAAAAAAAAAAAAAAAAAAAAAAAAAAAAAAAAAAAAAAAAAAAAAAAAAAAAAAAAAAAAAAAAAAAAAAAAAAAAAAAAAAAAAAAAAAAAAAAAAAAAAAAAAAAAAAAAAAAAAAAAAAAAAAAAAAAAAAAAAAAAAAAAAAAAAAAAAAAAAAAAAAAAAAAAAAAAAAAAAAAAAAAAAAAAAAAAAAAAAAAAAAAAAAAAAAAAAAAAAAAAAAAAAAAAAAAAAAAAAAAAAAAAAAAAAAAAAAAAAAAAAAAAAAAAAAAAAAAAAAAAAAAAAAAAAAAAAAAAAAAAAAAAAAAAAAAAAAAAAAAAAAAAAAAAAAAAAAAAAAAAAAAAAAAAAAAAAAAAAAAAAAAAAAAAAAAAAAAAAAAAAAAAAAAAAAAAAAAAAAAAAAAAAAAAAAAAAAAAAAAAAAAAAAAAAAAAAAAAAAAAAAAAAAAAAAAAAAAAAAAAAAAAAAAAAAAAAAAAAAAAAAAAAAAAAAAAAAAAAAAAAAAAAAAAAAAAAAAAAAAAAAAAAAAAAAAAAAAAAAAAAAAAAAAAAAAAAAAAAAAAAAAAAAAAAAAAAAAAAAAAAAAAAAAAAAAAAAAAAAAAAAAAAAAAAAAAAAAAAAAAAAAAAAAAAAAAAAAAAAAAAAAAAAAAAAAAAAAAAAAAAAAAAAAAAAAAAAAAAAAAAAAAAAAAAAAAAAAAAAAAAAAAAAAAAAAAAAAAAAAAAAAAAAAAAAAAAAAAAAAAAAAAAAAAAAAAAAAAAAAAAAAAAAAAAAAAAAAAAAAAAAAAAAAAAAAAAAAAAAAAAAAAAAAAAAAAAAAAAAAAAAAAAAAAAAAAAAAAAAAAAAAAAAAAAAAAAAAAAAAAAAAAAAAAAAAAAAAAAAAAAAAAAAAAAAAAAAAAAAAAAAAAAAAAAAAAAAAAAAAAAAAAAAAAAAAAAAAAAAAAAAAAAAAAAAAAAAAAAAAAAAAAAAAAAAAAAAAAAAAAAAAAAAAAAAAAAAAAAAAAAAAAAAAAAAAAAAAAAAAAAAAAAAAAAAAAAAAAAAAAAAAAAAAAAAAAAAAAAAAAAAAAAAAAAAAAAAAAAAAAAAAAAAAAAAAAAAAAAAAAAAAAAAAAAAAAAAAAAAQAAAADAAAAAP////8EAPALAAAAAAAAAAAAACAB////////////////AAAA////////////////BAAAAAMA////////BAAAAAMA////////BAAAAAMA////////BAAAAAMA////////BAAAAAMA////////BAAAAAMA////////////////////////////////////////////////////////////////////////////////////////////////////////////////////////////////////////////////////////////////////////////////////////////////////////////////////////////////////////////////////////////////////////////////////////////////////////////////////////////////////////////////////////////////////////////////////////////////////////////////////////////////AQAgAf///////////////wAADv///////wQAAAACAP///////////////////////////////////////////////////////////////////////////////////////////////////////////////////////////////////////////////////////////////////////////////////////////////////////////////////////////////////////////////////////////////////////////////////////////////////////////////////////////////////////////////////////////////////////////////////////////////////////////////////////////////////////////////////////////////////////////////////////////////////////////////////////wIAAQEDAAAAAgD///////8aAAZMaW5rZWRTaGFwZXNEYXRhUHJvcGVydHlfMAUAAAAAAAQAAAADAAQAAAABAAMABgEDAAAAAwD///////8lAAZMaW5rZWRTaGFwZVByZXNlbnRhdGlvblNldHRpbmdzRGF0YV8wBQAAAAEABAAAAAAABAAAAAIABAAAAAAA////////BAAAAAAA////////BAAAAAAA////////BAAAAAAA////////BAAAAAAA////////AAAAAAAAAAAAAAAAAAAAAAAAAAAAAAAAAAAAAAAAAAAAAAAAAAAAAAAAAAAAAAAAAAAAAAAAAAAAAAAAAAAAAAAAAAAAAAAAAAAAAAAAAAAAAAAAAAAAAAAAAAAAAAAAAAAAAAAAAAAAAAAAAAAAAAAAAAAAAAAAAAAAAAAAAAAAAAAAAAAAAAAAAAAAAAAAAAAAAAAAAAAAAAAAAAAAAAAAAAAAAAAAAAAAAAAAAAAAAAAAAAAAAAAAAAAAAAAAAAAAAAAAAAAAAAAAAAAAAAAAAAAAAAAAAAAAAAAAAAAAAAAAAAAAAAAAAAAAAAAAAAAAAAAAAAAAAAAAAAAAAAAAAAAAAAAAAAAAAAAAAAAAAAAAAAAAAAAAAAAAAAAAAAAAAAAAAAAAAAAAAAAAAAAAAAAAAAAAAAAAAAAAAAAAAAAAAAAAAAAAAAAAAAAAAAAAAAAAAAAAAAAAAAAAAAAAAAAAAAAAAAAAAAAAAAAAAAAAAAAAAAAAAAAAAAAAAAAAAAAAAAAAAAAAAAAAAAAAAAAAAAAAAAAAAAAAAAAAAAAAAAAAAAAAAAAAAAAAAAAAAAAAAAAAAAAAAAAAAAAAAAAAAAAAAAAAAAAAAAAAAAAAAAAAAAAAAAAAAAAAAAAAAAAAAAAAAAAAAAAAAAAAAAAAAAAAAAAAAAAAAAAAAAAAAAAAAAAAAAAAAAAAAAAAAAAAAAAAAAAAAAAAAAAAAAAAAAAAAAAAAAAAAAAAAAAAAAAAAAAAAAAAAAAAAAAAAAAAAAAAAAAAAAAAAAAAAAAAAAAAAAAAAAAAAAAAAAAAAAAAAAAAAAAAAAAAAAAAAAAAAAAAAAAAAAAAAAAAAAAAAAAAAAAAAAAAAAAAAAAAAAAAAAAAAAAAAAAAAAAAAAAAAAAAAAAAAAAAAAAAAAAAAAAAAAAAAAAAAAAAAAAAAAAAAAAAAAAAAAAAAAAAAAAAAAAAAAAAAAAAAAAAAAAAAAAAAAAAAAAAAAAAAAAAAAAAAAAAAAAAAAAAAAAAAAAAAAAAAAAAAAAAAAAAAAAAAAAAAAAAAAAAAAAAAAAAAAAAAAAAAAAAAAAAAAAAAAAAAAAAAAAAAAAAAAAAAAAAAAAAAAAAAAAAAAAAAAAAAAAAAAAAAAAAAAAAAAAAAAAAAAAAAAAAAAAAAAAAAAAAAAAAAAAAAAAAAAAAAAAAAAAAAAAAAAAAAAAAAAAAAAAAAAAAAAAAAAAAAAAAAAAAAAAAAAAAAAAAAAAAAAAAAAAAAAAAAAAAAAAAAAAAAAAAAAAAAAAAAAAAAAAAAAAAAAAAAAAAAAAAAAAAAAAAAAAAAAAAAAAAAAAAAAAAAAAAAAAAAAAAAAAAAAAAAAAAAAAAAAAAAAAAAAAAAAAAAAAAAAAAAAAAAAAAAAAAAAAAAAAAAAAAAAAAAAAAAAAAAAAAAAAAAAAAAAAAAAAAAAAAAAAAAAAAAAAAAAAAAAAAAAAAAAAAAAAAAAAAAAAAAAAAAAAAAAAAAAAAAAAAAAAAAAAAAAAAAAAAAAAAAAAAAAAAAAAAAAAAAAAAAAAAAAAAAAAAAAAAAAAAAAAAAAAAAAAAAAAAAAAAAAAAAAAAAAAAAAAAAAAAAAAAAAAAAAAAAAAAAAAAAAAAAAAAAAAAAAAAAAAAAAAAAAAAAAAAAAAAAAAAAAAAAAAAAAAAAAAAAAAAAAAAAAAAAAAAAAAAAAAAAAAAAAAAAAAAAAAAAAAAAAAAAAAAAAAAAAAAAAAAAAAAAAAAAAAAAAAAAAAAAAAAAAAAAAAAAAAAAAAAAAAAAAAAAAAAAAAAAAAAAAAAAAAAAAAAAAAAAAAAAAAAAAAAAAAAAAAAAAAAAAAAAAAAAAAAAAAAAAAAAAAAAAAAAAAAAAAAAAAAAAAAAAAAAAAAAAAAAAAAAAAAAAAAAAAAAAAAAAAAAAAAAAAAAAAAAAAAAAAAAAAAAAAAAAAAAAAAAAAAAAAAAAAAAAAAAAAAAAAAAAAAAAAAAAAAAAAAAAAAAAAAAAAAAAAAAAAAAAAAAAAAAAAAAAAAAAAAAAAAAAAAAAAAAAAAAAAAAAAAAAAAAAAAAAAAAAAAAAAAAAAAAAAAAAAAAAAAAAAAAAAAAAAAAAAAAAAAAAAAAAAAAAAAAAAAAAAAAAAAAAAAAAAAAAAAAAAAAAAAAAAAAAAAAAAAAAAAAAAAAAAAAAAAAAAAAAAAAAAAAAAAAAAAAAAAAAAAAAAAAAAAAAAAAAAAAAAAAAAAAAAAAAAAAAAAAAAAAAAAAAAAAAAAAAAAAAAAAAAAAAAAAAAAAAAAAAAAAAAAAAAAAAAAAAAAAAAAAAAAAAAAAAAAAAAAAAAAAAAAAAAAAAAAAAAAAAAAAAAAAAAAAAAAAAAAAAAAAAAAAAAAAAAAAAAAAAAAAAAAAAAAAAAAAAAAAAAAAAAAAAAAAAAAAAAAAAAAAAAAAAAAAAAAAAAAAAAAAAAAAAAAAAAAAAAAAAAAAAAAAAAAAAAAAAAAAAAAAAAAAAAAAAAAAAAAAAAAAAAAAAAAAAAAAAAAAAAAAAAAAAAAAAAAAAAAAAAAAAAAAAAAAAAAAAAAAAAAAAAAAAAAAAAAAAAAAAAAAAAAAAAAAAAAAAAAAAAAAAAAAAAAAAAAAAAAAAAAAAAAAAAAAAAAAAAAAAAAAAAAAAAAAAAAAAAAAAAAAAAAAAAAAAAAAAAAAAAAAAAAAAAAAAAAAAAAAAAAAAAAAAAAAAAAAAAAAAAAAAAAAAAAAAAAAAAAAAAAAAAAAAAAAAAAAAAAAAAAAAAAAAAAAAAAAAAAAAAAAAAAAAAAAAAAAAAAAAAAAAAAAAAAAAAAAAAAAAAAAAAAAAAAAAAAAAAAAAAAAAAAAAAAAAAAAAAAAAAAAAAAAAAAAAAAAAAAAAAAAAAAAAAAAAAAAAAAAAAAAAAAAAAAAAAAAAAAAAAAAAAAAAAAAAAAAAAAAAAAAAAAAAAAAAAAAAAAAAAAAAAAAAAAAAAAAAAAAAAAAAAAAAAAAAAAAAAAAAAAAAAAAAAAAAAAAAAAAAAAAAAAAAAAAAAAAAAAAAAAAAAAAAAAAAAAAAAAAAAAAAAAAAAAAAAAAAAAAAAAAAAAAAAAAAAAAAAAAAAAAAAAAAAAAAAAAAAAAAAAAAAAAAAAAAAAAAAAAAAAAAAAAAAAAAAAAAAAAAAAAAAAAAAAAAAAAAAAAAAAAAAAAAAAAAAAAAAAAAAAAAAAAAAAAAAAAAAAAAAAAAAAAAAAAAAAAAAAAAAAAAAAAAAAAAAAAAAAAAAAAAAAAAAAAAAAAAAAAAAAAAAAAAAAAAAAAAAAAAAAAAAAAAAAAAAAAAAAAAAAAAAAAAAAAAAAAAAAAAAAAAAAAAAAAAAAAAAAAAAAAAAAAAAAAAAAAAAAAAAAAAAAAAAAAAAAAAAAAAAAAAAAAAAAAAAAAAAAAAAAAAAAAAAAAAAAAAAAAAAAAAAAAAAAAAAAAAAAAAAAAAAAAAAAAAAAAAAAAAAAAAAAAAAAAAAAAAAAAAAAAAAAAAAAAAAAAAAAAAAAAAAAAAAAAAAAAAAAAAAAAAAAAAAAAAAAAAAAAAAAAAAAAAAAAAAAAAAAAAAAAAAAAAAAAAAAAAAAAAAAAAAAAAAAAAAAAAAAAAAAAAAAAAAAAAAAAAAAAAAAAAAAAAAAAAAAAAAAAAAAAAAAAAAAAAAAAAAAAAAAAAAAAAAAAAAAAAAAAAAAAAAAAAAAAAAAAAAAAAAAAAAAAAAAAAAAAAAAAAAAAAAAAAAAAAAAAAAAAAAAAAAAAAAAAAAAAAAAAAAAAAAAAAAAAAAAAAAAAAAAAAAAAAAAAAAAAAAAAAAAAAAAAAAAAAAAAAAAAAAAAAAAAAAAAAAAAAAAAAAAAAAAAAAAAAAAAAAAAAAAAAAAAAAAAAAAAAAAAAAAAAAAAAAAAAAAAAAAAAAAAAAAAAAAAAAAAAAAAAAAAAAAAAAAAAAAAAAAAAAAAAAAAAAAAAAAAAAAAAAAAAAAAAAAAAAAAAAAAAAAAAAAAAAAAAAAAAAAAAAAAAAAAAAAAAAAAAAAAAAFAAAABAAAAAD/////AgCODgAAAAAAAAAAAAD/////gwCDAAAABV9pZAAQAAAABATRfQ5FaXFIk1XpU0ZanpEDRGF0YQAbAAAABExpbmtlZFNoYXBlRGF0YQAFAAAAAAACTmFtZQAZAAAATGlua2VkU2hhcGVzRGF0YVByb3BlcnR5ABBWZXJzaW9uAAAAAAAJTGFzdFdyaXRlAHPGcCyHAQAAAAEA/////8YAxgAAAAVfaWQAEAAAAAQbTD8zBPIJTZS5kVrWpOIRA0RhdGEAUwAAAAhQcmVzZW50YXRpb25TY2FubmVkRm9yTGlua2VkU2hhcGVzAAECTnVtYmVyRm9ybWF0U2VwYXJhdG9yTW9kZQAKAAAAQXV0b21hdGljAAACTmFtZQAkAAAATGlua2VkU2hhcGVQcmVzZW50YXRpb25TZXR0aW5nc0RhdGEAEFZlcnNpb24AAAAAAAlMYXN0V3JpdGUAssZwLIcBAAAAAAAAAAAAAAAAAAAAAAAAAAAAAAAAAAAAAAAAAAAAAAAAAAAAAAAAAAAAAAAAAAAAAAAAAAAAAAAAAAAAAAAAAAAAAAAAAAAAAAAAAAAAAAAAAAAAAAAAAAAAAAAAAAAAAAAAAAAAAAAAAAAAAAAAAAAAAAAAAAAAAAAAAAAAAAAAAAAAAAAAAAAAAAAAAAAAAAAAAAAAAAAAAAAAAAAAAAAAAAAAAAAAAAAAAAAAAAAAAAAAAAAAAAAAAAAAAAAAAAAAAAAAAAAAAAAAAAAAAAAAAAAAAAAAAAAAAAAAAAAAAAAAAAAAAAAAAAAAAAAAAAAAAAAAAAAAAAAAAAAAAAAAAAAAAAAAAAAAAAAAAAAAAAAAAAAAAAAAAAAAAAAAAAAAAAAAAAAAAAAAAAAAAAAAAAAAAAAAAAAAAAAAAAAAAAAAAAAAAAAAAAAAAAAAAAAAAAAAAAAAAAAAAAAAAAAAAAAAAAAAAAAAAAAAAAAAAAAAAAAAAAAAAAAAAAAAAAAAAAAAAAAAAAAAAAAAAAAAAAAAAAAAAAAAAAAAAAAAAAAAAAAAAAAAAAAAAAAAAAAAAAAAAAAAAAAAAAAAAAAAAAAAAAAAAAAAAAAAAAAAAAAAAAAAAAAAAAAAAAAAAAAAAAAAAAAAAAAAAAAAAAAAAAAAAAAAAAAAAAAAAAAAAAAAAAAAAAAAAAAAAAAAAAAAAAAAAAAAAAAAAAAAAAAAAAAAAAAAAAAAAAAAAAAAAAAAAAAAAAAAAAAAAAAAAAAAAAAAAAAAAAAAAAAAAAAAAAAAAAAAAAAAAAAAAAAAAAAAAAAAAAAAAAAAAAAAAAAAAAAAAAAAAAAAAAAAAAAAAAAAAAAAAAAAAAAAAAAAAAAAAAAAAAAAAAAAAAAAAAAAAAAAAAAAAAAAAAAAAAAAAAAAAAAAAAAAAAAAAAAAAAAAAAAAAAAAAAAAAAAAAAAAAAAAAAAAAAAAAAAAAAAAAAAAAAAAAAAAAAAAAAAAAAAAAAAAAAAAAAAAAAAAAAAAAAAAAAAAAAAAAAAAAAAAAAAAAAAAAAAAAAAAAAAAAAAAAAAAAAAAAAAAAAAAAAAAAAAAAAAAAAAAAAAAAAAAAAAAAAAAAAAAAAAAAAAAAAAAAAAAAAAAAAAAAAAAAAAAAAAAAAAAAAAAAAAAAAAAAAAAAAAAAAAAAAAAAAAAAAAAAAAAAAAAAAAAAAAAAAAAAAAAAAAAAAAAAAAAAAAAAAAAAAAAAAAAAAAAAAAAAAAAAAAAAAAAAAAAAAAAAAAAAAAAAAAAAAAAAAAAAAAAAAAAAAAAAAAAAAAAAAAAAAAAAAAAAAAAAAAAAAAAAAAAAAAAAAAAAAAAAAAAAAAAAAAAAAAAAAAAAAAAAAAAAAAAAAAAAAAAAAAAAAAAAAAAAAAAAAAAAAAAAAAAAAAAAAAAAAAAAAAAAAAAAAAAAAAAAAAAAAAAAAAAAAAAAAAAAAAAAAAAAAAAAAAAAAAAAAAAAAAAAAAAAAAAAAAAAAAAAAAAAAAAAAAAAAAAAAAAAAAAAAAAAAAAAAAAAAAAAAAAAAAAAAAAAAAAAAAAAAAAAAAAAAAAAAAAAAAAAAAAAAAAAAAAAAAAAAAAAAAAAAAAAAAAAAAAAAAAAAAAAAAAAAAAAAAAAAAAAAAAAAAAAAAAAAAAAAAAAAAAAAAAAAAAAAAAAAAAAAAAAAAAAAAAAAAAAAAAAAAAAAAAAAAAAAAAAAAAAAAAAAAAAAAAAAAAAAAAAAAAAAAAAAAAAAAAAAAAAAAAAAAAAAAAAAAAAAAAAAAAAAAAAAAAAAAAAAAAAAAAAAAAAAAAAAAAAAAAAAAAAAAAAAAAAAAAAAAAAAAAAAAAAAAAAAAAAAAAAAAAAAAAAAAAAAAAAAAAAAAAAAAAAAAAAAAAAAAAAAAAAAAAAAAAAAAAAAAAAAAAAAAAAAAAAAAAAAAAAAAAAAAAAAAAAAAAAAAAAAAAAAAAAAAAAAAAAAAAAAAAAAAAAAAAAAAAAAAAAAAAAAAAAAAAAAAAAAAAAAAAAAAAAAAAAAAAAAAAAAAAAAAAAAAAAAAAAAAAAAAAAAAAAAAAAAAAAAAAAAAAAAAAAAAAAAAAAAAAAAAAAAAAAAAAAAAAAAAAAAAAAAAAAAAAAAAAAAAAAAAAAAAAAAAAAAAAAAAAAAAAAAAAAAAAAAAAAAAAAAAAAAAAAAAAAAAAAAAAAAAAAAAAAAAAAAAAAAAAAAAAAAAAAAAAAAAAAAAAAAAAAAAAAAAAAAAAAAAAAAAAAAAAAAAAAAAAAAAAAAAAAAAAAAAAAAAAAAAAAAAAAAAAAAAAAAAAAAAAAAAAAAAAAAAAAAAAAAAAAAAAAAAAAAAAAAAAAAAAAAAAAAAAAAAAAAAAAAAAAAAAAAAAAAAAAAAAAAAAAAAAAAAAAAAAAAAAAAAAAAAAAAAAAAAAAAAAAAAAAAAAAAAAAAAAAAAAAAAAAAAAAAAAAAAAAAAAAAAAAAAAAAAAAAAAAAAAAAAAAAAAAAAAAAAAAAAAAAAAAAAAAAAAAAAAAAAAAAAAAAAAAAAAAAAAAAAAAAAAAAAAAAAAAAAAAAAAAAAAAAAAAAAAAAAAAAAAAAAAAAAAAAAAAAAAAAAAAAAAAAAAAAAAAAAAAAAAAAAAAAAAAAAAAAAAAAAAAAAAAAAAAAAAAAAAAAAAAAAAAAAAAAAAAAAAAAAAAAAAAAAAAAAAAAAAAAAAAAAAAAAAAAAAAAAAAAAAAAAAAAAAAAAAAAAAAAAAAAAAAAAAAAAAAAAAAAAAAAAAAAAAAAAAAAAAAAAAAAAAAAAAAAAAAAAAAAAAAAAAAAAAAAAAAAAAAAAAAAAAAAAAAAAAAAAAAAAAAAAAAAAAAAAAAAAAAAAAAAAAAAAAAAAAAAAAAAAAAAAAAAAAAAAAAAAAAAAAAAAAAAAAAAAAAAAAAAAAAAAAAAAAAAAAAAAAAAAAAAAAAAAAAAAAAAAAAAAAAAAAAAAAAAAAAAAAAAAAAAAAAAAAAAAAAAAAAAAAAAAAAAAAAAAAAAAAAAAAAAAAAAAAAAAAAAAAAAAAAAAAAAAAAAAAAAAAAAAAAAAAAAAAAAAAAAAAAAAAAAAAAAAAAAAAAAAAAAAAAAAAAAAAAAAAAAAAAAAAAAAAAAAAAAAAAAAAAAAAAAAAAAAAAAAAAAAAAAAAAAAAAAAAAAAAAAAAAAAAAAAAAAAAAAAAAAAAAAAAAAAAAAAAAAAAAAAAAAAAAAAAAAAAAAAAAAAAAAAAAAAAAAAAAAAAAAAAAAAAAAAAAAAAAAAAAAAAAAAAAAAAAAAAAAAAAAAAAAAAAAAAAAAAAAAAAAAAAAAAAAAAAAAAAAAAAAAAAAAAAAAAAAAAAAAAAAAAAAAAAAAAAAAAAAAAAAAAAAAAAAAAAAAAAAAAAAAAAAAAAAAAAAAAAAAAAAAAAAAAAAAAAAAAAAAAAAAAAAAAAAAAAAAAAAAAAAAAAAAAAAAAAAAAAAAAAAAAAAAAAAAAAAAAAAAAAAAAAAAAAAAAAAAAAAAAAAAAAAAAAAAAAAAAAAAAAAAAAAAAAAAAAAAAAAAAAAAAAAAAAAAAAAAAAAAAAAAAAAAAAAAAAAAAAAAAAAAAAAAAAAAAAAAAAAAAAAAAAAAAAAAAAAAAAAAAAAAAAAAAAAAAAAAAAAAAAAAAAAAAAAAAAAAAAAAAAAAAAAAAAAAAAAAAAAAAAAAAAAAAAAAAAAAAAAAAAAAAAAAAAAAAAAAAAAAAAAAAAAAAAAAAAAAAAAAAAAAAAAAAAAAAAAAAAAAAAAAAAAAAAAAAAAAAAAAAAAAAAAAAAAAAAAAAAAAAAAAAAAAAAAAAAAAAAAAAAAAAAAAAAAAAAAAAAAAAAAAAAAAAAAAAAAAAAAAAAAAAAAAAAAAAAAAAAAAAAAAAAAAAAAAAAAAAAAAAAAAAAAAAAAAAAAAAAAAAAAAAAAAAAAAAAAAAAAAAAAAAAAAAAAAAAAAAAAAAAAAAAAAAAAAAAAAAAAAAAAAAAAAAAAAAAAAAAAAAAAAAAAAAAAAAAAAAAAAAAAAAAAAAAAAAAAAAAAAAAAAAAAAAAAAAAAAAAAAAAAAAAAAAAAAAAAAAAAAAAAAAAAAAAAAAAAAAAAAAAAAAAAAAAAAAAAAAAAAAAAAAAAAAAAAAAAAAAAAAAAAAAAAAAAAAAAAAAAAAAAAAAAAAAAAAAAAAAAAAAAAAAAAAAAAAAAAAAAAAAAAAAAAAAAAAAAAAAAAAAAAAAAAAAAAAAAAAAAAAAAAAAAAAAAAAAAAAAAAAAAAAAAAAAAAAAAAAAAAAAAAAAAAAAAAAAAAAAAAAAAAAAAAAAAAAAAAAAAAAAAAAAAAAAAAAAAAAAAAAAAAAAAAAAAAAAAAAAAAAAAAAAAAAAAAAAAAAAAAAAAAAAAAAAAAAAAAAAAAAAAAAAAAAAAAAAAAAAAAAAAAAAAAAAAAAAAAAAAAAAAAAAAAAAAAAAAAAAAAAAAAAAAAAAAAAAAAAAAAAAAAAAAAAAAAAAAAAAAAAAAAAAAAAAAAAAAAAAAAAAAAAAAAAAAAAAAAAAAAAAAAAAAAAAAAAAAAAAAAAAAAAAAAAAAAAAAAAAAAAAAAAAAAAAAAAAAAAAAAAAAAAAAAAAAAAAAAAAAAAAAAAAAAAAAAAAAAAAAAAAAAAAAAAAAAAAAAAAAAAAAAAAAAAAAAAAAAAAAAAAAAAAAAAAAAAAAAAAAAAAAAAAAAAAAAAAAAAAAAAAAAAAAAAAAAAAAAAAAAAAAAAAAAAAAAAAAAAAAAAAAAAAAAAAAAAAAAAAAAAAAAAAAAAAAAAAAAAAAAAAAAAAAAAAAAAAAAAAAAAAAAAAAAAAAAAAAAAAAAAAAAAAAAAAAAAAAAAAAAAAAAAAAAAAAAAAAAAAAAAAAAAAAAAAAAAAAAAAAAAAAAAAAAAAAAAAAAAAAAA"/>
-  <p:tag name="EMPOWERCHARTSPROPERTIES_SLOT" val="B"/>
-  <p:tag name="EMPOWERCHARTSPROPERTIES_LASTWRITEDATE" val="638156746011635903"/>
-  <p:tag name="EMPOWERCHARTSPROPERTIES_B_LENGTH" val="24576"/>
-  <p:tag name="GRUNT-HP-YDH21T" val="pQAAAA=="/>
-  <p:tag name="THINKCELLUNDODONOTDELETE" val="0"/>
-  <p:tag name="THINKCELLPRESENTATIONDONOTDELETE" val="&lt;?xml version=&quot;1.0&quot; encoding=&quot;UTF-16&quot; standalone=&quot;yes&quot;?&gt;&lt;root reqver=&quot;28224&quot;&gt;&lt;version val=&quot;35566&quot;/&gt;&lt;CPresentation id=&quot;1&quot;&gt;&lt;m_precDefaultNumber&gt;&lt;m_bNumberIsYear val=&quot;1&quot;/&gt;&lt;m_chMinusSymbol&gt;-&lt;/m_chMinusSymbol&gt;&lt;m_chDecimalSymbol17909&gt;,&lt;/m_chDecimalSymbol17909&gt;&lt;m_nGroupingDigits17909 val=&quot;3&quot;/&gt;&lt;m_chGroupingSymbol17909&gt;.&lt;/m_chGroupingSymbol17909&gt;&lt;m_yearfmt&gt;&lt;begin val=&quot;0&quot;/&gt;&lt;end val=&quot;4&quot;/&gt;&lt;/m_yearfmt&gt;&lt;/m_precDefaultNumber&gt;&lt;m_precDefaultPercent&gt;&lt;m_bNumberIsYear val=&quot;1&quot;/&gt;&lt;m_chMinusSymbol&gt;-&lt;/m_chMinusSymbol&gt;&lt;m_nDecimalDigits17909 val=&quot;0&quot;/&gt;&lt;m_chDecimalSymbol17909&gt;,&lt;/m_chDecimalSymbol17909&gt;&lt;m_nGroupingDigits17909 val=&quot;3&quot;/&gt;&lt;m_chGroupingSymbol17909&gt;.&lt;/m_chGroupingSymbol17909&gt;&lt;m_strSuffix17909&gt;%&lt;/m_strSuffix17909&gt;&lt;m_yearfmt&gt;&lt;begin val=&quot;0&quot;/&gt;&lt;end val=&quot;4&quot;/&gt;&lt;/m_yearfmt&gt;&lt;/m_precDefaultPercent&gt;&lt;m_precDefaultDate&gt;&lt;m_bNumberIsYear val=&quot;0&quot;/&gt;&lt;m_strFormatTime&gt;%#d %1&lt;/m_strFormatTime&gt;&lt;m_yearfmt&gt;&lt;begin val=&quot;0&quot;/&gt;&lt;end val=&quot;0&quot;/&gt;&lt;/m_yearfmt&gt;&lt;/m_precDefaultDate&gt;&lt;m_precDefaultDay&gt;&lt;m_bNumberIsYear val=&quot;0&quot;/&gt;&lt;m_strFormatTime&gt;%#d&lt;/m_strFormatTime&gt;&lt;m_yearfmt&gt;&lt;begin val=&quot;0&quot;/&gt;&lt;end val=&quot;4&quot;/&gt;&lt;/m_yearfmt&gt;&lt;/m_precDefaultDay&gt;&lt;m_precDefaultWeek&gt;&lt;m_bNumberIsYear val=&quot;0&quot;/&gt;&lt;m_strFormatTime&gt;%4&lt;/m_strFormatTime&gt;&lt;m_yearfmt&gt;&lt;begin val=&quot;0&quot;/&gt;&lt;end val=&quot;4&quot;/&gt;&lt;/m_yearfmt&gt;&lt;/m_precDefaultWeek&gt;&lt;m_precDefaultMonth&gt;&lt;m_bNumberIsYear val=&quot;0&quot;/&gt;&lt;m_strFormatTime&gt;%1&lt;/m_strFormatTime&gt;&lt;m_yearfmt&gt;&lt;begin val=&quot;0&quot;/&gt;&lt;end val=&quot;4&quot;/&gt;&lt;/m_yearfmt&gt;&lt;/m_precDefaultMonth&gt;&lt;m_precDefaultQuarter&gt;&lt;m_bNumberIsYear val=&quot;0&quot;/&gt;&lt;m_strFormatTime&gt;Q%5&lt;/m_strFormatTime&gt;&lt;m_yearfmt&gt;&lt;begin val=&quot;0&quot;/&gt;&lt;end val=&quot;4&quot;/&gt;&lt;/m_yearfmt&gt;&lt;/m_precDefaultQuarter&gt;&lt;m_precDefaultYear&gt;&lt;m_bNumberIsYear val=&quot;0&quot;/&gt;&lt;m_strFormatTime&gt;%Y&lt;/m_strFormatTime&gt;&lt;m_yearfmt&gt;&lt;begin val=&quot;0&quot;/&gt;&lt;end val=&quot;0&quot;/&gt;&lt;/m_yearfmt&gt;&lt;/m_precDefaultYear&gt;&lt;m_precDefaultFYDay&gt;&lt;m_yearfmt&gt;&lt;begin val=&quot;0&quot;/&gt;&lt;end val=&quot;4&quot;/&gt;&lt;/m_yearfmt&gt;&lt;/m_precDefaultFYDay&gt;&lt;m_precDefaultFYWeek&gt;&lt;m_yearfmt&gt;&lt;begin val=&quot;0&quot;/&gt;&lt;end val=&quot;4&quot;/&gt;&lt;/m_yearfmt&gt;&lt;/m_precDefaultFYWeek&gt;&lt;m_precDefaultFYMonth&gt;&lt;m_yearfmt&gt;&lt;begin val=&quot;0&quot;/&gt;&lt;end val=&quot;4&quot;/&gt;&lt;/m_yearfmt&gt;&lt;/m_precDefaultFYMonth&gt;&lt;m_precDefaultFYQuarter&gt;&lt;m_yearfmt&gt;&lt;begin val=&quot;0&quot;/&gt;&lt;end val=&quot;4&quot;/&gt;&lt;/m_yearfmt&gt;&lt;/m_precDefaultFYQuarter&gt;&lt;m_precDefaultFYYear&gt;&lt;m_yearfmt&gt;&lt;begin val=&quot;0&quot;/&gt;&lt;end val=&quot;4&quot;/&gt;&lt;/m_yearfmt&gt;&lt;/m_precDefaultFYYear&gt;&lt;m_mruColor&gt;&lt;m_vecMRU length=&quot;0&quot;/&gt;&lt;/m_mruColor&gt;&lt;m_eweekdayFirstOfWeek val=&quot;1&quot;/&gt;&lt;m_eweekdayFirstOfWorkweek val=&quot;2&quot;/&gt;&lt;m_eweekdayFirstOfWeekend val=&quot;7&quot;/&gt;&lt;/CPresentation&gt;&lt;/root&gt;"/>
-</p:tagLst>
-</file>
-
-<file path=ppt/tags/tag143.xml><?xml version="1.0" encoding="utf-8"?>
-<p:tagLst xmlns:a="http://schemas.openxmlformats.org/drawingml/2006/main" xmlns:r="http://schemas.openxmlformats.org/officeDocument/2006/relationships" xmlns:p="http://schemas.openxmlformats.org/presentationml/2006/main">
   <p:tag name="THINKCELLSHAPEDONOTDELETE" val="thinkcellActiveDocDoNotDelete"/>
 </p:tagLst>
 </file>
 
-<file path=ppt/tags/tag144.xml><?xml version="1.0" encoding="utf-8"?>
+<file path=ppt/tags/tag10.xml><?xml version="1.0" encoding="utf-8"?>
 <p:tagLst xmlns:a="http://schemas.openxmlformats.org/drawingml/2006/main" xmlns:r="http://schemas.openxmlformats.org/officeDocument/2006/relationships" xmlns:p="http://schemas.openxmlformats.org/presentationml/2006/main">
   <p:tag name="MIO_SKIP_CDCHECK" val="True"/>
 </p:tagLst>
 </file>
 
-<file path=ppt/tags/tag145.xml><?xml version="1.0" encoding="utf-8"?>
-<p:tagLst xmlns:a="http://schemas.openxmlformats.org/drawingml/2006/main" xmlns:r="http://schemas.openxmlformats.org/officeDocument/2006/relationships" xmlns:p="http://schemas.openxmlformats.org/presentationml/2006/main">
-  <p:tag name="MIO_SKIP_CDCHECK" val="True"/>
-</p:tagLst>
-</file>
-
-<file path=ppt/tags/tag146.xml><?xml version="1.0" encoding="utf-8"?>
-<p:tagLst xmlns:a="http://schemas.openxmlformats.org/drawingml/2006/main" xmlns:r="http://schemas.openxmlformats.org/officeDocument/2006/relationships" xmlns:p="http://schemas.openxmlformats.org/presentationml/2006/main">
-  <p:tag name="MIO_SKIP_CDCHECK" val="True"/>
-</p:tagLst>
-</file>
-
-<file path=ppt/tags/tag147.xml><?xml version="1.0" encoding="utf-8"?>
-<p:tagLst xmlns:a="http://schemas.openxmlformats.org/drawingml/2006/main" xmlns:r="http://schemas.openxmlformats.org/officeDocument/2006/relationships" xmlns:p="http://schemas.openxmlformats.org/presentationml/2006/main">
-  <p:tag name="MIO_SKIP_CDCHECK" val="True"/>
-</p:tagLst>
-</file>
-
-<file path=ppt/tags/tag148.xml><?xml version="1.0" encoding="utf-8"?>
-<p:tagLst xmlns:a="http://schemas.openxmlformats.org/drawingml/2006/main" xmlns:r="http://schemas.openxmlformats.org/officeDocument/2006/relationships" xmlns:p="http://schemas.openxmlformats.org/presentationml/2006/main">
-  <p:tag name="MIO_SKIP_CDCHECK" val="True"/>
-</p:tagLst>
-</file>
-
-<file path=ppt/tags/tag149.xml><?xml version="1.0" encoding="utf-8"?>
+<file path=ppt/tags/tag11.xml><?xml version="1.0" encoding="utf-8"?>
 <p:tagLst xmlns:a="http://schemas.openxmlformats.org/drawingml/2006/main" xmlns:r="http://schemas.openxmlformats.org/officeDocument/2006/relationships" xmlns:p="http://schemas.openxmlformats.org/presentationml/2006/main">
   <p:tag name="MIO_SKIP_CDCHECK" val="True"/>
 </p:tagLst>
@@ -7208,9 +7864,45 @@
 </p:tagLst>
 </file>
 
+<file path=ppt/tags/tag3.xml><?xml version="1.0" encoding="utf-8"?>
+<p:tagLst xmlns:a="http://schemas.openxmlformats.org/drawingml/2006/main" xmlns:r="http://schemas.openxmlformats.org/officeDocument/2006/relationships" xmlns:p="http://schemas.openxmlformats.org/presentationml/2006/main">
+  <p:tag name="THINKCELLSHAPEDONOTDELETE" val="thinkcellActiveDocDoNotDelete"/>
+</p:tagLst>
+</file>
+
 <file path=ppt/tags/tag4.xml><?xml version="1.0" encoding="utf-8"?>
 <p:tagLst xmlns:a="http://schemas.openxmlformats.org/drawingml/2006/main" xmlns:r="http://schemas.openxmlformats.org/officeDocument/2006/relationships" xmlns:p="http://schemas.openxmlformats.org/presentationml/2006/main">
   <p:tag name="THINKCELLSHAPEDONOTDELETE" val="thinkcellActiveDocDoNotDelete"/>
+</p:tagLst>
+</file>
+
+<file path=ppt/tags/tag5.xml><?xml version="1.0" encoding="utf-8"?>
+<p:tagLst xmlns:a="http://schemas.openxmlformats.org/drawingml/2006/main" xmlns:r="http://schemas.openxmlformats.org/officeDocument/2006/relationships" xmlns:p="http://schemas.openxmlformats.org/presentationml/2006/main">
+  <p:tag name="THINKCELLSHAPEDONOTDELETE" val="thinkcellActiveDocDoNotDelete"/>
+</p:tagLst>
+</file>
+
+<file path=ppt/tags/tag6.xml><?xml version="1.0" encoding="utf-8"?>
+<p:tagLst xmlns:a="http://schemas.openxmlformats.org/drawingml/2006/main" xmlns:r="http://schemas.openxmlformats.org/officeDocument/2006/relationships" xmlns:p="http://schemas.openxmlformats.org/presentationml/2006/main">
+  <p:tag name="MIO_SKIP_CDCHECK" val="True"/>
+</p:tagLst>
+</file>
+
+<file path=ppt/tags/tag7.xml><?xml version="1.0" encoding="utf-8"?>
+<p:tagLst xmlns:a="http://schemas.openxmlformats.org/drawingml/2006/main" xmlns:r="http://schemas.openxmlformats.org/officeDocument/2006/relationships" xmlns:p="http://schemas.openxmlformats.org/presentationml/2006/main">
+  <p:tag name="MIO_SKIP_CDCHECK" val="True"/>
+</p:tagLst>
+</file>
+
+<file path=ppt/tags/tag8.xml><?xml version="1.0" encoding="utf-8"?>
+<p:tagLst xmlns:a="http://schemas.openxmlformats.org/drawingml/2006/main" xmlns:r="http://schemas.openxmlformats.org/officeDocument/2006/relationships" xmlns:p="http://schemas.openxmlformats.org/presentationml/2006/main">
+  <p:tag name="MIO_SKIP_CDCHECK" val="True"/>
+</p:tagLst>
+</file>
+
+<file path=ppt/tags/tag9.xml><?xml version="1.0" encoding="utf-8"?>
+<p:tagLst xmlns:a="http://schemas.openxmlformats.org/drawingml/2006/main" xmlns:r="http://schemas.openxmlformats.org/officeDocument/2006/relationships" xmlns:p="http://schemas.openxmlformats.org/presentationml/2006/main">
+  <p:tag name="MIO_SKIP_CDCHECK" val="True"/>
 </p:tagLst>
 </file>
 
@@ -7530,7 +8222,7 @@
 </file>
 
 <file path=ppt/theme/theme2.xml><?xml version="1.0" encoding="utf-8"?>
-<a:theme xmlns:a="http://schemas.openxmlformats.org/drawingml/2006/main" name="Office Theme">
+<a:theme xmlns:a="http://schemas.openxmlformats.org/drawingml/2006/main" name="Office 主题​​">
   <a:themeElements>
     <a:clrScheme name="Office">
       <a:dk1>
@@ -7572,7 +8264,7 @@
     </a:clrScheme>
     <a:fontScheme name="Office">
       <a:majorFont>
-        <a:latin typeface="Calibri Light" panose="020F0302020204030204"/>
+        <a:latin typeface="等线 Light" panose="020F0302020204030204"/>
         <a:ea typeface=""/>
         <a:cs typeface=""/>
         <a:font script="Jpan" typeface="游ゴシック Light"/>
@@ -7624,7 +8316,7 @@
         <a:font script="Tfng" typeface="Ebrima"/>
       </a:majorFont>
       <a:minorFont>
-        <a:latin typeface="Calibri" panose="020F0502020204030204"/>
+        <a:latin typeface="等线" panose="020F0502020204030204"/>
         <a:ea typeface=""/>
         <a:cs typeface=""/>
         <a:font script="Jpan" typeface="游ゴシック"/>
@@ -7822,581 +8514,4 @@
     </a:ext>
   </a:extLst>
 </a:theme>
-</file>
-
-<file path=ppt/theme/theme3.xml><?xml version="1.0" encoding="utf-8"?>
-<a:theme xmlns:a="http://schemas.openxmlformats.org/drawingml/2006/main" name="Office Theme">
-  <a:themeElements>
-    <a:clrScheme name="Office">
-      <a:dk1>
-        <a:sysClr val="windowText" lastClr="000000"/>
-      </a:dk1>
-      <a:lt1>
-        <a:sysClr val="window" lastClr="FFFFFF"/>
-      </a:lt1>
-      <a:dk2>
-        <a:srgbClr val="44546A"/>
-      </a:dk2>
-      <a:lt2>
-        <a:srgbClr val="E7E6E6"/>
-      </a:lt2>
-      <a:accent1>
-        <a:srgbClr val="4472C4"/>
-      </a:accent1>
-      <a:accent2>
-        <a:srgbClr val="ED7D31"/>
-      </a:accent2>
-      <a:accent3>
-        <a:srgbClr val="A5A5A5"/>
-      </a:accent3>
-      <a:accent4>
-        <a:srgbClr val="FFC000"/>
-      </a:accent4>
-      <a:accent5>
-        <a:srgbClr val="5B9BD5"/>
-      </a:accent5>
-      <a:accent6>
-        <a:srgbClr val="70AD47"/>
-      </a:accent6>
-      <a:hlink>
-        <a:srgbClr val="0563C1"/>
-      </a:hlink>
-      <a:folHlink>
-        <a:srgbClr val="954F72"/>
-      </a:folHlink>
-    </a:clrScheme>
-    <a:fontScheme name="Office">
-      <a:majorFont>
-        <a:latin typeface="Calibri Light" panose="020F0302020204030204"/>
-        <a:ea typeface=""/>
-        <a:cs typeface=""/>
-        <a:font script="Jpan" typeface="游ゴシック Light"/>
-        <a:font script="Hang" typeface="맑은 고딕"/>
-        <a:font script="Hans" typeface="等线 Light"/>
-        <a:font script="Hant" typeface="新細明體"/>
-        <a:font script="Arab" typeface="Times New Roman"/>
-        <a:font script="Hebr" typeface="Times New Roman"/>
-        <a:font script="Thai" typeface="Angsana New"/>
-        <a:font script="Ethi" typeface="Nyala"/>
-        <a:font script="Beng" typeface="Vrinda"/>
-        <a:font script="Gujr" typeface="Shruti"/>
-        <a:font script="Khmr" typeface="MoolBoran"/>
-        <a:font script="Knda" typeface="Tunga"/>
-        <a:font script="Guru" typeface="Raavi"/>
-        <a:font script="Cans" typeface="Euphemia"/>
-        <a:font script="Cher" typeface="Plantagenet Cherokee"/>
-        <a:font script="Yiii" typeface="Microsoft Yi Baiti"/>
-        <a:font script="Tibt" typeface="Microsoft Himalaya"/>
-        <a:font script="Thaa" typeface="MV Boli"/>
-        <a:font script="Deva" typeface="Mangal"/>
-        <a:font script="Telu" typeface="Gautami"/>
-        <a:font script="Taml" typeface="Latha"/>
-        <a:font script="Syrc" typeface="Estrangelo Edessa"/>
-        <a:font script="Orya" typeface="Kalinga"/>
-        <a:font script="Mlym" typeface="Kartika"/>
-        <a:font script="Laoo" typeface="DokChampa"/>
-        <a:font script="Sinh" typeface="Iskoola Pota"/>
-        <a:font script="Mong" typeface="Mongolian Baiti"/>
-        <a:font script="Viet" typeface="Times New Roman"/>
-        <a:font script="Uigh" typeface="Microsoft Uighur"/>
-        <a:font script="Geor" typeface="Sylfaen"/>
-        <a:font script="Armn" typeface="Arial"/>
-        <a:font script="Bugi" typeface="Leelawadee UI"/>
-        <a:font script="Bopo" typeface="Microsoft JhengHei"/>
-        <a:font script="Java" typeface="Javanese Text"/>
-        <a:font script="Lisu" typeface="Segoe UI"/>
-        <a:font script="Mymr" typeface="Myanmar Text"/>
-        <a:font script="Nkoo" typeface="Ebrima"/>
-        <a:font script="Olck" typeface="Nirmala UI"/>
-        <a:font script="Osma" typeface="Ebrima"/>
-        <a:font script="Phag" typeface="Phagspa"/>
-        <a:font script="Syrn" typeface="Estrangelo Edessa"/>
-        <a:font script="Syrj" typeface="Estrangelo Edessa"/>
-        <a:font script="Syre" typeface="Estrangelo Edessa"/>
-        <a:font script="Sora" typeface="Nirmala UI"/>
-        <a:font script="Tale" typeface="Microsoft Tai Le"/>
-        <a:font script="Talu" typeface="Microsoft New Tai Lue"/>
-        <a:font script="Tfng" typeface="Ebrima"/>
-      </a:majorFont>
-      <a:minorFont>
-        <a:latin typeface="Calibri" panose="020F0502020204030204"/>
-        <a:ea typeface=""/>
-        <a:cs typeface=""/>
-        <a:font script="Jpan" typeface="游ゴシック"/>
-        <a:font script="Hang" typeface="맑은 고딕"/>
-        <a:font script="Hans" typeface="等线"/>
-        <a:font script="Hant" typeface="新細明體"/>
-        <a:font script="Arab" typeface="Arial"/>
-        <a:font script="Hebr" typeface="Arial"/>
-        <a:font script="Thai" typeface="Cordia New"/>
-        <a:font script="Ethi" typeface="Nyala"/>
-        <a:font script="Beng" typeface="Vrinda"/>
-        <a:font script="Gujr" typeface="Shruti"/>
-        <a:font script="Khmr" typeface="DaunPenh"/>
-        <a:font script="Knda" typeface="Tunga"/>
-        <a:font script="Guru" typeface="Raavi"/>
-        <a:font script="Cans" typeface="Euphemia"/>
-        <a:font script="Cher" typeface="Plantagenet Cherokee"/>
-        <a:font script="Yiii" typeface="Microsoft Yi Baiti"/>
-        <a:font script="Tibt" typeface="Microsoft Himalaya"/>
-        <a:font script="Thaa" typeface="MV Boli"/>
-        <a:font script="Deva" typeface="Mangal"/>
-        <a:font script="Telu" typeface="Gautami"/>
-        <a:font script="Taml" typeface="Latha"/>
-        <a:font script="Syrc" typeface="Estrangelo Edessa"/>
-        <a:font script="Orya" typeface="Kalinga"/>
-        <a:font script="Mlym" typeface="Kartika"/>
-        <a:font script="Laoo" typeface="DokChampa"/>
-        <a:font script="Sinh" typeface="Iskoola Pota"/>
-        <a:font script="Mong" typeface="Mongolian Baiti"/>
-        <a:font script="Viet" typeface="Arial"/>
-        <a:font script="Uigh" typeface="Microsoft Uighur"/>
-        <a:font script="Geor" typeface="Sylfaen"/>
-        <a:font script="Armn" typeface="Arial"/>
-        <a:font script="Bugi" typeface="Leelawadee UI"/>
-        <a:font script="Bopo" typeface="Microsoft JhengHei"/>
-        <a:font script="Java" typeface="Javanese Text"/>
-        <a:font script="Lisu" typeface="Segoe UI"/>
-        <a:font script="Mymr" typeface="Myanmar Text"/>
-        <a:font script="Nkoo" typeface="Ebrima"/>
-        <a:font script="Olck" typeface="Nirmala UI"/>
-        <a:font script="Osma" typeface="Ebrima"/>
-        <a:font script="Phag" typeface="Phagspa"/>
-        <a:font script="Syrn" typeface="Estrangelo Edessa"/>
-        <a:font script="Syrj" typeface="Estrangelo Edessa"/>
-        <a:font script="Syre" typeface="Estrangelo Edessa"/>
-        <a:font script="Sora" typeface="Nirmala UI"/>
-        <a:font script="Tale" typeface="Microsoft Tai Le"/>
-        <a:font script="Talu" typeface="Microsoft New Tai Lue"/>
-        <a:font script="Tfng" typeface="Ebrima"/>
-      </a:minorFont>
-    </a:fontScheme>
-    <a:fmtScheme name="Office">
-      <a:fillStyleLst>
-        <a:solidFill>
-          <a:schemeClr val="phClr"/>
-        </a:solidFill>
-        <a:gradFill rotWithShape="1">
-          <a:gsLst>
-            <a:gs pos="0">
-              <a:schemeClr val="phClr">
-                <a:lumMod val="110000"/>
-                <a:satMod val="105000"/>
-                <a:tint val="67000"/>
-              </a:schemeClr>
-            </a:gs>
-            <a:gs pos="50000">
-              <a:schemeClr val="phClr">
-                <a:lumMod val="105000"/>
-                <a:satMod val="103000"/>
-                <a:tint val="73000"/>
-              </a:schemeClr>
-            </a:gs>
-            <a:gs pos="100000">
-              <a:schemeClr val="phClr">
-                <a:lumMod val="105000"/>
-                <a:satMod val="109000"/>
-                <a:tint val="81000"/>
-              </a:schemeClr>
-            </a:gs>
-          </a:gsLst>
-          <a:lin ang="5400000" scaled="0"/>
-        </a:gradFill>
-        <a:gradFill rotWithShape="1">
-          <a:gsLst>
-            <a:gs pos="0">
-              <a:schemeClr val="phClr">
-                <a:satMod val="103000"/>
-                <a:lumMod val="102000"/>
-                <a:tint val="94000"/>
-              </a:schemeClr>
-            </a:gs>
-            <a:gs pos="50000">
-              <a:schemeClr val="phClr">
-                <a:satMod val="110000"/>
-                <a:lumMod val="100000"/>
-                <a:shade val="100000"/>
-              </a:schemeClr>
-            </a:gs>
-            <a:gs pos="100000">
-              <a:schemeClr val="phClr">
-                <a:lumMod val="99000"/>
-                <a:satMod val="120000"/>
-                <a:shade val="78000"/>
-              </a:schemeClr>
-            </a:gs>
-          </a:gsLst>
-          <a:lin ang="5400000" scaled="0"/>
-        </a:gradFill>
-      </a:fillStyleLst>
-      <a:lnStyleLst>
-        <a:ln w="6350" cap="flat" cmpd="sng" algn="ctr">
-          <a:solidFill>
-            <a:schemeClr val="phClr"/>
-          </a:solidFill>
-          <a:prstDash val="solid"/>
-          <a:miter lim="800000"/>
-        </a:ln>
-        <a:ln w="12700" cap="flat" cmpd="sng" algn="ctr">
-          <a:solidFill>
-            <a:schemeClr val="phClr"/>
-          </a:solidFill>
-          <a:prstDash val="solid"/>
-          <a:miter lim="800000"/>
-        </a:ln>
-        <a:ln w="19050" cap="flat" cmpd="sng" algn="ctr">
-          <a:solidFill>
-            <a:schemeClr val="phClr"/>
-          </a:solidFill>
-          <a:prstDash val="solid"/>
-          <a:miter lim="800000"/>
-        </a:ln>
-      </a:lnStyleLst>
-      <a:effectStyleLst>
-        <a:effectStyle>
-          <a:effectLst/>
-        </a:effectStyle>
-        <a:effectStyle>
-          <a:effectLst/>
-        </a:effectStyle>
-        <a:effectStyle>
-          <a:effectLst>
-            <a:outerShdw blurRad="57150" dist="19050" dir="5400000" algn="ctr" rotWithShape="0">
-              <a:srgbClr val="000000">
-                <a:alpha val="63000"/>
-              </a:srgbClr>
-            </a:outerShdw>
-          </a:effectLst>
-        </a:effectStyle>
-      </a:effectStyleLst>
-      <a:bgFillStyleLst>
-        <a:solidFill>
-          <a:schemeClr val="phClr"/>
-        </a:solidFill>
-        <a:solidFill>
-          <a:schemeClr val="phClr">
-            <a:tint val="95000"/>
-            <a:satMod val="170000"/>
-          </a:schemeClr>
-        </a:solidFill>
-        <a:gradFill rotWithShape="1">
-          <a:gsLst>
-            <a:gs pos="0">
-              <a:schemeClr val="phClr">
-                <a:tint val="93000"/>
-                <a:satMod val="150000"/>
-                <a:shade val="98000"/>
-                <a:lumMod val="102000"/>
-              </a:schemeClr>
-            </a:gs>
-            <a:gs pos="50000">
-              <a:schemeClr val="phClr">
-                <a:tint val="98000"/>
-                <a:satMod val="130000"/>
-                <a:shade val="90000"/>
-                <a:lumMod val="103000"/>
-              </a:schemeClr>
-            </a:gs>
-            <a:gs pos="100000">
-              <a:schemeClr val="phClr">
-                <a:shade val="63000"/>
-                <a:satMod val="120000"/>
-              </a:schemeClr>
-            </a:gs>
-          </a:gsLst>
-          <a:lin ang="5400000" scaled="0"/>
-        </a:gradFill>
-      </a:bgFillStyleLst>
-    </a:fmtScheme>
-  </a:themeElements>
-  <a:objectDefaults/>
-  <a:extraClrSchemeLst/>
-  <a:extLst>
-    <a:ext uri="{05A4C25C-085E-4340-85A3-A5531E510DB2}">
-      <thm15:themeFamily xmlns:thm15="http://schemas.microsoft.com/office/thememl/2012/main" name="Office Theme" id="{62F939B6-93AF-4DB8-9C6B-D6C7DFDC589F}" vid="{4A3C46E8-61CC-4603-A589-7422A47A8E4A}"/>
-    </a:ext>
-  </a:extLst>
-</a:theme>
-</file>
-
-<file path=customXml/item1.xml><?xml version="1.0" encoding="utf-8"?>
-<p:properties xmlns:p="http://schemas.microsoft.com/office/2006/metadata/properties" xmlns:xsi="http://www.w3.org/2001/XMLSchema-instance" xmlns:pc="http://schemas.microsoft.com/office/infopath/2007/PartnerControls">
-  <documentManagement>
-    <lcf76f155ced4ddcb4097134ff3c332f xmlns="6dd700bd-da09-4649-9444-0dda6d878ea0">
-      <Terms xmlns="http://schemas.microsoft.com/office/infopath/2007/PartnerControls"/>
-    </lcf76f155ced4ddcb4097134ff3c332f>
-    <TaxCatchAll xmlns="864686ff-c528-4121-8c14-dfe2dfe54fd3" xsi:nil="true"/>
-  </documentManagement>
-</p:properties>
-</file>
-
-<file path=customXml/item2.xml><?xml version="1.0" encoding="utf-8"?>
-<ct:contentTypeSchema xmlns:ct="http://schemas.microsoft.com/office/2006/metadata/contentType" xmlns:ma="http://schemas.microsoft.com/office/2006/metadata/properties/metaAttributes" ct:_="" ma:_="" ma:contentTypeName="Document" ma:contentTypeID="0x01010044EBA828D669A945A665683A6A0700C6" ma:contentTypeVersion="16" ma:contentTypeDescription="Create a new document." ma:contentTypeScope="" ma:versionID="3689712686b1536c59bae695a2aec147">
-  <xsd:schema xmlns:xsd="http://www.w3.org/2001/XMLSchema" xmlns:xs="http://www.w3.org/2001/XMLSchema" xmlns:p="http://schemas.microsoft.com/office/2006/metadata/properties" xmlns:ns2="6dd700bd-da09-4649-9444-0dda6d878ea0" xmlns:ns3="864686ff-c528-4121-8c14-dfe2dfe54fd3" targetNamespace="http://schemas.microsoft.com/office/2006/metadata/properties" ma:root="true" ma:fieldsID="b09bedee47c1608be4bb72120d99801d" ns2:_="" ns3:_="">
-    <xsd:import namespace="6dd700bd-da09-4649-9444-0dda6d878ea0"/>
-    <xsd:import namespace="864686ff-c528-4121-8c14-dfe2dfe54fd3"/>
-    <xsd:element name="properties">
-      <xsd:complexType>
-        <xsd:sequence>
-          <xsd:element name="documentManagement">
-            <xsd:complexType>
-              <xsd:all>
-                <xsd:element ref="ns2:MediaServiceMetadata" minOccurs="0"/>
-                <xsd:element ref="ns2:MediaServiceFastMetadata" minOccurs="0"/>
-                <xsd:element ref="ns2:MediaLengthInSeconds" minOccurs="0"/>
-                <xsd:element ref="ns2:MediaServiceDateTaken" minOccurs="0"/>
-                <xsd:element ref="ns3:SharedWithUsers" minOccurs="0"/>
-                <xsd:element ref="ns3:SharedWithDetails" minOccurs="0"/>
-                <xsd:element ref="ns2:lcf76f155ced4ddcb4097134ff3c332f" minOccurs="0"/>
-                <xsd:element ref="ns3:TaxCatchAll" minOccurs="0"/>
-                <xsd:element ref="ns2:MediaServiceGenerationTime" minOccurs="0"/>
-                <xsd:element ref="ns2:MediaServiceEventHashCode" minOccurs="0"/>
-                <xsd:element ref="ns2:MediaServiceOCR" minOccurs="0"/>
-                <xsd:element ref="ns2:MediaServiceObjectDetectorVersions" minOccurs="0"/>
-                <xsd:element ref="ns2:MediaServiceSearchProperties" minOccurs="0"/>
-                <xsd:element ref="ns2:MediaServiceLocation" minOccurs="0"/>
-              </xsd:all>
-            </xsd:complexType>
-          </xsd:element>
-        </xsd:sequence>
-      </xsd:complexType>
-    </xsd:element>
-  </xsd:schema>
-  <xsd:schema xmlns:xsd="http://www.w3.org/2001/XMLSchema" xmlns:xs="http://www.w3.org/2001/XMLSchema" xmlns:dms="http://schemas.microsoft.com/office/2006/documentManagement/types" xmlns:pc="http://schemas.microsoft.com/office/infopath/2007/PartnerControls" targetNamespace="6dd700bd-da09-4649-9444-0dda6d878ea0" elementFormDefault="qualified">
-    <xsd:import namespace="http://schemas.microsoft.com/office/2006/documentManagement/types"/>
-    <xsd:import namespace="http://schemas.microsoft.com/office/infopath/2007/PartnerControls"/>
-    <xsd:element name="MediaServiceMetadata" ma:index="8" nillable="true" ma:displayName="MediaServiceMetadata" ma:hidden="true" ma:internalName="MediaServiceMetadata" ma:readOnly="true">
-      <xsd:simpleType>
-        <xsd:restriction base="dms:Note"/>
-      </xsd:simpleType>
-    </xsd:element>
-    <xsd:element name="MediaServiceFastMetadata" ma:index="9" nillable="true" ma:displayName="MediaServiceFastMetadata" ma:hidden="true" ma:internalName="MediaServiceFastMetadata" ma:readOnly="true">
-      <xsd:simpleType>
-        <xsd:restriction base="dms:Note"/>
-      </xsd:simpleType>
-    </xsd:element>
-    <xsd:element name="MediaLengthInSeconds" ma:index="10" nillable="true" ma:displayName="MediaLengthInSeconds" ma:hidden="true" ma:internalName="MediaLengthInSeconds" ma:readOnly="true">
-      <xsd:simpleType>
-        <xsd:restriction base="dms:Unknown"/>
-      </xsd:simpleType>
-    </xsd:element>
-    <xsd:element name="MediaServiceDateTaken" ma:index="11" nillable="true" ma:displayName="MediaServiceDateTaken" ma:hidden="true" ma:internalName="MediaServiceDateTaken" ma:readOnly="true">
-      <xsd:simpleType>
-        <xsd:restriction base="dms:Text"/>
-      </xsd:simpleType>
-    </xsd:element>
-    <xsd:element name="lcf76f155ced4ddcb4097134ff3c332f" ma:index="15" nillable="true" ma:taxonomy="true" ma:internalName="lcf76f155ced4ddcb4097134ff3c332f" ma:taxonomyFieldName="MediaServiceImageTags" ma:displayName="Image Tags" ma:readOnly="false" ma:fieldId="{5cf76f15-5ced-4ddc-b409-7134ff3c332f}" ma:taxonomyMulti="true" ma:sspId="d14de46d-d306-4096-aa35-c0c8680c1020" ma:termSetId="09814cd3-568e-fe90-9814-8d621ff8fb84" ma:anchorId="fba54fb3-c3e1-fe81-a776-ca4b69148c4d" ma:open="true" ma:isKeyword="false">
-      <xsd:complexType>
-        <xsd:sequence>
-          <xsd:element ref="pc:Terms" minOccurs="0" maxOccurs="1"/>
-        </xsd:sequence>
-      </xsd:complexType>
-    </xsd:element>
-    <xsd:element name="MediaServiceGenerationTime" ma:index="17" nillable="true" ma:displayName="MediaServiceGenerationTime" ma:hidden="true" ma:internalName="MediaServiceGenerationTime" ma:readOnly="true">
-      <xsd:simpleType>
-        <xsd:restriction base="dms:Text"/>
-      </xsd:simpleType>
-    </xsd:element>
-    <xsd:element name="MediaServiceEventHashCode" ma:index="18" nillable="true" ma:displayName="MediaServiceEventHashCode" ma:hidden="true" ma:internalName="MediaServiceEventHashCode" ma:readOnly="true">
-      <xsd:simpleType>
-        <xsd:restriction base="dms:Text"/>
-      </xsd:simpleType>
-    </xsd:element>
-    <xsd:element name="MediaServiceOCR" ma:index="19" nillable="true" ma:displayName="Extracted Text" ma:internalName="MediaServiceOCR" ma:readOnly="true">
-      <xsd:simpleType>
-        <xsd:restriction base="dms:Note">
-          <xsd:maxLength value="255"/>
-        </xsd:restriction>
-      </xsd:simpleType>
-    </xsd:element>
-    <xsd:element name="MediaServiceObjectDetectorVersions" ma:index="20" nillable="true" ma:displayName="MediaServiceObjectDetectorVersions" ma:hidden="true" ma:indexed="true" ma:internalName="MediaServiceObjectDetectorVersions" ma:readOnly="true">
-      <xsd:simpleType>
-        <xsd:restriction base="dms:Text"/>
-      </xsd:simpleType>
-    </xsd:element>
-    <xsd:element name="MediaServiceSearchProperties" ma:index="21" nillable="true" ma:displayName="MediaServiceSearchProperties" ma:hidden="true" ma:internalName="MediaServiceSearchProperties" ma:readOnly="true">
-      <xsd:simpleType>
-        <xsd:restriction base="dms:Note"/>
-      </xsd:simpleType>
-    </xsd:element>
-    <xsd:element name="MediaServiceLocation" ma:index="22" nillable="true" ma:displayName="Location" ma:description="" ma:indexed="true" ma:internalName="MediaServiceLocation" ma:readOnly="true">
-      <xsd:simpleType>
-        <xsd:restriction base="dms:Text"/>
-      </xsd:simpleType>
-    </xsd:element>
-  </xsd:schema>
-  <xsd:schema xmlns:xsd="http://www.w3.org/2001/XMLSchema" xmlns:xs="http://www.w3.org/2001/XMLSchema" xmlns:dms="http://schemas.microsoft.com/office/2006/documentManagement/types" xmlns:pc="http://schemas.microsoft.com/office/infopath/2007/PartnerControls" targetNamespace="864686ff-c528-4121-8c14-dfe2dfe54fd3" elementFormDefault="qualified">
-    <xsd:import namespace="http://schemas.microsoft.com/office/2006/documentManagement/types"/>
-    <xsd:import namespace="http://schemas.microsoft.com/office/infopath/2007/PartnerControls"/>
-    <xsd:element name="SharedWithUsers" ma:index="12" nillable="true" ma:displayName="Shared With" ma:internalName="SharedWithUsers" ma:readOnly="true">
-      <xsd:complexType>
-        <xsd:complexContent>
-          <xsd:extension base="dms:UserMulti">
-            <xsd:sequence>
-              <xsd:element name="UserInfo" minOccurs="0" maxOccurs="unbounded">
-                <xsd:complexType>
-                  <xsd:sequence>
-                    <xsd:element name="DisplayName" type="xsd:string" minOccurs="0"/>
-                    <xsd:element name="AccountId" type="dms:UserId" minOccurs="0" nillable="true"/>
-                    <xsd:element name="AccountType" type="xsd:string" minOccurs="0"/>
-                  </xsd:sequence>
-                </xsd:complexType>
-              </xsd:element>
-            </xsd:sequence>
-          </xsd:extension>
-        </xsd:complexContent>
-      </xsd:complexType>
-    </xsd:element>
-    <xsd:element name="SharedWithDetails" ma:index="13" nillable="true" ma:displayName="Shared With Details" ma:internalName="SharedWithDetails" ma:readOnly="true">
-      <xsd:simpleType>
-        <xsd:restriction base="dms:Note">
-          <xsd:maxLength value="255"/>
-        </xsd:restriction>
-      </xsd:simpleType>
-    </xsd:element>
-    <xsd:element name="TaxCatchAll" ma:index="16" nillable="true" ma:displayName="Taxonomy Catch All Column" ma:hidden="true" ma:list="{225ba9f0-7af7-415e-a485-bfde88f13ed4}" ma:internalName="TaxCatchAll" ma:showField="CatchAllData" ma:web="864686ff-c528-4121-8c14-dfe2dfe54fd3">
-      <xsd:complexType>
-        <xsd:complexContent>
-          <xsd:extension base="dms:MultiChoiceLookup">
-            <xsd:sequence>
-              <xsd:element name="Value" type="dms:Lookup" maxOccurs="unbounded" minOccurs="0" nillable="true"/>
-            </xsd:sequence>
-          </xsd:extension>
-        </xsd:complexContent>
-      </xsd:complexType>
-    </xsd:element>
-  </xsd:schema>
-  <xsd:schema xmlns="http://schemas.openxmlformats.org/package/2006/metadata/core-properties" xmlns:xsd="http://www.w3.org/2001/XMLSchema" xmlns:xsi="http://www.w3.org/2001/XMLSchema-instance" xmlns:dc="http://purl.org/dc/elements/1.1/" xmlns:dcterms="http://purl.org/dc/terms/" xmlns:odoc="http://schemas.microsoft.com/internal/obd" targetNamespace="http://schemas.openxmlformats.org/package/2006/metadata/core-properties" elementFormDefault="qualified" attributeFormDefault="unqualified" blockDefault="#all">
-    <xsd:import namespace="http://purl.org/dc/elements/1.1/" schemaLocation="http://dublincore.org/schemas/xmls/qdc/2003/04/02/dc.xsd"/>
-    <xsd:import namespace="http://purl.org/dc/terms/" schemaLocation="http://dublincore.org/schemas/xmls/qdc/2003/04/02/dcterms.xsd"/>
-    <xsd:element name="coreProperties" type="CT_coreProperties"/>
-    <xsd:complexType name="CT_coreProperties">
-      <xsd:all>
-        <xsd:element ref="dc:creator" minOccurs="0" maxOccurs="1"/>
-        <xsd:element ref="dcterms:created" minOccurs="0" maxOccurs="1"/>
-        <xsd:element ref="dc:identifier" minOccurs="0" maxOccurs="1"/>
-        <xsd:element name="contentType" minOccurs="0" maxOccurs="1" type="xsd:string" ma:index="0" ma:displayName="Content Type"/>
-        <xsd:element ref="dc:title" minOccurs="0" maxOccurs="1" ma:index="4" ma:displayName="Title"/>
-        <xsd:element ref="dc:subject" minOccurs="0" maxOccurs="1"/>
-        <xsd:element ref="dc:description" minOccurs="0" maxOccurs="1"/>
-        <xsd:element name="keywords" minOccurs="0" maxOccurs="1" type="xsd:string"/>
-        <xsd:element ref="dc:language" minOccurs="0" maxOccurs="1"/>
-        <xsd:element name="category" minOccurs="0" maxOccurs="1" type="xsd:string"/>
-        <xsd:element name="version" minOccurs="0" maxOccurs="1" type="xsd:string"/>
-        <xsd:element name="revision" minOccurs="0" maxOccurs="1" type="xsd:string">
-          <xsd:annotation>
-            <xsd:documentation>
-                        This value indicates the number of saves or revisions. The application is responsible for updating this value after each revision.
-                    </xsd:documentation>
-          </xsd:annotation>
-        </xsd:element>
-        <xsd:element name="lastModifiedBy" minOccurs="0" maxOccurs="1" type="xsd:string"/>
-        <xsd:element ref="dcterms:modified" minOccurs="0" maxOccurs="1"/>
-        <xsd:element name="contentStatus" minOccurs="0" maxOccurs="1" type="xsd:string"/>
-      </xsd:all>
-    </xsd:complexType>
-  </xsd:schema>
-  <xs:schema xmlns:pc="http://schemas.microsoft.com/office/infopath/2007/PartnerControls" xmlns:xs="http://www.w3.org/2001/XMLSchema" targetNamespace="http://schemas.microsoft.com/office/infopath/2007/PartnerControls" elementFormDefault="qualified" attributeFormDefault="unqualified">
-    <xs:element name="Person">
-      <xs:complexType>
-        <xs:sequence>
-          <xs:element ref="pc:DisplayName" minOccurs="0"/>
-          <xs:element ref="pc:AccountId" minOccurs="0"/>
-          <xs:element ref="pc:AccountType" minOccurs="0"/>
-        </xs:sequence>
-      </xs:complexType>
-    </xs:element>
-    <xs:element name="DisplayName" type="xs:string"/>
-    <xs:element name="AccountId" type="xs:string"/>
-    <xs:element name="AccountType" type="xs:string"/>
-    <xs:element name="BDCAssociatedEntity">
-      <xs:complexType>
-        <xs:sequence>
-          <xs:element ref="pc:BDCEntity" minOccurs="0" maxOccurs="unbounded"/>
-        </xs:sequence>
-        <xs:attribute ref="pc:EntityNamespace"/>
-        <xs:attribute ref="pc:EntityName"/>
-        <xs:attribute ref="pc:SystemInstanceName"/>
-        <xs:attribute ref="pc:AssociationName"/>
-      </xs:complexType>
-    </xs:element>
-    <xs:attribute name="EntityNamespace" type="xs:string"/>
-    <xs:attribute name="EntityName" type="xs:string"/>
-    <xs:attribute name="SystemInstanceName" type="xs:string"/>
-    <xs:attribute name="AssociationName" type="xs:string"/>
-    <xs:element name="BDCEntity">
-      <xs:complexType>
-        <xs:sequence>
-          <xs:element ref="pc:EntityDisplayName" minOccurs="0"/>
-          <xs:element ref="pc:EntityInstanceReference" minOccurs="0"/>
-          <xs:element ref="pc:EntityId1" minOccurs="0"/>
-          <xs:element ref="pc:EntityId2" minOccurs="0"/>
-          <xs:element ref="pc:EntityId3" minOccurs="0"/>
-          <xs:element ref="pc:EntityId4" minOccurs="0"/>
-          <xs:element ref="pc:EntityId5" minOccurs="0"/>
-        </xs:sequence>
-      </xs:complexType>
-    </xs:element>
-    <xs:element name="EntityDisplayName" type="xs:string"/>
-    <xs:element name="EntityInstanceReference" type="xs:string"/>
-    <xs:element name="EntityId1" type="xs:string"/>
-    <xs:element name="EntityId2" type="xs:string"/>
-    <xs:element name="EntityId3" type="xs:string"/>
-    <xs:element name="EntityId4" type="xs:string"/>
-    <xs:element name="EntityId5" type="xs:string"/>
-    <xs:element name="Terms">
-      <xs:complexType>
-        <xs:sequence>
-          <xs:element ref="pc:TermInfo" minOccurs="0" maxOccurs="unbounded"/>
-        </xs:sequence>
-      </xs:complexType>
-    </xs:element>
-    <xs:element name="TermInfo">
-      <xs:complexType>
-        <xs:sequence>
-          <xs:element ref="pc:TermName" minOccurs="0"/>
-          <xs:element ref="pc:TermId" minOccurs="0"/>
-        </xs:sequence>
-      </xs:complexType>
-    </xs:element>
-    <xs:element name="TermName" type="xs:string"/>
-    <xs:element name="TermId" type="xs:string"/>
-  </xs:schema>
-</ct:contentTypeSchema>
-</file>
-
-<file path=customXml/itemProps1.xml><?xml version="1.0" encoding="utf-8"?>
-<ds:datastoreItem xmlns:ds="http://schemas.openxmlformats.org/officeDocument/2006/customXml" ds:itemID="{D3B317A9-6803-48C9-9473-817C969622FE}">
-  <ds:schemaRefs>
-    <ds:schemaRef ds:uri="http://schemas.microsoft.com/office/2006/documentManagement/types"/>
-    <ds:schemaRef ds:uri="http://purl.org/dc/elements/1.1/"/>
-    <ds:schemaRef ds:uri="http://purl.org/dc/dcmitype/"/>
-    <ds:schemaRef ds:uri="6dd700bd-da09-4649-9444-0dda6d878ea0"/>
-    <ds:schemaRef ds:uri="http://www.w3.org/XML/1998/namespace"/>
-    <ds:schemaRef ds:uri="http://purl.org/dc/terms/"/>
-    <ds:schemaRef ds:uri="http://schemas.microsoft.com/office/2006/metadata/properties"/>
-    <ds:schemaRef ds:uri="http://schemas.microsoft.com/office/infopath/2007/PartnerControls"/>
-    <ds:schemaRef ds:uri="http://schemas.openxmlformats.org/package/2006/metadata/core-properties"/>
-    <ds:schemaRef ds:uri="864686ff-c528-4121-8c14-dfe2dfe54fd3"/>
-  </ds:schemaRefs>
-</ds:datastoreItem>
-</file>
-
-<file path=customXml/itemProps2.xml><?xml version="1.0" encoding="utf-8"?>
-<ds:datastoreItem xmlns:ds="http://schemas.openxmlformats.org/officeDocument/2006/customXml" ds:itemID="{343A29A7-6CC8-4547-B6F1-D3AFCBF90A13}">
-  <ds:schemaRefs>
-    <ds:schemaRef ds:uri="6dd700bd-da09-4649-9444-0dda6d878ea0"/>
-    <ds:schemaRef ds:uri="864686ff-c528-4121-8c14-dfe2dfe54fd3"/>
-    <ds:schemaRef ds:uri="http://purl.org/dc/elements/1.1/"/>
-    <ds:schemaRef ds:uri="http://purl.org/dc/terms/"/>
-    <ds:schemaRef ds:uri="http://schemas.microsoft.com/internal/obd"/>
-    <ds:schemaRef ds:uri="http://schemas.microsoft.com/office/2006/documentManagement/types"/>
-    <ds:schemaRef ds:uri="http://schemas.microsoft.com/office/2006/metadata/contentType"/>
-    <ds:schemaRef ds:uri="http://schemas.microsoft.com/office/2006/metadata/properties"/>
-    <ds:schemaRef ds:uri="http://schemas.microsoft.com/office/2006/metadata/properties/metaAttributes"/>
-    <ds:schemaRef ds:uri="http://schemas.microsoft.com/office/infopath/2007/PartnerControls"/>
-    <ds:schemaRef ds:uri="http://schemas.openxmlformats.org/package/2006/metadata/core-properties"/>
-    <ds:schemaRef ds:uri="http://www.w3.org/2001/XMLSchema"/>
-  </ds:schemaRefs>
-</ds:datastoreItem>
 </file>